--- a/presentations/Assignment14.pptx
+++ b/presentations/Assignment14.pptx
@@ -7975,7 +7975,7 @@
             </a:pPr>
             <a:r>
               <a:rPr lang="en"/>
-              <a:t>Microigames lacking in signifiers</a:t>
+              <a:t>Microgames lacking in signifiers</a:t>
             </a:r>
             <a:endParaRPr/>
           </a:p>

--- a/presentations/Assignment14.pptx
+++ b/presentations/Assignment14.pptx
@@ -1,46 +1,46 @@
 
 <file path=ppt/presentation.xml><?xml version="1.0" encoding="utf-8"?>
-<p:presentation xmlns:a="http://schemas.openxmlformats.org/drawingml/2006/main" xmlns:r="http://schemas.openxmlformats.org/officeDocument/2006/relationships" xmlns:mc="http://schemas.openxmlformats.org/markup-compatibility/2006" xmlns:mv="urn:schemas-microsoft-com:mac:vml" xmlns:p="http://schemas.openxmlformats.org/presentationml/2006/main" xmlns:c="http://schemas.openxmlformats.org/drawingml/2006/chart" xmlns:dgm="http://schemas.openxmlformats.org/drawingml/2006/diagram" xmlns:o="urn:schemas-microsoft-com:office:office" xmlns:v="urn:schemas-microsoft-com:vml" xmlns:pvml="urn:schemas-microsoft-com:office:powerpoint" xmlns:com="http://schemas.openxmlformats.org/drawingml/2006/compatibility" xmlns:p14="http://schemas.microsoft.com/office/powerpoint/2010/main" xmlns:p15="http://schemas.microsoft.com/office/powerpoint/2012/main" autoCompressPictures="0" embedTrueTypeFonts="1" strictFirstAndLastChars="0" saveSubsetFonts="1">
+<p:presentation xmlns:a="http://schemas.openxmlformats.org/drawingml/2006/main" xmlns:r="http://schemas.openxmlformats.org/officeDocument/2006/relationships" xmlns:p="http://schemas.openxmlformats.org/presentationml/2006/main" strictFirstAndLastChars="0" embedTrueTypeFonts="1" saveSubsetFonts="1" autoCompressPictures="0">
   <p:sldMasterIdLst>
-    <p:sldMasterId id="2147483659" r:id="rId4"/>
+    <p:sldMasterId id="2147483659" r:id="rId1"/>
   </p:sldMasterIdLst>
   <p:notesMasterIdLst>
-    <p:notesMasterId r:id="rId5"/>
+    <p:notesMasterId r:id="rId17"/>
   </p:notesMasterIdLst>
   <p:sldIdLst>
-    <p:sldId id="256" r:id="rId6"/>
-    <p:sldId id="257" r:id="rId7"/>
-    <p:sldId id="258" r:id="rId8"/>
-    <p:sldId id="259" r:id="rId9"/>
-    <p:sldId id="260" r:id="rId10"/>
-    <p:sldId id="261" r:id="rId11"/>
-    <p:sldId id="262" r:id="rId12"/>
-    <p:sldId id="263" r:id="rId13"/>
-    <p:sldId id="264" r:id="rId14"/>
-    <p:sldId id="265" r:id="rId15"/>
-    <p:sldId id="266" r:id="rId16"/>
-    <p:sldId id="267" r:id="rId17"/>
-    <p:sldId id="268" r:id="rId18"/>
-    <p:sldId id="269" r:id="rId19"/>
-    <p:sldId id="270" r:id="rId20"/>
+    <p:sldId id="256" r:id="rId2"/>
+    <p:sldId id="257" r:id="rId3"/>
+    <p:sldId id="258" r:id="rId4"/>
+    <p:sldId id="259" r:id="rId5"/>
+    <p:sldId id="260" r:id="rId6"/>
+    <p:sldId id="261" r:id="rId7"/>
+    <p:sldId id="262" r:id="rId8"/>
+    <p:sldId id="263" r:id="rId9"/>
+    <p:sldId id="264" r:id="rId10"/>
+    <p:sldId id="265" r:id="rId11"/>
+    <p:sldId id="266" r:id="rId12"/>
+    <p:sldId id="267" r:id="rId13"/>
+    <p:sldId id="268" r:id="rId14"/>
+    <p:sldId id="269" r:id="rId15"/>
+    <p:sldId id="270" r:id="rId16"/>
   </p:sldIdLst>
-  <p:sldSz cy="5143500" cx="9144000"/>
+  <p:sldSz cx="9144000" cy="5143500" type="screen16x9"/>
   <p:notesSz cx="6858000" cy="9144000"/>
   <p:embeddedFontLst>
     <p:embeddedFont>
-      <p:font typeface="Proxima Nova"/>
-      <p:regular r:id="rId21"/>
-      <p:bold r:id="rId22"/>
-      <p:italic r:id="rId23"/>
-      <p:boldItalic r:id="rId24"/>
+      <p:font typeface="Proxima Nova" panose="020B0604020202020204" charset="0"/>
+      <p:regular r:id="rId18"/>
+      <p:bold r:id="rId19"/>
+      <p:italic r:id="rId20"/>
+      <p:boldItalic r:id="rId21"/>
     </p:embeddedFont>
     <p:embeddedFont>
-      <p:font typeface="Proxima Nova Extrabold"/>
-      <p:bold r:id="rId25"/>
+      <p:font typeface="Proxima Nova Extrabold" panose="020B0604020202020204" charset="0"/>
+      <p:bold r:id="rId22"/>
     </p:embeddedFont>
   </p:embeddedFontLst>
   <p:defaultTextStyle>
-    <a:defPPr lvl="0" marR="0" rtl="0" algn="l">
+    <a:defPPr marR="0" lvl="0" algn="l" rtl="0">
       <a:lnSpc>
         <a:spcPct val="100000"/>
       </a:lnSpc>
@@ -51,7 +51,7 @@
         <a:spcPts val="0"/>
       </a:spcAft>
     </a:defPPr>
-    <a:lvl1pPr lvl="0" marR="0" rtl="0" algn="l">
+    <a:lvl1pPr marR="0" lvl="0" algn="l" rtl="0">
       <a:lnSpc>
         <a:spcPct val="100000"/>
       </a:lnSpc>
@@ -65,7 +65,7 @@
         <a:srgbClr val="000000"/>
       </a:buClr>
       <a:buFont typeface="Arial"/>
-      <a:defRPr b="0" i="0" sz="1400" u="none" cap="none" strike="noStrike">
+      <a:defRPr sz="1400" b="0" i="0" u="none" strike="noStrike" cap="none">
         <a:solidFill>
           <a:srgbClr val="000000"/>
         </a:solidFill>
@@ -75,7 +75,7 @@
         <a:sym typeface="Arial"/>
       </a:defRPr>
     </a:lvl1pPr>
-    <a:lvl2pPr lvl="1" marR="0" rtl="0" algn="l">
+    <a:lvl2pPr marR="0" lvl="1" algn="l" rtl="0">
       <a:lnSpc>
         <a:spcPct val="100000"/>
       </a:lnSpc>
@@ -89,7 +89,7 @@
         <a:srgbClr val="000000"/>
       </a:buClr>
       <a:buFont typeface="Arial"/>
-      <a:defRPr b="0" i="0" sz="1400" u="none" cap="none" strike="noStrike">
+      <a:defRPr sz="1400" b="0" i="0" u="none" strike="noStrike" cap="none">
         <a:solidFill>
           <a:srgbClr val="000000"/>
         </a:solidFill>
@@ -99,7 +99,7 @@
         <a:sym typeface="Arial"/>
       </a:defRPr>
     </a:lvl2pPr>
-    <a:lvl3pPr lvl="2" marR="0" rtl="0" algn="l">
+    <a:lvl3pPr marR="0" lvl="2" algn="l" rtl="0">
       <a:lnSpc>
         <a:spcPct val="100000"/>
       </a:lnSpc>
@@ -113,7 +113,7 @@
         <a:srgbClr val="000000"/>
       </a:buClr>
       <a:buFont typeface="Arial"/>
-      <a:defRPr b="0" i="0" sz="1400" u="none" cap="none" strike="noStrike">
+      <a:defRPr sz="1400" b="0" i="0" u="none" strike="noStrike" cap="none">
         <a:solidFill>
           <a:srgbClr val="000000"/>
         </a:solidFill>
@@ -123,7 +123,7 @@
         <a:sym typeface="Arial"/>
       </a:defRPr>
     </a:lvl3pPr>
-    <a:lvl4pPr lvl="3" marR="0" rtl="0" algn="l">
+    <a:lvl4pPr marR="0" lvl="3" algn="l" rtl="0">
       <a:lnSpc>
         <a:spcPct val="100000"/>
       </a:lnSpc>
@@ -137,7 +137,7 @@
         <a:srgbClr val="000000"/>
       </a:buClr>
       <a:buFont typeface="Arial"/>
-      <a:defRPr b="0" i="0" sz="1400" u="none" cap="none" strike="noStrike">
+      <a:defRPr sz="1400" b="0" i="0" u="none" strike="noStrike" cap="none">
         <a:solidFill>
           <a:srgbClr val="000000"/>
         </a:solidFill>
@@ -147,7 +147,7 @@
         <a:sym typeface="Arial"/>
       </a:defRPr>
     </a:lvl4pPr>
-    <a:lvl5pPr lvl="4" marR="0" rtl="0" algn="l">
+    <a:lvl5pPr marR="0" lvl="4" algn="l" rtl="0">
       <a:lnSpc>
         <a:spcPct val="100000"/>
       </a:lnSpc>
@@ -161,7 +161,7 @@
         <a:srgbClr val="000000"/>
       </a:buClr>
       <a:buFont typeface="Arial"/>
-      <a:defRPr b="0" i="0" sz="1400" u="none" cap="none" strike="noStrike">
+      <a:defRPr sz="1400" b="0" i="0" u="none" strike="noStrike" cap="none">
         <a:solidFill>
           <a:srgbClr val="000000"/>
         </a:solidFill>
@@ -171,7 +171,7 @@
         <a:sym typeface="Arial"/>
       </a:defRPr>
     </a:lvl5pPr>
-    <a:lvl6pPr lvl="5" marR="0" rtl="0" algn="l">
+    <a:lvl6pPr marR="0" lvl="5" algn="l" rtl="0">
       <a:lnSpc>
         <a:spcPct val="100000"/>
       </a:lnSpc>
@@ -185,7 +185,7 @@
         <a:srgbClr val="000000"/>
       </a:buClr>
       <a:buFont typeface="Arial"/>
-      <a:defRPr b="0" i="0" sz="1400" u="none" cap="none" strike="noStrike">
+      <a:defRPr sz="1400" b="0" i="0" u="none" strike="noStrike" cap="none">
         <a:solidFill>
           <a:srgbClr val="000000"/>
         </a:solidFill>
@@ -195,7 +195,7 @@
         <a:sym typeface="Arial"/>
       </a:defRPr>
     </a:lvl6pPr>
-    <a:lvl7pPr lvl="6" marR="0" rtl="0" algn="l">
+    <a:lvl7pPr marR="0" lvl="6" algn="l" rtl="0">
       <a:lnSpc>
         <a:spcPct val="100000"/>
       </a:lnSpc>
@@ -209,7 +209,7 @@
         <a:srgbClr val="000000"/>
       </a:buClr>
       <a:buFont typeface="Arial"/>
-      <a:defRPr b="0" i="0" sz="1400" u="none" cap="none" strike="noStrike">
+      <a:defRPr sz="1400" b="0" i="0" u="none" strike="noStrike" cap="none">
         <a:solidFill>
           <a:srgbClr val="000000"/>
         </a:solidFill>
@@ -219,7 +219,7 @@
         <a:sym typeface="Arial"/>
       </a:defRPr>
     </a:lvl7pPr>
-    <a:lvl8pPr lvl="7" marR="0" rtl="0" algn="l">
+    <a:lvl8pPr marR="0" lvl="7" algn="l" rtl="0">
       <a:lnSpc>
         <a:spcPct val="100000"/>
       </a:lnSpc>
@@ -233,7 +233,7 @@
         <a:srgbClr val="000000"/>
       </a:buClr>
       <a:buFont typeface="Arial"/>
-      <a:defRPr b="0" i="0" sz="1400" u="none" cap="none" strike="noStrike">
+      <a:defRPr sz="1400" b="0" i="0" u="none" strike="noStrike" cap="none">
         <a:solidFill>
           <a:srgbClr val="000000"/>
         </a:solidFill>
@@ -243,7 +243,7 @@
         <a:sym typeface="Arial"/>
       </a:defRPr>
     </a:lvl8pPr>
-    <a:lvl9pPr lvl="8" marR="0" rtl="0" algn="l">
+    <a:lvl9pPr marR="0" lvl="8" algn="l" rtl="0">
       <a:lnSpc>
         <a:spcPct val="100000"/>
       </a:lnSpc>
@@ -257,7 +257,7 @@
         <a:srgbClr val="000000"/>
       </a:buClr>
       <a:buFont typeface="Arial"/>
-      <a:defRPr b="0" i="0" sz="1400" u="none" cap="none" strike="noStrike">
+      <a:defRPr sz="1400" b="0" i="0" u="none" strike="noStrike" cap="none">
         <a:solidFill>
           <a:srgbClr val="000000"/>
         </a:solidFill>
@@ -270,7 +270,7 @@
   </p:defaultTextStyle>
   <p:extLst>
     <p:ext uri="{EFAFB233-063F-42B5-8137-9DF3F51BA10A}">
-      <p15:sldGuideLst>
+      <p15:sldGuideLst xmlns:p15="http://schemas.microsoft.com/office/powerpoint/2012/main">
         <p15:guide id="1" orient="horz" pos="1620">
           <p15:clr>
             <a:srgbClr val="A4A3A4"/>
@@ -288,11 +288,16 @@
 </file>
 
 <file path=ppt/notesMasters/notesMaster1.xml><?xml version="1.0" encoding="utf-8"?>
-<p:notesMaster xmlns:a="http://schemas.openxmlformats.org/drawingml/2006/main" xmlns:r="http://schemas.openxmlformats.org/officeDocument/2006/relationships" xmlns:mc="http://schemas.openxmlformats.org/markup-compatibility/2006" xmlns:mv="urn:schemas-microsoft-com:mac:vml" xmlns:p="http://schemas.openxmlformats.org/presentationml/2006/main" xmlns:c="http://schemas.openxmlformats.org/drawingml/2006/chart" xmlns:dgm="http://schemas.openxmlformats.org/drawingml/2006/diagram" xmlns:o="urn:schemas-microsoft-com:office:office" xmlns:v="urn:schemas-microsoft-com:vml" xmlns:pvml="urn:schemas-microsoft-com:office:powerpoint" xmlns:com="http://schemas.openxmlformats.org/drawingml/2006/compatibility" xmlns:p14="http://schemas.microsoft.com/office/powerpoint/2010/main" xmlns:p15="http://schemas.microsoft.com/office/powerpoint/2012/main">
+<p:notesMaster xmlns:a="http://schemas.openxmlformats.org/drawingml/2006/main" xmlns:r="http://schemas.openxmlformats.org/officeDocument/2006/relationships" xmlns:p="http://schemas.openxmlformats.org/presentationml/2006/main">
   <p:cSld>
+    <p:bg>
+      <p:bgRef idx="1001">
+        <a:schemeClr val="bg1"/>
+      </p:bgRef>
+    </p:bg>
     <p:spTree>
       <p:nvGrpSpPr>
-        <p:cNvPr id="2" name="Shape 2"/>
+        <p:cNvPr id="1" name="Shape 2"/>
         <p:cNvGrpSpPr/>
         <p:nvPr/>
       </p:nvGrpSpPr>
@@ -307,9 +312,11 @@
       <p:sp>
         <p:nvSpPr>
           <p:cNvPr id="3" name="Google Shape;3;n"/>
-          <p:cNvSpPr/>
+          <p:cNvSpPr>
+            <a:spLocks noGrp="1" noRot="1" noChangeAspect="1"/>
+          </p:cNvSpPr>
           <p:nvPr>
-            <p:ph idx="2" type="sldImg"/>
+            <p:ph type="sldImg" idx="2"/>
           </p:nvPr>
         </p:nvSpPr>
         <p:spPr>
@@ -318,9 +325,13 @@
             <a:ext cx="6096075" cy="3429000"/>
           </a:xfrm>
           <a:custGeom>
-            <a:rect b="b" l="l" r="r" t="t"/>
+            <a:avLst/>
+            <a:gdLst/>
+            <a:ahLst/>
+            <a:cxnLst/>
+            <a:rect l="l" t="t" r="r" b="b"/>
             <a:pathLst>
-              <a:path extrusionOk="0" h="120000" w="120000">
+              <a:path w="120000" h="120000" extrusionOk="0">
                 <a:moveTo>
                   <a:pt x="0" y="0"/>
                 </a:moveTo>
@@ -338,23 +349,25 @@
             </a:pathLst>
           </a:custGeom>
           <a:noFill/>
-          <a:ln cap="flat" cmpd="sng" w="9525">
+          <a:ln w="9525" cap="flat" cmpd="sng">
             <a:solidFill>
               <a:srgbClr val="000000"/>
             </a:solidFill>
             <a:prstDash val="solid"/>
             <a:round/>
-            <a:headEnd len="sm" w="sm" type="none"/>
-            <a:tailEnd len="sm" w="sm" type="none"/>
+            <a:headEnd type="none" w="sm" len="sm"/>
+            <a:tailEnd type="none" w="sm" len="sm"/>
           </a:ln>
         </p:spPr>
       </p:sp>
       <p:sp>
         <p:nvSpPr>
           <p:cNvPr id="4" name="Google Shape;4;n"/>
-          <p:cNvSpPr txBox="1"/>
+          <p:cNvSpPr txBox="1">
+            <a:spLocks noGrp="1"/>
+          </p:cNvSpPr>
           <p:nvPr>
-            <p:ph idx="1" type="body"/>
+            <p:ph type="body" idx="1"/>
           </p:nvPr>
         </p:nvSpPr>
         <p:spPr>
@@ -371,9 +384,9 @@
           </a:ln>
         </p:spPr>
         <p:txBody>
-          <a:bodyPr anchorCtr="0" anchor="t" bIns="91425" lIns="91425" spcFirstLastPara="1" rIns="91425" wrap="square" tIns="91425"/>
+          <a:bodyPr spcFirstLastPara="1" wrap="square" lIns="91425" tIns="91425" rIns="91425" bIns="91425" anchor="t" anchorCtr="0"/>
           <a:lstStyle>
-            <a:lvl1pPr indent="-298450" lvl="0" marL="457200">
+            <a:lvl1pPr marL="457200" lvl="0" indent="-298450">
               <a:spcBef>
                 <a:spcPts val="0"/>
               </a:spcBef>
@@ -384,7 +397,7 @@
               <a:buChar char="●"/>
               <a:defRPr sz="1100"/>
             </a:lvl1pPr>
-            <a:lvl2pPr indent="-298450" lvl="1" marL="914400">
+            <a:lvl2pPr marL="914400" lvl="1" indent="-298450">
               <a:spcBef>
                 <a:spcPts val="0"/>
               </a:spcBef>
@@ -395,7 +408,7 @@
               <a:buChar char="○"/>
               <a:defRPr sz="1100"/>
             </a:lvl2pPr>
-            <a:lvl3pPr indent="-298450" lvl="2" marL="1371600">
+            <a:lvl3pPr marL="1371600" lvl="2" indent="-298450">
               <a:spcBef>
                 <a:spcPts val="0"/>
               </a:spcBef>
@@ -406,7 +419,7 @@
               <a:buChar char="■"/>
               <a:defRPr sz="1100"/>
             </a:lvl3pPr>
-            <a:lvl4pPr indent="-298450" lvl="3" marL="1828800">
+            <a:lvl4pPr marL="1828800" lvl="3" indent="-298450">
               <a:spcBef>
                 <a:spcPts val="0"/>
               </a:spcBef>
@@ -417,7 +430,7 @@
               <a:buChar char="●"/>
               <a:defRPr sz="1100"/>
             </a:lvl4pPr>
-            <a:lvl5pPr indent="-298450" lvl="4" marL="2286000">
+            <a:lvl5pPr marL="2286000" lvl="4" indent="-298450">
               <a:spcBef>
                 <a:spcPts val="0"/>
               </a:spcBef>
@@ -428,7 +441,7 @@
               <a:buChar char="○"/>
               <a:defRPr sz="1100"/>
             </a:lvl5pPr>
-            <a:lvl6pPr indent="-298450" lvl="5" marL="2743200">
+            <a:lvl6pPr marL="2743200" lvl="5" indent="-298450">
               <a:spcBef>
                 <a:spcPts val="0"/>
               </a:spcBef>
@@ -439,7 +452,7 @@
               <a:buChar char="■"/>
               <a:defRPr sz="1100"/>
             </a:lvl6pPr>
-            <a:lvl7pPr indent="-298450" lvl="6" marL="3200400">
+            <a:lvl7pPr marL="3200400" lvl="6" indent="-298450">
               <a:spcBef>
                 <a:spcPts val="0"/>
               </a:spcBef>
@@ -450,7 +463,7 @@
               <a:buChar char="●"/>
               <a:defRPr sz="1100"/>
             </a:lvl7pPr>
-            <a:lvl8pPr indent="-298450" lvl="7" marL="3657600">
+            <a:lvl8pPr marL="3657600" lvl="7" indent="-298450">
               <a:spcBef>
                 <a:spcPts val="0"/>
               </a:spcBef>
@@ -461,7 +474,7 @@
               <a:buChar char="○"/>
               <a:defRPr sz="1100"/>
             </a:lvl8pPr>
-            <a:lvl9pPr indent="-298450" lvl="8" marL="4114800">
+            <a:lvl9pPr marL="4114800" lvl="8" indent="-298450">
               <a:spcBef>
                 <a:spcPts val="0"/>
               </a:spcBef>
@@ -473,14 +486,16 @@
               <a:defRPr sz="1100"/>
             </a:lvl9pPr>
           </a:lstStyle>
-          <a:p/>
+          <a:p>
+            <a:endParaRPr/>
+          </a:p>
         </p:txBody>
       </p:sp>
     </p:spTree>
   </p:cSld>
-  <p:clrMap accent1="accent1" accent2="accent2" accent3="accent3" accent4="accent4" accent5="accent5" accent6="accent6" bg1="lt1" bg2="dk2" tx1="dk1" tx2="lt2" folHlink="folHlink" hlink="hlink"/>
+  <p:clrMap bg1="lt1" tx1="dk1" bg2="dk2" tx2="lt2" accent1="accent1" accent2="accent2" accent3="accent3" accent4="accent4" accent5="accent5" accent6="accent6" hlink="hlink" folHlink="folHlink"/>
   <p:notesStyle>
-    <a:defPPr lvl="0" marR="0" rtl="0" algn="l">
+    <a:defPPr marR="0" lvl="0" algn="l" rtl="0">
       <a:lnSpc>
         <a:spcPct val="100000"/>
       </a:lnSpc>
@@ -491,7 +506,7 @@
         <a:spcPts val="0"/>
       </a:spcAft>
     </a:defPPr>
-    <a:lvl1pPr lvl="0" marR="0" rtl="0" algn="l">
+    <a:lvl1pPr marR="0" lvl="0" algn="l" rtl="0">
       <a:lnSpc>
         <a:spcPct val="100000"/>
       </a:lnSpc>
@@ -505,7 +520,7 @@
         <a:srgbClr val="000000"/>
       </a:buClr>
       <a:buFont typeface="Arial"/>
-      <a:defRPr b="0" i="0" sz="1400" u="none" cap="none" strike="noStrike">
+      <a:defRPr sz="1400" b="0" i="0" u="none" strike="noStrike" cap="none">
         <a:solidFill>
           <a:srgbClr val="000000"/>
         </a:solidFill>
@@ -515,7 +530,7 @@
         <a:sym typeface="Arial"/>
       </a:defRPr>
     </a:lvl1pPr>
-    <a:lvl2pPr lvl="1" marR="0" rtl="0" algn="l">
+    <a:lvl2pPr marR="0" lvl="1" algn="l" rtl="0">
       <a:lnSpc>
         <a:spcPct val="100000"/>
       </a:lnSpc>
@@ -529,7 +544,7 @@
         <a:srgbClr val="000000"/>
       </a:buClr>
       <a:buFont typeface="Arial"/>
-      <a:defRPr b="0" i="0" sz="1400" u="none" cap="none" strike="noStrike">
+      <a:defRPr sz="1400" b="0" i="0" u="none" strike="noStrike" cap="none">
         <a:solidFill>
           <a:srgbClr val="000000"/>
         </a:solidFill>
@@ -539,7 +554,7 @@
         <a:sym typeface="Arial"/>
       </a:defRPr>
     </a:lvl2pPr>
-    <a:lvl3pPr lvl="2" marR="0" rtl="0" algn="l">
+    <a:lvl3pPr marR="0" lvl="2" algn="l" rtl="0">
       <a:lnSpc>
         <a:spcPct val="100000"/>
       </a:lnSpc>
@@ -553,7 +568,7 @@
         <a:srgbClr val="000000"/>
       </a:buClr>
       <a:buFont typeface="Arial"/>
-      <a:defRPr b="0" i="0" sz="1400" u="none" cap="none" strike="noStrike">
+      <a:defRPr sz="1400" b="0" i="0" u="none" strike="noStrike" cap="none">
         <a:solidFill>
           <a:srgbClr val="000000"/>
         </a:solidFill>
@@ -563,7 +578,7 @@
         <a:sym typeface="Arial"/>
       </a:defRPr>
     </a:lvl3pPr>
-    <a:lvl4pPr lvl="3" marR="0" rtl="0" algn="l">
+    <a:lvl4pPr marR="0" lvl="3" algn="l" rtl="0">
       <a:lnSpc>
         <a:spcPct val="100000"/>
       </a:lnSpc>
@@ -577,7 +592,7 @@
         <a:srgbClr val="000000"/>
       </a:buClr>
       <a:buFont typeface="Arial"/>
-      <a:defRPr b="0" i="0" sz="1400" u="none" cap="none" strike="noStrike">
+      <a:defRPr sz="1400" b="0" i="0" u="none" strike="noStrike" cap="none">
         <a:solidFill>
           <a:srgbClr val="000000"/>
         </a:solidFill>
@@ -587,7 +602,7 @@
         <a:sym typeface="Arial"/>
       </a:defRPr>
     </a:lvl4pPr>
-    <a:lvl5pPr lvl="4" marR="0" rtl="0" algn="l">
+    <a:lvl5pPr marR="0" lvl="4" algn="l" rtl="0">
       <a:lnSpc>
         <a:spcPct val="100000"/>
       </a:lnSpc>
@@ -601,7 +616,7 @@
         <a:srgbClr val="000000"/>
       </a:buClr>
       <a:buFont typeface="Arial"/>
-      <a:defRPr b="0" i="0" sz="1400" u="none" cap="none" strike="noStrike">
+      <a:defRPr sz="1400" b="0" i="0" u="none" strike="noStrike" cap="none">
         <a:solidFill>
           <a:srgbClr val="000000"/>
         </a:solidFill>
@@ -611,7 +626,7 @@
         <a:sym typeface="Arial"/>
       </a:defRPr>
     </a:lvl5pPr>
-    <a:lvl6pPr lvl="5" marR="0" rtl="0" algn="l">
+    <a:lvl6pPr marR="0" lvl="5" algn="l" rtl="0">
       <a:lnSpc>
         <a:spcPct val="100000"/>
       </a:lnSpc>
@@ -625,7 +640,7 @@
         <a:srgbClr val="000000"/>
       </a:buClr>
       <a:buFont typeface="Arial"/>
-      <a:defRPr b="0" i="0" sz="1400" u="none" cap="none" strike="noStrike">
+      <a:defRPr sz="1400" b="0" i="0" u="none" strike="noStrike" cap="none">
         <a:solidFill>
           <a:srgbClr val="000000"/>
         </a:solidFill>
@@ -635,7 +650,7 @@
         <a:sym typeface="Arial"/>
       </a:defRPr>
     </a:lvl6pPr>
-    <a:lvl7pPr lvl="6" marR="0" rtl="0" algn="l">
+    <a:lvl7pPr marR="0" lvl="6" algn="l" rtl="0">
       <a:lnSpc>
         <a:spcPct val="100000"/>
       </a:lnSpc>
@@ -649,7 +664,7 @@
         <a:srgbClr val="000000"/>
       </a:buClr>
       <a:buFont typeface="Arial"/>
-      <a:defRPr b="0" i="0" sz="1400" u="none" cap="none" strike="noStrike">
+      <a:defRPr sz="1400" b="0" i="0" u="none" strike="noStrike" cap="none">
         <a:solidFill>
           <a:srgbClr val="000000"/>
         </a:solidFill>
@@ -659,7 +674,7 @@
         <a:sym typeface="Arial"/>
       </a:defRPr>
     </a:lvl7pPr>
-    <a:lvl8pPr lvl="7" marR="0" rtl="0" algn="l">
+    <a:lvl8pPr marR="0" lvl="7" algn="l" rtl="0">
       <a:lnSpc>
         <a:spcPct val="100000"/>
       </a:lnSpc>
@@ -673,7 +688,7 @@
         <a:srgbClr val="000000"/>
       </a:buClr>
       <a:buFont typeface="Arial"/>
-      <a:defRPr b="0" i="0" sz="1400" u="none" cap="none" strike="noStrike">
+      <a:defRPr sz="1400" b="0" i="0" u="none" strike="noStrike" cap="none">
         <a:solidFill>
           <a:srgbClr val="000000"/>
         </a:solidFill>
@@ -683,7 +698,7 @@
         <a:sym typeface="Arial"/>
       </a:defRPr>
     </a:lvl8pPr>
-    <a:lvl9pPr lvl="8" marR="0" rtl="0" algn="l">
+    <a:lvl9pPr marR="0" lvl="8" algn="l" rtl="0">
       <a:lnSpc>
         <a:spcPct val="100000"/>
       </a:lnSpc>
@@ -697,7 +712,7 @@
         <a:srgbClr val="000000"/>
       </a:buClr>
       <a:buFont typeface="Arial"/>
-      <a:defRPr b="0" i="0" sz="1400" u="none" cap="none" strike="noStrike">
+      <a:defRPr sz="1400" b="0" i="0" u="none" strike="noStrike" cap="none">
         <a:solidFill>
           <a:srgbClr val="000000"/>
         </a:solidFill>
@@ -712,11 +727,11 @@
 </file>
 
 <file path=ppt/notesSlides/notesSlide1.xml><?xml version="1.0" encoding="utf-8"?>
-<p:notes xmlns:a="http://schemas.openxmlformats.org/drawingml/2006/main" xmlns:r="http://schemas.openxmlformats.org/officeDocument/2006/relationships" xmlns:mc="http://schemas.openxmlformats.org/markup-compatibility/2006" xmlns:mv="urn:schemas-microsoft-com:mac:vml" xmlns:p="http://schemas.openxmlformats.org/presentationml/2006/main" xmlns:c="http://schemas.openxmlformats.org/drawingml/2006/chart" xmlns:dgm="http://schemas.openxmlformats.org/drawingml/2006/diagram" xmlns:o="urn:schemas-microsoft-com:office:office" xmlns:v="urn:schemas-microsoft-com:vml" xmlns:pvml="urn:schemas-microsoft-com:office:powerpoint" xmlns:com="http://schemas.openxmlformats.org/drawingml/2006/compatibility" xmlns:p14="http://schemas.microsoft.com/office/powerpoint/2010/main" xmlns:p15="http://schemas.microsoft.com/office/powerpoint/2012/main" showMasterPhAnim="0" showMasterSp="0">
+<p:notes xmlns:a="http://schemas.openxmlformats.org/drawingml/2006/main" xmlns:r="http://schemas.openxmlformats.org/officeDocument/2006/relationships" xmlns:p="http://schemas.openxmlformats.org/presentationml/2006/main" showMasterSp="0" showMasterPhAnim="0">
   <p:cSld>
     <p:spTree>
       <p:nvGrpSpPr>
-        <p:cNvPr id="50" name="Shape 50"/>
+        <p:cNvPr id="1" name="Shape 50"/>
         <p:cNvGrpSpPr/>
         <p:nvPr/>
       </p:nvGrpSpPr>
@@ -731,9 +746,11 @@
       <p:sp>
         <p:nvSpPr>
           <p:cNvPr id="51" name="Google Shape;51;p:notes"/>
-          <p:cNvSpPr/>
+          <p:cNvSpPr>
+            <a:spLocks noGrp="1" noRot="1" noChangeAspect="1"/>
+          </p:cNvSpPr>
           <p:nvPr>
-            <p:ph idx="2" type="sldImg"/>
+            <p:ph type="sldImg" idx="2"/>
           </p:nvPr>
         </p:nvSpPr>
         <p:spPr>
@@ -742,9 +759,13 @@
             <a:ext cx="6096075" cy="3429000"/>
           </a:xfrm>
           <a:custGeom>
-            <a:rect b="b" l="l" r="r" t="t"/>
+            <a:avLst/>
+            <a:gdLst/>
+            <a:ahLst/>
+            <a:cxnLst/>
+            <a:rect l="l" t="t" r="r" b="b"/>
             <a:pathLst>
-              <a:path extrusionOk="0" h="120000" w="120000">
+              <a:path w="120000" h="120000" extrusionOk="0">
                 <a:moveTo>
                   <a:pt x="0" y="0"/>
                 </a:moveTo>
@@ -766,9 +787,11 @@
       <p:sp>
         <p:nvSpPr>
           <p:cNvPr id="52" name="Google Shape;52;p:notes"/>
-          <p:cNvSpPr txBox="1"/>
+          <p:cNvSpPr txBox="1">
+            <a:spLocks noGrp="1"/>
+          </p:cNvSpPr>
           <p:nvPr>
-            <p:ph idx="1" type="body"/>
+            <p:ph type="body" idx="1"/>
           </p:nvPr>
         </p:nvSpPr>
         <p:spPr>
@@ -781,12 +804,12 @@
           </a:prstGeom>
         </p:spPr>
         <p:txBody>
-          <a:bodyPr anchorCtr="0" anchor="t" bIns="91425" lIns="91425" spcFirstLastPara="1" rIns="91425" wrap="square" tIns="91425">
+          <a:bodyPr spcFirstLastPara="1" wrap="square" lIns="91425" tIns="91425" rIns="91425" bIns="91425" anchor="t" anchorCtr="0">
             <a:noAutofit/>
           </a:bodyPr>
           <a:lstStyle/>
           <a:p>
-            <a:pPr indent="0" lvl="0" marL="0" rtl="0" algn="l">
+            <a:pPr marL="0" lvl="0" indent="0" algn="l" rtl="0">
               <a:spcBef>
                 <a:spcPts val="0"/>
               </a:spcBef>
@@ -795,9 +818,6 @@
               </a:spcAft>
               <a:buNone/>
             </a:pPr>
-            <a:r>
-              <a:t/>
-            </a:r>
             <a:endParaRPr/>
           </a:p>
         </p:txBody>
@@ -811,11 +831,11 @@
 </file>
 
 <file path=ppt/notesSlides/notesSlide10.xml><?xml version="1.0" encoding="utf-8"?>
-<p:notes xmlns:a="http://schemas.openxmlformats.org/drawingml/2006/main" xmlns:r="http://schemas.openxmlformats.org/officeDocument/2006/relationships" xmlns:mc="http://schemas.openxmlformats.org/markup-compatibility/2006" xmlns:mv="urn:schemas-microsoft-com:mac:vml" xmlns:p="http://schemas.openxmlformats.org/presentationml/2006/main" xmlns:c="http://schemas.openxmlformats.org/drawingml/2006/chart" xmlns:dgm="http://schemas.openxmlformats.org/drawingml/2006/diagram" xmlns:o="urn:schemas-microsoft-com:office:office" xmlns:v="urn:schemas-microsoft-com:vml" xmlns:pvml="urn:schemas-microsoft-com:office:powerpoint" xmlns:com="http://schemas.openxmlformats.org/drawingml/2006/compatibility" xmlns:p14="http://schemas.microsoft.com/office/powerpoint/2010/main" xmlns:p15="http://schemas.microsoft.com/office/powerpoint/2012/main" showMasterPhAnim="0" showMasterSp="0">
+<p:notes xmlns:a="http://schemas.openxmlformats.org/drawingml/2006/main" xmlns:r="http://schemas.openxmlformats.org/officeDocument/2006/relationships" xmlns:p="http://schemas.openxmlformats.org/presentationml/2006/main" showMasterSp="0" showMasterPhAnim="0">
   <p:cSld>
     <p:spTree>
       <p:nvGrpSpPr>
-        <p:cNvPr id="112" name="Shape 112"/>
+        <p:cNvPr id="1" name="Shape 112"/>
         <p:cNvGrpSpPr/>
         <p:nvPr/>
       </p:nvGrpSpPr>
@@ -830,20 +850,26 @@
       <p:sp>
         <p:nvSpPr>
           <p:cNvPr id="113" name="Google Shape;113;g5646593aaf_0_0:notes"/>
-          <p:cNvSpPr/>
+          <p:cNvSpPr>
+            <a:spLocks noGrp="1" noRot="1" noChangeAspect="1"/>
+          </p:cNvSpPr>
           <p:nvPr>
-            <p:ph idx="2" type="sldImg"/>
+            <p:ph type="sldImg" idx="2"/>
           </p:nvPr>
         </p:nvSpPr>
         <p:spPr>
           <a:xfrm>
-            <a:off x="381300" y="685800"/>
+            <a:off x="381000" y="685800"/>
             <a:ext cx="6096000" cy="3429000"/>
           </a:xfrm>
           <a:custGeom>
-            <a:rect b="b" l="l" r="r" t="t"/>
+            <a:avLst/>
+            <a:gdLst/>
+            <a:ahLst/>
+            <a:cxnLst/>
+            <a:rect l="l" t="t" r="r" b="b"/>
             <a:pathLst>
-              <a:path extrusionOk="0" h="120000" w="120000">
+              <a:path w="120000" h="120000" extrusionOk="0">
                 <a:moveTo>
                   <a:pt x="0" y="0"/>
                 </a:moveTo>
@@ -865,9 +891,11 @@
       <p:sp>
         <p:nvSpPr>
           <p:cNvPr id="114" name="Google Shape;114;g5646593aaf_0_0:notes"/>
-          <p:cNvSpPr txBox="1"/>
+          <p:cNvSpPr txBox="1">
+            <a:spLocks noGrp="1"/>
+          </p:cNvSpPr>
           <p:nvPr>
-            <p:ph idx="1" type="body"/>
+            <p:ph type="body" idx="1"/>
           </p:nvPr>
         </p:nvSpPr>
         <p:spPr>
@@ -880,12 +908,12 @@
           </a:prstGeom>
         </p:spPr>
         <p:txBody>
-          <a:bodyPr anchorCtr="0" anchor="t" bIns="91425" lIns="91425" spcFirstLastPara="1" rIns="91425" wrap="square" tIns="91425">
+          <a:bodyPr spcFirstLastPara="1" wrap="square" lIns="91425" tIns="91425" rIns="91425" bIns="91425" anchor="t" anchorCtr="0">
             <a:noAutofit/>
           </a:bodyPr>
           <a:lstStyle/>
           <a:p>
-            <a:pPr indent="0" lvl="0" marL="0" rtl="0" algn="l">
+            <a:pPr marL="0" lvl="0" indent="0" algn="l" rtl="0">
               <a:spcBef>
                 <a:spcPts val="0"/>
               </a:spcBef>
@@ -911,11 +939,11 @@
 </file>
 
 <file path=ppt/notesSlides/notesSlide11.xml><?xml version="1.0" encoding="utf-8"?>
-<p:notes xmlns:a="http://schemas.openxmlformats.org/drawingml/2006/main" xmlns:r="http://schemas.openxmlformats.org/officeDocument/2006/relationships" xmlns:mc="http://schemas.openxmlformats.org/markup-compatibility/2006" xmlns:mv="urn:schemas-microsoft-com:mac:vml" xmlns:p="http://schemas.openxmlformats.org/presentationml/2006/main" xmlns:c="http://schemas.openxmlformats.org/drawingml/2006/chart" xmlns:dgm="http://schemas.openxmlformats.org/drawingml/2006/diagram" xmlns:o="urn:schemas-microsoft-com:office:office" xmlns:v="urn:schemas-microsoft-com:vml" xmlns:pvml="urn:schemas-microsoft-com:office:powerpoint" xmlns:com="http://schemas.openxmlformats.org/drawingml/2006/compatibility" xmlns:p14="http://schemas.microsoft.com/office/powerpoint/2010/main" xmlns:p15="http://schemas.microsoft.com/office/powerpoint/2012/main" showMasterPhAnim="0" showMasterSp="0">
+<p:notes xmlns:a="http://schemas.openxmlformats.org/drawingml/2006/main" xmlns:r="http://schemas.openxmlformats.org/officeDocument/2006/relationships" xmlns:p="http://schemas.openxmlformats.org/presentationml/2006/main" showMasterSp="0" showMasterPhAnim="0">
   <p:cSld>
     <p:spTree>
       <p:nvGrpSpPr>
-        <p:cNvPr id="119" name="Shape 119"/>
+        <p:cNvPr id="1" name="Shape 119"/>
         <p:cNvGrpSpPr/>
         <p:nvPr/>
       </p:nvGrpSpPr>
@@ -930,9 +958,11 @@
       <p:sp>
         <p:nvSpPr>
           <p:cNvPr id="120" name="Google Shape;120;g5646593aaf_0_8:notes"/>
-          <p:cNvSpPr/>
+          <p:cNvSpPr>
+            <a:spLocks noGrp="1" noRot="1" noChangeAspect="1"/>
+          </p:cNvSpPr>
           <p:nvPr>
-            <p:ph idx="2" type="sldImg"/>
+            <p:ph type="sldImg" idx="2"/>
           </p:nvPr>
         </p:nvSpPr>
         <p:spPr>
@@ -941,9 +971,13 @@
             <a:ext cx="6096000" cy="3429000"/>
           </a:xfrm>
           <a:custGeom>
-            <a:rect b="b" l="l" r="r" t="t"/>
+            <a:avLst/>
+            <a:gdLst/>
+            <a:ahLst/>
+            <a:cxnLst/>
+            <a:rect l="l" t="t" r="r" b="b"/>
             <a:pathLst>
-              <a:path extrusionOk="0" h="120000" w="120000">
+              <a:path w="120000" h="120000" extrusionOk="0">
                 <a:moveTo>
                   <a:pt x="0" y="0"/>
                 </a:moveTo>
@@ -965,9 +999,11 @@
       <p:sp>
         <p:nvSpPr>
           <p:cNvPr id="121" name="Google Shape;121;g5646593aaf_0_8:notes"/>
-          <p:cNvSpPr txBox="1"/>
+          <p:cNvSpPr txBox="1">
+            <a:spLocks noGrp="1"/>
+          </p:cNvSpPr>
           <p:nvPr>
-            <p:ph idx="1" type="body"/>
+            <p:ph type="body" idx="1"/>
           </p:nvPr>
         </p:nvSpPr>
         <p:spPr>
@@ -980,12 +1016,12 @@
           </a:prstGeom>
         </p:spPr>
         <p:txBody>
-          <a:bodyPr anchorCtr="0" anchor="t" bIns="91425" lIns="91425" spcFirstLastPara="1" rIns="91425" wrap="square" tIns="91425">
+          <a:bodyPr spcFirstLastPara="1" wrap="square" lIns="91425" tIns="91425" rIns="91425" bIns="91425" anchor="t" anchorCtr="0">
             <a:noAutofit/>
           </a:bodyPr>
           <a:lstStyle/>
           <a:p>
-            <a:pPr indent="0" lvl="0" marL="0" rtl="0" algn="l">
+            <a:pPr marL="0" lvl="0" indent="0" algn="l" rtl="0">
               <a:spcBef>
                 <a:spcPts val="0"/>
               </a:spcBef>
@@ -1011,11 +1047,11 @@
 </file>
 
 <file path=ppt/notesSlides/notesSlide12.xml><?xml version="1.0" encoding="utf-8"?>
-<p:notes xmlns:a="http://schemas.openxmlformats.org/drawingml/2006/main" xmlns:r="http://schemas.openxmlformats.org/officeDocument/2006/relationships" xmlns:mc="http://schemas.openxmlformats.org/markup-compatibility/2006" xmlns:mv="urn:schemas-microsoft-com:mac:vml" xmlns:p="http://schemas.openxmlformats.org/presentationml/2006/main" xmlns:c="http://schemas.openxmlformats.org/drawingml/2006/chart" xmlns:dgm="http://schemas.openxmlformats.org/drawingml/2006/diagram" xmlns:o="urn:schemas-microsoft-com:office:office" xmlns:v="urn:schemas-microsoft-com:vml" xmlns:pvml="urn:schemas-microsoft-com:office:powerpoint" xmlns:com="http://schemas.openxmlformats.org/drawingml/2006/compatibility" xmlns:p14="http://schemas.microsoft.com/office/powerpoint/2010/main" xmlns:p15="http://schemas.microsoft.com/office/powerpoint/2012/main" showMasterPhAnim="0" showMasterSp="0">
+<p:notes xmlns:a="http://schemas.openxmlformats.org/drawingml/2006/main" xmlns:r="http://schemas.openxmlformats.org/officeDocument/2006/relationships" xmlns:p="http://schemas.openxmlformats.org/presentationml/2006/main" showMasterSp="0" showMasterPhAnim="0">
   <p:cSld>
     <p:spTree>
       <p:nvGrpSpPr>
-        <p:cNvPr id="125" name="Shape 125"/>
+        <p:cNvPr id="1" name="Shape 125"/>
         <p:cNvGrpSpPr/>
         <p:nvPr/>
       </p:nvGrpSpPr>
@@ -1030,9 +1066,11 @@
       <p:sp>
         <p:nvSpPr>
           <p:cNvPr id="126" name="Google Shape;126;g51326bdd55_1_7:notes"/>
-          <p:cNvSpPr/>
+          <p:cNvSpPr>
+            <a:spLocks noGrp="1" noRot="1" noChangeAspect="1"/>
+          </p:cNvSpPr>
           <p:nvPr>
-            <p:ph idx="2" type="sldImg"/>
+            <p:ph type="sldImg" idx="2"/>
           </p:nvPr>
         </p:nvSpPr>
         <p:spPr>
@@ -1041,9 +1079,13 @@
             <a:ext cx="6096000" cy="3429000"/>
           </a:xfrm>
           <a:custGeom>
-            <a:rect b="b" l="l" r="r" t="t"/>
+            <a:avLst/>
+            <a:gdLst/>
+            <a:ahLst/>
+            <a:cxnLst/>
+            <a:rect l="l" t="t" r="r" b="b"/>
             <a:pathLst>
-              <a:path extrusionOk="0" h="120000" w="120000">
+              <a:path w="120000" h="120000" extrusionOk="0">
                 <a:moveTo>
                   <a:pt x="0" y="0"/>
                 </a:moveTo>
@@ -1065,9 +1107,11 @@
       <p:sp>
         <p:nvSpPr>
           <p:cNvPr id="127" name="Google Shape;127;g51326bdd55_1_7:notes"/>
-          <p:cNvSpPr txBox="1"/>
+          <p:cNvSpPr txBox="1">
+            <a:spLocks noGrp="1"/>
+          </p:cNvSpPr>
           <p:nvPr>
-            <p:ph idx="1" type="body"/>
+            <p:ph type="body" idx="1"/>
           </p:nvPr>
         </p:nvSpPr>
         <p:spPr>
@@ -1080,12 +1124,12 @@
           </a:prstGeom>
         </p:spPr>
         <p:txBody>
-          <a:bodyPr anchorCtr="0" anchor="t" bIns="91425" lIns="91425" spcFirstLastPara="1" rIns="91425" wrap="square" tIns="91425">
+          <a:bodyPr spcFirstLastPara="1" wrap="square" lIns="91425" tIns="91425" rIns="91425" bIns="91425" anchor="t" anchorCtr="0">
             <a:noAutofit/>
           </a:bodyPr>
           <a:lstStyle/>
           <a:p>
-            <a:pPr indent="0" lvl="0" marL="0" rtl="0" algn="l">
+            <a:pPr marL="0" lvl="0" indent="0" algn="l" rtl="0">
               <a:spcBef>
                 <a:spcPts val="0"/>
               </a:spcBef>
@@ -1111,11 +1155,11 @@
 </file>
 
 <file path=ppt/notesSlides/notesSlide13.xml><?xml version="1.0" encoding="utf-8"?>
-<p:notes xmlns:a="http://schemas.openxmlformats.org/drawingml/2006/main" xmlns:r="http://schemas.openxmlformats.org/officeDocument/2006/relationships" xmlns:mc="http://schemas.openxmlformats.org/markup-compatibility/2006" xmlns:mv="urn:schemas-microsoft-com:mac:vml" xmlns:p="http://schemas.openxmlformats.org/presentationml/2006/main" xmlns:c="http://schemas.openxmlformats.org/drawingml/2006/chart" xmlns:dgm="http://schemas.openxmlformats.org/drawingml/2006/diagram" xmlns:o="urn:schemas-microsoft-com:office:office" xmlns:v="urn:schemas-microsoft-com:vml" xmlns:pvml="urn:schemas-microsoft-com:office:powerpoint" xmlns:com="http://schemas.openxmlformats.org/drawingml/2006/compatibility" xmlns:p14="http://schemas.microsoft.com/office/powerpoint/2010/main" xmlns:p15="http://schemas.microsoft.com/office/powerpoint/2012/main" showMasterPhAnim="0" showMasterSp="0">
+<p:notes xmlns:a="http://schemas.openxmlformats.org/drawingml/2006/main" xmlns:r="http://schemas.openxmlformats.org/officeDocument/2006/relationships" xmlns:p="http://schemas.openxmlformats.org/presentationml/2006/main" showMasterSp="0" showMasterPhAnim="0">
   <p:cSld>
     <p:spTree>
       <p:nvGrpSpPr>
-        <p:cNvPr id="133" name="Shape 133"/>
+        <p:cNvPr id="1" name="Shape 133"/>
         <p:cNvGrpSpPr/>
         <p:nvPr/>
       </p:nvGrpSpPr>
@@ -1130,9 +1174,11 @@
       <p:sp>
         <p:nvSpPr>
           <p:cNvPr id="134" name="Google Shape;134;g51326bdd55_1_0:notes"/>
-          <p:cNvSpPr/>
+          <p:cNvSpPr>
+            <a:spLocks noGrp="1" noRot="1" noChangeAspect="1"/>
+          </p:cNvSpPr>
           <p:nvPr>
-            <p:ph idx="2" type="sldImg"/>
+            <p:ph type="sldImg" idx="2"/>
           </p:nvPr>
         </p:nvSpPr>
         <p:spPr>
@@ -1141,9 +1187,13 @@
             <a:ext cx="6096000" cy="3429000"/>
           </a:xfrm>
           <a:custGeom>
-            <a:rect b="b" l="l" r="r" t="t"/>
+            <a:avLst/>
+            <a:gdLst/>
+            <a:ahLst/>
+            <a:cxnLst/>
+            <a:rect l="l" t="t" r="r" b="b"/>
             <a:pathLst>
-              <a:path extrusionOk="0" h="120000" w="120000">
+              <a:path w="120000" h="120000" extrusionOk="0">
                 <a:moveTo>
                   <a:pt x="0" y="0"/>
                 </a:moveTo>
@@ -1165,9 +1215,11 @@
       <p:sp>
         <p:nvSpPr>
           <p:cNvPr id="135" name="Google Shape;135;g51326bdd55_1_0:notes"/>
-          <p:cNvSpPr txBox="1"/>
+          <p:cNvSpPr txBox="1">
+            <a:spLocks noGrp="1"/>
+          </p:cNvSpPr>
           <p:nvPr>
-            <p:ph idx="1" type="body"/>
+            <p:ph type="body" idx="1"/>
           </p:nvPr>
         </p:nvSpPr>
         <p:spPr>
@@ -1180,12 +1232,12 @@
           </a:prstGeom>
         </p:spPr>
         <p:txBody>
-          <a:bodyPr anchorCtr="0" anchor="t" bIns="91425" lIns="91425" spcFirstLastPara="1" rIns="91425" wrap="square" tIns="91425">
+          <a:bodyPr spcFirstLastPara="1" wrap="square" lIns="91425" tIns="91425" rIns="91425" bIns="91425" anchor="t" anchorCtr="0">
             <a:noAutofit/>
           </a:bodyPr>
           <a:lstStyle/>
           <a:p>
-            <a:pPr indent="0" lvl="0" marL="0" rtl="0" algn="l">
+            <a:pPr marL="0" lvl="0" indent="0" algn="l" rtl="0">
               <a:spcBef>
                 <a:spcPts val="0"/>
               </a:spcBef>
@@ -1211,11 +1263,11 @@
 </file>
 
 <file path=ppt/notesSlides/notesSlide14.xml><?xml version="1.0" encoding="utf-8"?>
-<p:notes xmlns:a="http://schemas.openxmlformats.org/drawingml/2006/main" xmlns:r="http://schemas.openxmlformats.org/officeDocument/2006/relationships" xmlns:mc="http://schemas.openxmlformats.org/markup-compatibility/2006" xmlns:mv="urn:schemas-microsoft-com:mac:vml" xmlns:p="http://schemas.openxmlformats.org/presentationml/2006/main" xmlns:c="http://schemas.openxmlformats.org/drawingml/2006/chart" xmlns:dgm="http://schemas.openxmlformats.org/drawingml/2006/diagram" xmlns:o="urn:schemas-microsoft-com:office:office" xmlns:v="urn:schemas-microsoft-com:vml" xmlns:pvml="urn:schemas-microsoft-com:office:powerpoint" xmlns:com="http://schemas.openxmlformats.org/drawingml/2006/compatibility" xmlns:p14="http://schemas.microsoft.com/office/powerpoint/2010/main" xmlns:p15="http://schemas.microsoft.com/office/powerpoint/2012/main" showMasterPhAnim="0" showMasterSp="0">
+<p:notes xmlns:a="http://schemas.openxmlformats.org/drawingml/2006/main" xmlns:r="http://schemas.openxmlformats.org/officeDocument/2006/relationships" xmlns:p="http://schemas.openxmlformats.org/presentationml/2006/main" showMasterSp="0" showMasterPhAnim="0">
   <p:cSld>
     <p:spTree>
       <p:nvGrpSpPr>
-        <p:cNvPr id="142" name="Shape 142"/>
+        <p:cNvPr id="1" name="Shape 142"/>
         <p:cNvGrpSpPr/>
         <p:nvPr/>
       </p:nvGrpSpPr>
@@ -1230,9 +1282,11 @@
       <p:sp>
         <p:nvSpPr>
           <p:cNvPr id="143" name="Google Shape;143;g51326bdd55_1_16:notes"/>
-          <p:cNvSpPr/>
+          <p:cNvSpPr>
+            <a:spLocks noGrp="1" noRot="1" noChangeAspect="1"/>
+          </p:cNvSpPr>
           <p:nvPr>
-            <p:ph idx="2" type="sldImg"/>
+            <p:ph type="sldImg" idx="2"/>
           </p:nvPr>
         </p:nvSpPr>
         <p:spPr>
@@ -1241,9 +1295,13 @@
             <a:ext cx="6096000" cy="3429000"/>
           </a:xfrm>
           <a:custGeom>
-            <a:rect b="b" l="l" r="r" t="t"/>
+            <a:avLst/>
+            <a:gdLst/>
+            <a:ahLst/>
+            <a:cxnLst/>
+            <a:rect l="l" t="t" r="r" b="b"/>
             <a:pathLst>
-              <a:path extrusionOk="0" h="120000" w="120000">
+              <a:path w="120000" h="120000" extrusionOk="0">
                 <a:moveTo>
                   <a:pt x="0" y="0"/>
                 </a:moveTo>
@@ -1265,9 +1323,11 @@
       <p:sp>
         <p:nvSpPr>
           <p:cNvPr id="144" name="Google Shape;144;g51326bdd55_1_16:notes"/>
-          <p:cNvSpPr txBox="1"/>
+          <p:cNvSpPr txBox="1">
+            <a:spLocks noGrp="1"/>
+          </p:cNvSpPr>
           <p:nvPr>
-            <p:ph idx="1" type="body"/>
+            <p:ph type="body" idx="1"/>
           </p:nvPr>
         </p:nvSpPr>
         <p:spPr>
@@ -1280,12 +1340,12 @@
           </a:prstGeom>
         </p:spPr>
         <p:txBody>
-          <a:bodyPr anchorCtr="0" anchor="t" bIns="91425" lIns="91425" spcFirstLastPara="1" rIns="91425" wrap="square" tIns="91425">
+          <a:bodyPr spcFirstLastPara="1" wrap="square" lIns="91425" tIns="91425" rIns="91425" bIns="91425" anchor="t" anchorCtr="0">
             <a:noAutofit/>
           </a:bodyPr>
           <a:lstStyle/>
           <a:p>
-            <a:pPr indent="0" lvl="0" marL="0" rtl="0" algn="l">
+            <a:pPr marL="0" lvl="0" indent="0" algn="l" rtl="0">
               <a:spcBef>
                 <a:spcPts val="0"/>
               </a:spcBef>
@@ -1311,11 +1371,11 @@
 </file>
 
 <file path=ppt/notesSlides/notesSlide15.xml><?xml version="1.0" encoding="utf-8"?>
-<p:notes xmlns:a="http://schemas.openxmlformats.org/drawingml/2006/main" xmlns:r="http://schemas.openxmlformats.org/officeDocument/2006/relationships" xmlns:mc="http://schemas.openxmlformats.org/markup-compatibility/2006" xmlns:mv="urn:schemas-microsoft-com:mac:vml" xmlns:p="http://schemas.openxmlformats.org/presentationml/2006/main" xmlns:c="http://schemas.openxmlformats.org/drawingml/2006/chart" xmlns:dgm="http://schemas.openxmlformats.org/drawingml/2006/diagram" xmlns:o="urn:schemas-microsoft-com:office:office" xmlns:v="urn:schemas-microsoft-com:vml" xmlns:pvml="urn:schemas-microsoft-com:office:powerpoint" xmlns:com="http://schemas.openxmlformats.org/drawingml/2006/compatibility" xmlns:p14="http://schemas.microsoft.com/office/powerpoint/2010/main" xmlns:p15="http://schemas.microsoft.com/office/powerpoint/2012/main" showMasterPhAnim="0" showMasterSp="0">
+<p:notes xmlns:a="http://schemas.openxmlformats.org/drawingml/2006/main" xmlns:r="http://schemas.openxmlformats.org/officeDocument/2006/relationships" xmlns:p="http://schemas.openxmlformats.org/presentationml/2006/main" showMasterSp="0" showMasterPhAnim="0">
   <p:cSld>
     <p:spTree>
       <p:nvGrpSpPr>
-        <p:cNvPr id="152" name="Shape 152"/>
+        <p:cNvPr id="1" name="Shape 152"/>
         <p:cNvGrpSpPr/>
         <p:nvPr/>
       </p:nvGrpSpPr>
@@ -1330,9 +1390,11 @@
       <p:sp>
         <p:nvSpPr>
           <p:cNvPr id="153" name="Google Shape;153;g5520e3e391_0_64:notes"/>
-          <p:cNvSpPr/>
+          <p:cNvSpPr>
+            <a:spLocks noGrp="1" noRot="1" noChangeAspect="1"/>
+          </p:cNvSpPr>
           <p:nvPr>
-            <p:ph idx="2" type="sldImg"/>
+            <p:ph type="sldImg" idx="2"/>
           </p:nvPr>
         </p:nvSpPr>
         <p:spPr>
@@ -1341,9 +1403,13 @@
             <a:ext cx="6096000" cy="3429000"/>
           </a:xfrm>
           <a:custGeom>
-            <a:rect b="b" l="l" r="r" t="t"/>
+            <a:avLst/>
+            <a:gdLst/>
+            <a:ahLst/>
+            <a:cxnLst/>
+            <a:rect l="l" t="t" r="r" b="b"/>
             <a:pathLst>
-              <a:path extrusionOk="0" h="120000" w="120000">
+              <a:path w="120000" h="120000" extrusionOk="0">
                 <a:moveTo>
                   <a:pt x="0" y="0"/>
                 </a:moveTo>
@@ -1365,9 +1431,11 @@
       <p:sp>
         <p:nvSpPr>
           <p:cNvPr id="154" name="Google Shape;154;g5520e3e391_0_64:notes"/>
-          <p:cNvSpPr txBox="1"/>
+          <p:cNvSpPr txBox="1">
+            <a:spLocks noGrp="1"/>
+          </p:cNvSpPr>
           <p:nvPr>
-            <p:ph idx="1" type="body"/>
+            <p:ph type="body" idx="1"/>
           </p:nvPr>
         </p:nvSpPr>
         <p:spPr>
@@ -1380,12 +1448,12 @@
           </a:prstGeom>
         </p:spPr>
         <p:txBody>
-          <a:bodyPr anchorCtr="0" anchor="t" bIns="91425" lIns="91425" spcFirstLastPara="1" rIns="91425" wrap="square" tIns="91425">
+          <a:bodyPr spcFirstLastPara="1" wrap="square" lIns="91425" tIns="91425" rIns="91425" bIns="91425" anchor="t" anchorCtr="0">
             <a:noAutofit/>
           </a:bodyPr>
           <a:lstStyle/>
           <a:p>
-            <a:pPr indent="0" lvl="0" marL="0" rtl="0" algn="l">
+            <a:pPr marL="0" lvl="0" indent="0" algn="l" rtl="0">
               <a:spcBef>
                 <a:spcPts val="0"/>
               </a:spcBef>
@@ -1394,9 +1462,6 @@
               </a:spcAft>
               <a:buNone/>
             </a:pPr>
-            <a:r>
-              <a:t/>
-            </a:r>
             <a:endParaRPr/>
           </a:p>
         </p:txBody>
@@ -1410,11 +1475,11 @@
 </file>
 
 <file path=ppt/notesSlides/notesSlide2.xml><?xml version="1.0" encoding="utf-8"?>
-<p:notes xmlns:a="http://schemas.openxmlformats.org/drawingml/2006/main" xmlns:r="http://schemas.openxmlformats.org/officeDocument/2006/relationships" xmlns:mc="http://schemas.openxmlformats.org/markup-compatibility/2006" xmlns:mv="urn:schemas-microsoft-com:mac:vml" xmlns:p="http://schemas.openxmlformats.org/presentationml/2006/main" xmlns:c="http://schemas.openxmlformats.org/drawingml/2006/chart" xmlns:dgm="http://schemas.openxmlformats.org/drawingml/2006/diagram" xmlns:o="urn:schemas-microsoft-com:office:office" xmlns:v="urn:schemas-microsoft-com:vml" xmlns:pvml="urn:schemas-microsoft-com:office:powerpoint" xmlns:com="http://schemas.openxmlformats.org/drawingml/2006/compatibility" xmlns:p14="http://schemas.microsoft.com/office/powerpoint/2010/main" xmlns:p15="http://schemas.microsoft.com/office/powerpoint/2012/main" showMasterPhAnim="0" showMasterSp="0">
+<p:notes xmlns:a="http://schemas.openxmlformats.org/drawingml/2006/main" xmlns:r="http://schemas.openxmlformats.org/officeDocument/2006/relationships" xmlns:p="http://schemas.openxmlformats.org/presentationml/2006/main" showMasterSp="0" showMasterPhAnim="0">
   <p:cSld>
     <p:spTree>
       <p:nvGrpSpPr>
-        <p:cNvPr id="58" name="Shape 58"/>
+        <p:cNvPr id="1" name="Shape 58"/>
         <p:cNvGrpSpPr/>
         <p:nvPr/>
       </p:nvGrpSpPr>
@@ -1429,9 +1494,11 @@
       <p:sp>
         <p:nvSpPr>
           <p:cNvPr id="59" name="Google Shape;59;g5520e3e391_0_25:notes"/>
-          <p:cNvSpPr/>
+          <p:cNvSpPr>
+            <a:spLocks noGrp="1" noRot="1" noChangeAspect="1"/>
+          </p:cNvSpPr>
           <p:nvPr>
-            <p:ph idx="2" type="sldImg"/>
+            <p:ph type="sldImg" idx="2"/>
           </p:nvPr>
         </p:nvSpPr>
         <p:spPr>
@@ -1440,9 +1507,13 @@
             <a:ext cx="6096000" cy="3429000"/>
           </a:xfrm>
           <a:custGeom>
-            <a:rect b="b" l="l" r="r" t="t"/>
+            <a:avLst/>
+            <a:gdLst/>
+            <a:ahLst/>
+            <a:cxnLst/>
+            <a:rect l="l" t="t" r="r" b="b"/>
             <a:pathLst>
-              <a:path extrusionOk="0" h="120000" w="120000">
+              <a:path w="120000" h="120000" extrusionOk="0">
                 <a:moveTo>
                   <a:pt x="0" y="0"/>
                 </a:moveTo>
@@ -1464,9 +1535,11 @@
       <p:sp>
         <p:nvSpPr>
           <p:cNvPr id="60" name="Google Shape;60;g5520e3e391_0_25:notes"/>
-          <p:cNvSpPr txBox="1"/>
+          <p:cNvSpPr txBox="1">
+            <a:spLocks noGrp="1"/>
+          </p:cNvSpPr>
           <p:nvPr>
-            <p:ph idx="1" type="body"/>
+            <p:ph type="body" idx="1"/>
           </p:nvPr>
         </p:nvSpPr>
         <p:spPr>
@@ -1479,12 +1552,12 @@
           </a:prstGeom>
         </p:spPr>
         <p:txBody>
-          <a:bodyPr anchorCtr="0" anchor="t" bIns="91425" lIns="91425" spcFirstLastPara="1" rIns="91425" wrap="square" tIns="91425">
+          <a:bodyPr spcFirstLastPara="1" wrap="square" lIns="91425" tIns="91425" rIns="91425" bIns="91425" anchor="t" anchorCtr="0">
             <a:noAutofit/>
           </a:bodyPr>
           <a:lstStyle/>
           <a:p>
-            <a:pPr indent="0" lvl="0" marL="0" rtl="0" algn="l">
+            <a:pPr marL="0" lvl="0" indent="0" algn="l" rtl="0">
               <a:spcBef>
                 <a:spcPts val="0"/>
               </a:spcBef>
@@ -1510,11 +1583,11 @@
 </file>
 
 <file path=ppt/notesSlides/notesSlide3.xml><?xml version="1.0" encoding="utf-8"?>
-<p:notes xmlns:a="http://schemas.openxmlformats.org/drawingml/2006/main" xmlns:r="http://schemas.openxmlformats.org/officeDocument/2006/relationships" xmlns:mc="http://schemas.openxmlformats.org/markup-compatibility/2006" xmlns:mv="urn:schemas-microsoft-com:mac:vml" xmlns:p="http://schemas.openxmlformats.org/presentationml/2006/main" xmlns:c="http://schemas.openxmlformats.org/drawingml/2006/chart" xmlns:dgm="http://schemas.openxmlformats.org/drawingml/2006/diagram" xmlns:o="urn:schemas-microsoft-com:office:office" xmlns:v="urn:schemas-microsoft-com:vml" xmlns:pvml="urn:schemas-microsoft-com:office:powerpoint" xmlns:com="http://schemas.openxmlformats.org/drawingml/2006/compatibility" xmlns:p14="http://schemas.microsoft.com/office/powerpoint/2010/main" xmlns:p15="http://schemas.microsoft.com/office/powerpoint/2012/main" showMasterPhAnim="0" showMasterSp="0">
+<p:notes xmlns:a="http://schemas.openxmlformats.org/drawingml/2006/main" xmlns:r="http://schemas.openxmlformats.org/officeDocument/2006/relationships" xmlns:p="http://schemas.openxmlformats.org/presentationml/2006/main" showMasterSp="0" showMasterPhAnim="0">
   <p:cSld>
     <p:spTree>
       <p:nvGrpSpPr>
-        <p:cNvPr id="63" name="Shape 63"/>
+        <p:cNvPr id="1" name="Shape 63"/>
         <p:cNvGrpSpPr/>
         <p:nvPr/>
       </p:nvGrpSpPr>
@@ -1529,9 +1602,11 @@
       <p:sp>
         <p:nvSpPr>
           <p:cNvPr id="64" name="Google Shape;64;g5646593aaf_1_11:notes"/>
-          <p:cNvSpPr/>
+          <p:cNvSpPr>
+            <a:spLocks noGrp="1" noRot="1" noChangeAspect="1"/>
+          </p:cNvSpPr>
           <p:nvPr>
-            <p:ph idx="2" type="sldImg"/>
+            <p:ph type="sldImg" idx="2"/>
           </p:nvPr>
         </p:nvSpPr>
         <p:spPr>
@@ -1540,9 +1615,13 @@
             <a:ext cx="6096000" cy="3429000"/>
           </a:xfrm>
           <a:custGeom>
-            <a:rect b="b" l="l" r="r" t="t"/>
+            <a:avLst/>
+            <a:gdLst/>
+            <a:ahLst/>
+            <a:cxnLst/>
+            <a:rect l="l" t="t" r="r" b="b"/>
             <a:pathLst>
-              <a:path extrusionOk="0" h="120000" w="120000">
+              <a:path w="120000" h="120000" extrusionOk="0">
                 <a:moveTo>
                   <a:pt x="0" y="0"/>
                 </a:moveTo>
@@ -1564,9 +1643,11 @@
       <p:sp>
         <p:nvSpPr>
           <p:cNvPr id="65" name="Google Shape;65;g5646593aaf_1_11:notes"/>
-          <p:cNvSpPr txBox="1"/>
+          <p:cNvSpPr txBox="1">
+            <a:spLocks noGrp="1"/>
+          </p:cNvSpPr>
           <p:nvPr>
-            <p:ph idx="1" type="body"/>
+            <p:ph type="body" idx="1"/>
           </p:nvPr>
         </p:nvSpPr>
         <p:spPr>
@@ -1579,12 +1660,12 @@
           </a:prstGeom>
         </p:spPr>
         <p:txBody>
-          <a:bodyPr anchorCtr="0" anchor="t" bIns="91425" lIns="91425" spcFirstLastPara="1" rIns="91425" wrap="square" tIns="91425">
+          <a:bodyPr spcFirstLastPara="1" wrap="square" lIns="91425" tIns="91425" rIns="91425" bIns="91425" anchor="t" anchorCtr="0">
             <a:noAutofit/>
           </a:bodyPr>
           <a:lstStyle/>
           <a:p>
-            <a:pPr indent="0" lvl="0" marL="0" rtl="0" algn="l">
+            <a:pPr marL="0" lvl="0" indent="0" algn="l" rtl="0">
               <a:spcBef>
                 <a:spcPts val="0"/>
               </a:spcBef>
@@ -1610,11 +1691,11 @@
 </file>
 
 <file path=ppt/notesSlides/notesSlide4.xml><?xml version="1.0" encoding="utf-8"?>
-<p:notes xmlns:a="http://schemas.openxmlformats.org/drawingml/2006/main" xmlns:r="http://schemas.openxmlformats.org/officeDocument/2006/relationships" xmlns:mc="http://schemas.openxmlformats.org/markup-compatibility/2006" xmlns:mv="urn:schemas-microsoft-com:mac:vml" xmlns:p="http://schemas.openxmlformats.org/presentationml/2006/main" xmlns:c="http://schemas.openxmlformats.org/drawingml/2006/chart" xmlns:dgm="http://schemas.openxmlformats.org/drawingml/2006/diagram" xmlns:o="urn:schemas-microsoft-com:office:office" xmlns:v="urn:schemas-microsoft-com:vml" xmlns:pvml="urn:schemas-microsoft-com:office:powerpoint" xmlns:com="http://schemas.openxmlformats.org/drawingml/2006/compatibility" xmlns:p14="http://schemas.microsoft.com/office/powerpoint/2010/main" xmlns:p15="http://schemas.microsoft.com/office/powerpoint/2012/main" showMasterPhAnim="0" showMasterSp="0">
+<p:notes xmlns:a="http://schemas.openxmlformats.org/drawingml/2006/main" xmlns:r="http://schemas.openxmlformats.org/officeDocument/2006/relationships" xmlns:p="http://schemas.openxmlformats.org/presentationml/2006/main" showMasterSp="0" showMasterPhAnim="0">
   <p:cSld>
     <p:spTree>
       <p:nvGrpSpPr>
-        <p:cNvPr id="69" name="Shape 69"/>
+        <p:cNvPr id="1" name="Shape 69"/>
         <p:cNvGrpSpPr/>
         <p:nvPr/>
       </p:nvGrpSpPr>
@@ -1629,9 +1710,11 @@
       <p:sp>
         <p:nvSpPr>
           <p:cNvPr id="70" name="Google Shape;70;g5520e3e391_0_0:notes"/>
-          <p:cNvSpPr/>
+          <p:cNvSpPr>
+            <a:spLocks noGrp="1" noRot="1" noChangeAspect="1"/>
+          </p:cNvSpPr>
           <p:nvPr>
-            <p:ph idx="2" type="sldImg"/>
+            <p:ph type="sldImg" idx="2"/>
           </p:nvPr>
         </p:nvSpPr>
         <p:spPr>
@@ -1640,9 +1723,13 @@
             <a:ext cx="6096000" cy="3429000"/>
           </a:xfrm>
           <a:custGeom>
-            <a:rect b="b" l="l" r="r" t="t"/>
+            <a:avLst/>
+            <a:gdLst/>
+            <a:ahLst/>
+            <a:cxnLst/>
+            <a:rect l="l" t="t" r="r" b="b"/>
             <a:pathLst>
-              <a:path extrusionOk="0" h="120000" w="120000">
+              <a:path w="120000" h="120000" extrusionOk="0">
                 <a:moveTo>
                   <a:pt x="0" y="0"/>
                 </a:moveTo>
@@ -1664,9 +1751,11 @@
       <p:sp>
         <p:nvSpPr>
           <p:cNvPr id="71" name="Google Shape;71;g5520e3e391_0_0:notes"/>
-          <p:cNvSpPr txBox="1"/>
+          <p:cNvSpPr txBox="1">
+            <a:spLocks noGrp="1"/>
+          </p:cNvSpPr>
           <p:nvPr>
-            <p:ph idx="1" type="body"/>
+            <p:ph type="body" idx="1"/>
           </p:nvPr>
         </p:nvSpPr>
         <p:spPr>
@@ -1679,12 +1768,12 @@
           </a:prstGeom>
         </p:spPr>
         <p:txBody>
-          <a:bodyPr anchorCtr="0" anchor="t" bIns="91425" lIns="91425" spcFirstLastPara="1" rIns="91425" wrap="square" tIns="91425">
+          <a:bodyPr spcFirstLastPara="1" wrap="square" lIns="91425" tIns="91425" rIns="91425" bIns="91425" anchor="t" anchorCtr="0">
             <a:noAutofit/>
           </a:bodyPr>
           <a:lstStyle/>
           <a:p>
-            <a:pPr indent="0" lvl="0" marL="0" rtl="0" algn="l">
+            <a:pPr marL="0" lvl="0" indent="0" algn="l" rtl="0">
               <a:spcBef>
                 <a:spcPts val="0"/>
               </a:spcBef>
@@ -1710,11 +1799,11 @@
 </file>
 
 <file path=ppt/notesSlides/notesSlide5.xml><?xml version="1.0" encoding="utf-8"?>
-<p:notes xmlns:a="http://schemas.openxmlformats.org/drawingml/2006/main" xmlns:r="http://schemas.openxmlformats.org/officeDocument/2006/relationships" xmlns:mc="http://schemas.openxmlformats.org/markup-compatibility/2006" xmlns:mv="urn:schemas-microsoft-com:mac:vml" xmlns:p="http://schemas.openxmlformats.org/presentationml/2006/main" xmlns:c="http://schemas.openxmlformats.org/drawingml/2006/chart" xmlns:dgm="http://schemas.openxmlformats.org/drawingml/2006/diagram" xmlns:o="urn:schemas-microsoft-com:office:office" xmlns:v="urn:schemas-microsoft-com:vml" xmlns:pvml="urn:schemas-microsoft-com:office:powerpoint" xmlns:com="http://schemas.openxmlformats.org/drawingml/2006/compatibility" xmlns:p14="http://schemas.microsoft.com/office/powerpoint/2010/main" xmlns:p15="http://schemas.microsoft.com/office/powerpoint/2012/main" showMasterPhAnim="0" showMasterSp="0">
+<p:notes xmlns:a="http://schemas.openxmlformats.org/drawingml/2006/main" xmlns:r="http://schemas.openxmlformats.org/officeDocument/2006/relationships" xmlns:p="http://schemas.openxmlformats.org/presentationml/2006/main" showMasterSp="0" showMasterPhAnim="0">
   <p:cSld>
     <p:spTree>
       <p:nvGrpSpPr>
-        <p:cNvPr id="77" name="Shape 77"/>
+        <p:cNvPr id="1" name="Shape 77"/>
         <p:cNvGrpSpPr/>
         <p:nvPr/>
       </p:nvGrpSpPr>
@@ -1729,9 +1818,11 @@
       <p:sp>
         <p:nvSpPr>
           <p:cNvPr id="78" name="Google Shape;78;g5646593aaf_1_16:notes"/>
-          <p:cNvSpPr/>
+          <p:cNvSpPr>
+            <a:spLocks noGrp="1" noRot="1" noChangeAspect="1"/>
+          </p:cNvSpPr>
           <p:nvPr>
-            <p:ph idx="2" type="sldImg"/>
+            <p:ph type="sldImg" idx="2"/>
           </p:nvPr>
         </p:nvSpPr>
         <p:spPr>
@@ -1740,9 +1831,13 @@
             <a:ext cx="6096000" cy="3429000"/>
           </a:xfrm>
           <a:custGeom>
-            <a:rect b="b" l="l" r="r" t="t"/>
+            <a:avLst/>
+            <a:gdLst/>
+            <a:ahLst/>
+            <a:cxnLst/>
+            <a:rect l="l" t="t" r="r" b="b"/>
             <a:pathLst>
-              <a:path extrusionOk="0" h="120000" w="120000">
+              <a:path w="120000" h="120000" extrusionOk="0">
                 <a:moveTo>
                   <a:pt x="0" y="0"/>
                 </a:moveTo>
@@ -1764,9 +1859,11 @@
       <p:sp>
         <p:nvSpPr>
           <p:cNvPr id="79" name="Google Shape;79;g5646593aaf_1_16:notes"/>
-          <p:cNvSpPr txBox="1"/>
+          <p:cNvSpPr txBox="1">
+            <a:spLocks noGrp="1"/>
+          </p:cNvSpPr>
           <p:nvPr>
-            <p:ph idx="1" type="body"/>
+            <p:ph type="body" idx="1"/>
           </p:nvPr>
         </p:nvSpPr>
         <p:spPr>
@@ -1779,12 +1876,12 @@
           </a:prstGeom>
         </p:spPr>
         <p:txBody>
-          <a:bodyPr anchorCtr="0" anchor="t" bIns="91425" lIns="91425" spcFirstLastPara="1" rIns="91425" wrap="square" tIns="91425">
+          <a:bodyPr spcFirstLastPara="1" wrap="square" lIns="91425" tIns="91425" rIns="91425" bIns="91425" anchor="t" anchorCtr="0">
             <a:noAutofit/>
           </a:bodyPr>
           <a:lstStyle/>
           <a:p>
-            <a:pPr indent="0" lvl="0" marL="0" rtl="0" algn="l">
+            <a:pPr marL="0" lvl="0" indent="0" algn="l" rtl="0">
               <a:spcBef>
                 <a:spcPts val="0"/>
               </a:spcBef>
@@ -1800,7 +1897,7 @@
             <a:endParaRPr/>
           </a:p>
           <a:p>
-            <a:pPr indent="0" lvl="0" marL="0" rtl="0" algn="l">
+            <a:pPr marL="0" lvl="0" indent="0" algn="l" rtl="0">
               <a:spcBef>
                 <a:spcPts val="0"/>
               </a:spcBef>
@@ -1826,11 +1923,11 @@
 </file>
 
 <file path=ppt/notesSlides/notesSlide6.xml><?xml version="1.0" encoding="utf-8"?>
-<p:notes xmlns:a="http://schemas.openxmlformats.org/drawingml/2006/main" xmlns:r="http://schemas.openxmlformats.org/officeDocument/2006/relationships" xmlns:mc="http://schemas.openxmlformats.org/markup-compatibility/2006" xmlns:mv="urn:schemas-microsoft-com:mac:vml" xmlns:p="http://schemas.openxmlformats.org/presentationml/2006/main" xmlns:c="http://schemas.openxmlformats.org/drawingml/2006/chart" xmlns:dgm="http://schemas.openxmlformats.org/drawingml/2006/diagram" xmlns:o="urn:schemas-microsoft-com:office:office" xmlns:v="urn:schemas-microsoft-com:vml" xmlns:pvml="urn:schemas-microsoft-com:office:powerpoint" xmlns:com="http://schemas.openxmlformats.org/drawingml/2006/compatibility" xmlns:p14="http://schemas.microsoft.com/office/powerpoint/2010/main" xmlns:p15="http://schemas.microsoft.com/office/powerpoint/2012/main" showMasterPhAnim="0" showMasterSp="0">
+<p:notes xmlns:a="http://schemas.openxmlformats.org/drawingml/2006/main" xmlns:r="http://schemas.openxmlformats.org/officeDocument/2006/relationships" xmlns:p="http://schemas.openxmlformats.org/presentationml/2006/main" showMasterSp="0" showMasterPhAnim="0">
   <p:cSld>
     <p:spTree>
       <p:nvGrpSpPr>
-        <p:cNvPr id="84" name="Shape 84"/>
+        <p:cNvPr id="1" name="Shape 84"/>
         <p:cNvGrpSpPr/>
         <p:nvPr/>
       </p:nvGrpSpPr>
@@ -1845,9 +1942,11 @@
       <p:sp>
         <p:nvSpPr>
           <p:cNvPr id="85" name="Google Shape;85;g57d7a53f83_0_2:notes"/>
-          <p:cNvSpPr/>
+          <p:cNvSpPr>
+            <a:spLocks noGrp="1" noRot="1" noChangeAspect="1"/>
+          </p:cNvSpPr>
           <p:nvPr>
-            <p:ph idx="2" type="sldImg"/>
+            <p:ph type="sldImg" idx="2"/>
           </p:nvPr>
         </p:nvSpPr>
         <p:spPr>
@@ -1856,9 +1955,13 @@
             <a:ext cx="6096000" cy="3429000"/>
           </a:xfrm>
           <a:custGeom>
-            <a:rect b="b" l="l" r="r" t="t"/>
+            <a:avLst/>
+            <a:gdLst/>
+            <a:ahLst/>
+            <a:cxnLst/>
+            <a:rect l="l" t="t" r="r" b="b"/>
             <a:pathLst>
-              <a:path extrusionOk="0" h="120000" w="120000">
+              <a:path w="120000" h="120000" extrusionOk="0">
                 <a:moveTo>
                   <a:pt x="0" y="0"/>
                 </a:moveTo>
@@ -1880,9 +1983,11 @@
       <p:sp>
         <p:nvSpPr>
           <p:cNvPr id="86" name="Google Shape;86;g57d7a53f83_0_2:notes"/>
-          <p:cNvSpPr txBox="1"/>
+          <p:cNvSpPr txBox="1">
+            <a:spLocks noGrp="1"/>
+          </p:cNvSpPr>
           <p:nvPr>
-            <p:ph idx="1" type="body"/>
+            <p:ph type="body" idx="1"/>
           </p:nvPr>
         </p:nvSpPr>
         <p:spPr>
@@ -1895,12 +2000,12 @@
           </a:prstGeom>
         </p:spPr>
         <p:txBody>
-          <a:bodyPr anchorCtr="0" anchor="t" bIns="91425" lIns="91425" spcFirstLastPara="1" rIns="91425" wrap="square" tIns="91425">
+          <a:bodyPr spcFirstLastPara="1" wrap="square" lIns="91425" tIns="91425" rIns="91425" bIns="91425" anchor="t" anchorCtr="0">
             <a:noAutofit/>
           </a:bodyPr>
           <a:lstStyle/>
           <a:p>
-            <a:pPr indent="0" lvl="0" marL="0" rtl="0" algn="l">
+            <a:pPr marL="0" lvl="0" indent="0" algn="l" rtl="0">
               <a:spcBef>
                 <a:spcPts val="0"/>
               </a:spcBef>
@@ -1926,11 +2031,11 @@
 </file>
 
 <file path=ppt/notesSlides/notesSlide7.xml><?xml version="1.0" encoding="utf-8"?>
-<p:notes xmlns:a="http://schemas.openxmlformats.org/drawingml/2006/main" xmlns:r="http://schemas.openxmlformats.org/officeDocument/2006/relationships" xmlns:mc="http://schemas.openxmlformats.org/markup-compatibility/2006" xmlns:mv="urn:schemas-microsoft-com:mac:vml" xmlns:p="http://schemas.openxmlformats.org/presentationml/2006/main" xmlns:c="http://schemas.openxmlformats.org/drawingml/2006/chart" xmlns:dgm="http://schemas.openxmlformats.org/drawingml/2006/diagram" xmlns:o="urn:schemas-microsoft-com:office:office" xmlns:v="urn:schemas-microsoft-com:vml" xmlns:pvml="urn:schemas-microsoft-com:office:powerpoint" xmlns:com="http://schemas.openxmlformats.org/drawingml/2006/compatibility" xmlns:p14="http://schemas.microsoft.com/office/powerpoint/2010/main" xmlns:p15="http://schemas.microsoft.com/office/powerpoint/2012/main" showMasterPhAnim="0" showMasterSp="0">
+<p:notes xmlns:a="http://schemas.openxmlformats.org/drawingml/2006/main" xmlns:r="http://schemas.openxmlformats.org/officeDocument/2006/relationships" xmlns:p="http://schemas.openxmlformats.org/presentationml/2006/main" showMasterSp="0" showMasterPhAnim="0">
   <p:cSld>
     <p:spTree>
       <p:nvGrpSpPr>
-        <p:cNvPr id="91" name="Shape 91"/>
+        <p:cNvPr id="1" name="Shape 91"/>
         <p:cNvGrpSpPr/>
         <p:nvPr/>
       </p:nvGrpSpPr>
@@ -1945,9 +2050,11 @@
       <p:sp>
         <p:nvSpPr>
           <p:cNvPr id="92" name="Google Shape;92;g57d7a53f83_0_7:notes"/>
-          <p:cNvSpPr/>
+          <p:cNvSpPr>
+            <a:spLocks noGrp="1" noRot="1" noChangeAspect="1"/>
+          </p:cNvSpPr>
           <p:nvPr>
-            <p:ph idx="2" type="sldImg"/>
+            <p:ph type="sldImg" idx="2"/>
           </p:nvPr>
         </p:nvSpPr>
         <p:spPr>
@@ -1956,9 +2063,13 @@
             <a:ext cx="6096000" cy="3429000"/>
           </a:xfrm>
           <a:custGeom>
-            <a:rect b="b" l="l" r="r" t="t"/>
+            <a:avLst/>
+            <a:gdLst/>
+            <a:ahLst/>
+            <a:cxnLst/>
+            <a:rect l="l" t="t" r="r" b="b"/>
             <a:pathLst>
-              <a:path extrusionOk="0" h="120000" w="120000">
+              <a:path w="120000" h="120000" extrusionOk="0">
                 <a:moveTo>
                   <a:pt x="0" y="0"/>
                 </a:moveTo>
@@ -1980,9 +2091,11 @@
       <p:sp>
         <p:nvSpPr>
           <p:cNvPr id="93" name="Google Shape;93;g57d7a53f83_0_7:notes"/>
-          <p:cNvSpPr txBox="1"/>
+          <p:cNvSpPr txBox="1">
+            <a:spLocks noGrp="1"/>
+          </p:cNvSpPr>
           <p:nvPr>
-            <p:ph idx="1" type="body"/>
+            <p:ph type="body" idx="1"/>
           </p:nvPr>
         </p:nvSpPr>
         <p:spPr>
@@ -1995,12 +2108,12 @@
           </a:prstGeom>
         </p:spPr>
         <p:txBody>
-          <a:bodyPr anchorCtr="0" anchor="t" bIns="91425" lIns="91425" spcFirstLastPara="1" rIns="91425" wrap="square" tIns="91425">
+          <a:bodyPr spcFirstLastPara="1" wrap="square" lIns="91425" tIns="91425" rIns="91425" bIns="91425" anchor="t" anchorCtr="0">
             <a:noAutofit/>
           </a:bodyPr>
           <a:lstStyle/>
           <a:p>
-            <a:pPr indent="0" lvl="0" marL="0" rtl="0" algn="l">
+            <a:pPr marL="0" lvl="0" indent="0" algn="l" rtl="0">
               <a:spcBef>
                 <a:spcPts val="0"/>
               </a:spcBef>
@@ -2026,11 +2139,11 @@
 </file>
 
 <file path=ppt/notesSlides/notesSlide8.xml><?xml version="1.0" encoding="utf-8"?>
-<p:notes xmlns:a="http://schemas.openxmlformats.org/drawingml/2006/main" xmlns:r="http://schemas.openxmlformats.org/officeDocument/2006/relationships" xmlns:mc="http://schemas.openxmlformats.org/markup-compatibility/2006" xmlns:mv="urn:schemas-microsoft-com:mac:vml" xmlns:p="http://schemas.openxmlformats.org/presentationml/2006/main" xmlns:c="http://schemas.openxmlformats.org/drawingml/2006/chart" xmlns:dgm="http://schemas.openxmlformats.org/drawingml/2006/diagram" xmlns:o="urn:schemas-microsoft-com:office:office" xmlns:v="urn:schemas-microsoft-com:vml" xmlns:pvml="urn:schemas-microsoft-com:office:powerpoint" xmlns:com="http://schemas.openxmlformats.org/drawingml/2006/compatibility" xmlns:p14="http://schemas.microsoft.com/office/powerpoint/2010/main" xmlns:p15="http://schemas.microsoft.com/office/powerpoint/2012/main" showMasterPhAnim="0" showMasterSp="0">
+<p:notes xmlns:a="http://schemas.openxmlformats.org/drawingml/2006/main" xmlns:r="http://schemas.openxmlformats.org/officeDocument/2006/relationships" xmlns:p="http://schemas.openxmlformats.org/presentationml/2006/main" showMasterSp="0" showMasterPhAnim="0">
   <p:cSld>
     <p:spTree>
       <p:nvGrpSpPr>
-        <p:cNvPr id="98" name="Shape 98"/>
+        <p:cNvPr id="1" name="Shape 98"/>
         <p:cNvGrpSpPr/>
         <p:nvPr/>
       </p:nvGrpSpPr>
@@ -2045,9 +2158,11 @@
       <p:sp>
         <p:nvSpPr>
           <p:cNvPr id="99" name="Google Shape;99;g57d7a53f83_0_12:notes"/>
-          <p:cNvSpPr/>
+          <p:cNvSpPr>
+            <a:spLocks noGrp="1" noRot="1" noChangeAspect="1"/>
+          </p:cNvSpPr>
           <p:nvPr>
-            <p:ph idx="2" type="sldImg"/>
+            <p:ph type="sldImg" idx="2"/>
           </p:nvPr>
         </p:nvSpPr>
         <p:spPr>
@@ -2056,9 +2171,13 @@
             <a:ext cx="6096000" cy="3429000"/>
           </a:xfrm>
           <a:custGeom>
-            <a:rect b="b" l="l" r="r" t="t"/>
+            <a:avLst/>
+            <a:gdLst/>
+            <a:ahLst/>
+            <a:cxnLst/>
+            <a:rect l="l" t="t" r="r" b="b"/>
             <a:pathLst>
-              <a:path extrusionOk="0" h="120000" w="120000">
+              <a:path w="120000" h="120000" extrusionOk="0">
                 <a:moveTo>
                   <a:pt x="0" y="0"/>
                 </a:moveTo>
@@ -2080,9 +2199,11 @@
       <p:sp>
         <p:nvSpPr>
           <p:cNvPr id="100" name="Google Shape;100;g57d7a53f83_0_12:notes"/>
-          <p:cNvSpPr txBox="1"/>
+          <p:cNvSpPr txBox="1">
+            <a:spLocks noGrp="1"/>
+          </p:cNvSpPr>
           <p:nvPr>
-            <p:ph idx="1" type="body"/>
+            <p:ph type="body" idx="1"/>
           </p:nvPr>
         </p:nvSpPr>
         <p:spPr>
@@ -2095,12 +2216,12 @@
           </a:prstGeom>
         </p:spPr>
         <p:txBody>
-          <a:bodyPr anchorCtr="0" anchor="t" bIns="91425" lIns="91425" spcFirstLastPara="1" rIns="91425" wrap="square" tIns="91425">
+          <a:bodyPr spcFirstLastPara="1" wrap="square" lIns="91425" tIns="91425" rIns="91425" bIns="91425" anchor="t" anchorCtr="0">
             <a:noAutofit/>
           </a:bodyPr>
           <a:lstStyle/>
           <a:p>
-            <a:pPr indent="0" lvl="0" marL="0" rtl="0" algn="l">
+            <a:pPr marL="0" lvl="0" indent="0" algn="l" rtl="0">
               <a:spcBef>
                 <a:spcPts val="0"/>
               </a:spcBef>
@@ -2126,11 +2247,11 @@
 </file>
 
 <file path=ppt/notesSlides/notesSlide9.xml><?xml version="1.0" encoding="utf-8"?>
-<p:notes xmlns:a="http://schemas.openxmlformats.org/drawingml/2006/main" xmlns:r="http://schemas.openxmlformats.org/officeDocument/2006/relationships" xmlns:mc="http://schemas.openxmlformats.org/markup-compatibility/2006" xmlns:mv="urn:schemas-microsoft-com:mac:vml" xmlns:p="http://schemas.openxmlformats.org/presentationml/2006/main" xmlns:c="http://schemas.openxmlformats.org/drawingml/2006/chart" xmlns:dgm="http://schemas.openxmlformats.org/drawingml/2006/diagram" xmlns:o="urn:schemas-microsoft-com:office:office" xmlns:v="urn:schemas-microsoft-com:vml" xmlns:pvml="urn:schemas-microsoft-com:office:powerpoint" xmlns:com="http://schemas.openxmlformats.org/drawingml/2006/compatibility" xmlns:p14="http://schemas.microsoft.com/office/powerpoint/2010/main" xmlns:p15="http://schemas.microsoft.com/office/powerpoint/2012/main" showMasterPhAnim="0" showMasterSp="0">
+<p:notes xmlns:a="http://schemas.openxmlformats.org/drawingml/2006/main" xmlns:r="http://schemas.openxmlformats.org/officeDocument/2006/relationships" xmlns:p="http://schemas.openxmlformats.org/presentationml/2006/main" showMasterSp="0" showMasterPhAnim="0">
   <p:cSld>
     <p:spTree>
       <p:nvGrpSpPr>
-        <p:cNvPr id="105" name="Shape 105"/>
+        <p:cNvPr id="1" name="Shape 105"/>
         <p:cNvGrpSpPr/>
         <p:nvPr/>
       </p:nvGrpSpPr>
@@ -2145,9 +2266,11 @@
       <p:sp>
         <p:nvSpPr>
           <p:cNvPr id="106" name="Google Shape;106;g57d7a53f83_0_20:notes"/>
-          <p:cNvSpPr/>
+          <p:cNvSpPr>
+            <a:spLocks noGrp="1" noRot="1" noChangeAspect="1"/>
+          </p:cNvSpPr>
           <p:nvPr>
-            <p:ph idx="2" type="sldImg"/>
+            <p:ph type="sldImg" idx="2"/>
           </p:nvPr>
         </p:nvSpPr>
         <p:spPr>
@@ -2156,9 +2279,13 @@
             <a:ext cx="6096000" cy="3429000"/>
           </a:xfrm>
           <a:custGeom>
-            <a:rect b="b" l="l" r="r" t="t"/>
+            <a:avLst/>
+            <a:gdLst/>
+            <a:ahLst/>
+            <a:cxnLst/>
+            <a:rect l="l" t="t" r="r" b="b"/>
             <a:pathLst>
-              <a:path extrusionOk="0" h="120000" w="120000">
+              <a:path w="120000" h="120000" extrusionOk="0">
                 <a:moveTo>
                   <a:pt x="0" y="0"/>
                 </a:moveTo>
@@ -2180,9 +2307,11 @@
       <p:sp>
         <p:nvSpPr>
           <p:cNvPr id="107" name="Google Shape;107;g57d7a53f83_0_20:notes"/>
-          <p:cNvSpPr txBox="1"/>
+          <p:cNvSpPr txBox="1">
+            <a:spLocks noGrp="1"/>
+          </p:cNvSpPr>
           <p:nvPr>
-            <p:ph idx="1" type="body"/>
+            <p:ph type="body" idx="1"/>
           </p:nvPr>
         </p:nvSpPr>
         <p:spPr>
@@ -2195,12 +2324,12 @@
           </a:prstGeom>
         </p:spPr>
         <p:txBody>
-          <a:bodyPr anchorCtr="0" anchor="t" bIns="91425" lIns="91425" spcFirstLastPara="1" rIns="91425" wrap="square" tIns="91425">
+          <a:bodyPr spcFirstLastPara="1" wrap="square" lIns="91425" tIns="91425" rIns="91425" bIns="91425" anchor="t" anchorCtr="0">
             <a:noAutofit/>
           </a:bodyPr>
           <a:lstStyle/>
           <a:p>
-            <a:pPr indent="0" lvl="0" marL="0" rtl="0" algn="l">
+            <a:pPr marL="0" lvl="0" indent="0" algn="l" rtl="0">
               <a:spcBef>
                 <a:spcPts val="0"/>
               </a:spcBef>
@@ -2209,9 +2338,6 @@
               </a:spcAft>
               <a:buNone/>
             </a:pPr>
-            <a:r>
-              <a:t/>
-            </a:r>
             <a:endParaRPr/>
           </a:p>
         </p:txBody>
@@ -2225,11 +2351,11 @@
 </file>
 
 <file path=ppt/slideLayouts/slideLayout1.xml><?xml version="1.0" encoding="utf-8"?>
-<p:sldLayout xmlns:a="http://schemas.openxmlformats.org/drawingml/2006/main" xmlns:r="http://schemas.openxmlformats.org/officeDocument/2006/relationships" xmlns:mc="http://schemas.openxmlformats.org/markup-compatibility/2006" xmlns:mv="urn:schemas-microsoft-com:mac:vml" xmlns:p="http://schemas.openxmlformats.org/presentationml/2006/main" xmlns:c="http://schemas.openxmlformats.org/drawingml/2006/chart" xmlns:dgm="http://schemas.openxmlformats.org/drawingml/2006/diagram" xmlns:o="urn:schemas-microsoft-com:office:office" xmlns:v="urn:schemas-microsoft-com:vml" xmlns:pvml="urn:schemas-microsoft-com:office:powerpoint" xmlns:com="http://schemas.openxmlformats.org/drawingml/2006/compatibility" xmlns:p14="http://schemas.microsoft.com/office/powerpoint/2010/main" xmlns:p15="http://schemas.microsoft.com/office/powerpoint/2012/main" matchingName="Title slide" type="title">
+<p:sldLayout xmlns:a="http://schemas.openxmlformats.org/drawingml/2006/main" xmlns:r="http://schemas.openxmlformats.org/officeDocument/2006/relationships" xmlns:p="http://schemas.openxmlformats.org/presentationml/2006/main" matchingName="Title slide" type="title">
   <p:cSld name="TITLE">
     <p:spTree>
       <p:nvGrpSpPr>
-        <p:cNvPr id="9" name="Shape 9"/>
+        <p:cNvPr id="1" name="Shape 9"/>
         <p:cNvGrpSpPr/>
         <p:nvPr/>
       </p:nvGrpSpPr>
@@ -2244,7 +2370,9 @@
       <p:sp>
         <p:nvSpPr>
           <p:cNvPr id="10" name="Google Shape;10;p2"/>
-          <p:cNvSpPr txBox="1"/>
+          <p:cNvSpPr txBox="1">
+            <a:spLocks noGrp="1"/>
+          </p:cNvSpPr>
           <p:nvPr>
             <p:ph type="ctrTitle"/>
           </p:nvPr>
@@ -2259,7 +2387,7 @@
           </a:prstGeom>
         </p:spPr>
         <p:txBody>
-          <a:bodyPr anchorCtr="0" anchor="b" bIns="91425" lIns="91425" spcFirstLastPara="1" rIns="91425" wrap="square" tIns="91425"/>
+          <a:bodyPr spcFirstLastPara="1" wrap="square" lIns="91425" tIns="91425" rIns="91425" bIns="91425" anchor="b" anchorCtr="0"/>
           <a:lstStyle>
             <a:lvl1pPr lvl="0" algn="ctr">
               <a:spcBef>
@@ -2361,15 +2489,19 @@
               <a:defRPr sz="5200"/>
             </a:lvl9pPr>
           </a:lstStyle>
-          <a:p/>
+          <a:p>
+            <a:endParaRPr/>
+          </a:p>
         </p:txBody>
       </p:sp>
       <p:sp>
         <p:nvSpPr>
           <p:cNvPr id="11" name="Google Shape;11;p2"/>
-          <p:cNvSpPr txBox="1"/>
+          <p:cNvSpPr txBox="1">
+            <a:spLocks noGrp="1"/>
+          </p:cNvSpPr>
           <p:nvPr>
-            <p:ph idx="1" type="subTitle"/>
+            <p:ph type="subTitle" idx="1"/>
           </p:nvPr>
         </p:nvSpPr>
         <p:spPr>
@@ -2382,7 +2514,7 @@
           </a:prstGeom>
         </p:spPr>
         <p:txBody>
-          <a:bodyPr anchorCtr="0" anchor="t" bIns="91425" lIns="91425" spcFirstLastPara="1" rIns="91425" wrap="square" tIns="91425"/>
+          <a:bodyPr spcFirstLastPara="1" wrap="square" lIns="91425" tIns="91425" rIns="91425" bIns="91425" anchor="t" anchorCtr="0"/>
           <a:lstStyle>
             <a:lvl1pPr lvl="0" algn="ctr">
               <a:lnSpc>
@@ -2511,15 +2643,19 @@
               <a:defRPr sz="2800"/>
             </a:lvl9pPr>
           </a:lstStyle>
-          <a:p/>
+          <a:p>
+            <a:endParaRPr/>
+          </a:p>
         </p:txBody>
       </p:sp>
       <p:sp>
         <p:nvSpPr>
           <p:cNvPr id="12" name="Google Shape;12;p2"/>
-          <p:cNvSpPr txBox="1"/>
+          <p:cNvSpPr txBox="1">
+            <a:spLocks noGrp="1"/>
+          </p:cNvSpPr>
           <p:nvPr>
-            <p:ph idx="12" type="sldNum"/>
+            <p:ph type="sldNum" idx="12"/>
           </p:nvPr>
         </p:nvSpPr>
         <p:spPr>
@@ -2532,7 +2668,7 @@
           </a:prstGeom>
         </p:spPr>
         <p:txBody>
-          <a:bodyPr anchorCtr="0" anchor="ctr" bIns="91425" lIns="91425" spcFirstLastPara="1" rIns="91425" wrap="square" tIns="91425">
+          <a:bodyPr spcFirstLastPara="1" wrap="square" lIns="91425" tIns="91425" rIns="91425" bIns="91425" anchor="ctr" anchorCtr="0">
             <a:noAutofit/>
           </a:bodyPr>
           <a:lstStyle>
@@ -2574,7 +2710,7 @@
             </a:lvl9pPr>
           </a:lstStyle>
           <a:p>
-            <a:pPr indent="0" lvl="0" marL="0" rtl="0" algn="r">
+            <a:pPr marL="0" lvl="0" indent="0" algn="r" rtl="0">
               <a:spcBef>
                 <a:spcPts val="0"/>
               </a:spcBef>
@@ -2600,11 +2736,11 @@
 </file>
 
 <file path=ppt/slideLayouts/slideLayout10.xml><?xml version="1.0" encoding="utf-8"?>
-<p:sldLayout xmlns:a="http://schemas.openxmlformats.org/drawingml/2006/main" xmlns:r="http://schemas.openxmlformats.org/officeDocument/2006/relationships" xmlns:mc="http://schemas.openxmlformats.org/markup-compatibility/2006" xmlns:mv="urn:schemas-microsoft-com:mac:vml" xmlns:p="http://schemas.openxmlformats.org/presentationml/2006/main" xmlns:c="http://schemas.openxmlformats.org/drawingml/2006/chart" xmlns:dgm="http://schemas.openxmlformats.org/drawingml/2006/diagram" xmlns:o="urn:schemas-microsoft-com:office:office" xmlns:v="urn:schemas-microsoft-com:vml" xmlns:pvml="urn:schemas-microsoft-com:office:powerpoint" xmlns:com="http://schemas.openxmlformats.org/drawingml/2006/compatibility" xmlns:p14="http://schemas.microsoft.com/office/powerpoint/2010/main" xmlns:p15="http://schemas.microsoft.com/office/powerpoint/2012/main" matchingName="Big number">
+<p:sldLayout xmlns:a="http://schemas.openxmlformats.org/drawingml/2006/main" xmlns:r="http://schemas.openxmlformats.org/officeDocument/2006/relationships" xmlns:p="http://schemas.openxmlformats.org/presentationml/2006/main" matchingName="Big number">
   <p:cSld name="BIG_NUMBER">
     <p:spTree>
       <p:nvGrpSpPr>
-        <p:cNvPr id="44" name="Shape 44"/>
+        <p:cNvPr id="1" name="Shape 44"/>
         <p:cNvGrpSpPr/>
         <p:nvPr/>
       </p:nvGrpSpPr>
@@ -2619,9 +2755,11 @@
       <p:sp>
         <p:nvSpPr>
           <p:cNvPr id="45" name="Google Shape;45;p11"/>
-          <p:cNvSpPr txBox="1"/>
+          <p:cNvSpPr txBox="1">
+            <a:spLocks noGrp="1"/>
+          </p:cNvSpPr>
           <p:nvPr>
-            <p:ph hasCustomPrompt="1" type="title"/>
+            <p:ph type="title" hasCustomPrompt="1"/>
           </p:nvPr>
         </p:nvSpPr>
         <p:spPr>
@@ -2634,7 +2772,7 @@
           </a:prstGeom>
         </p:spPr>
         <p:txBody>
-          <a:bodyPr anchorCtr="0" anchor="b" bIns="91425" lIns="91425" spcFirstLastPara="1" rIns="91425" wrap="square" tIns="91425"/>
+          <a:bodyPr spcFirstLastPara="1" wrap="square" lIns="91425" tIns="91425" rIns="91425" bIns="91425" anchor="b" anchorCtr="0"/>
           <a:lstStyle>
             <a:lvl1pPr lvl="0" algn="ctr">
               <a:spcBef>
@@ -2746,9 +2884,11 @@
       <p:sp>
         <p:nvSpPr>
           <p:cNvPr id="46" name="Google Shape;46;p11"/>
-          <p:cNvSpPr txBox="1"/>
+          <p:cNvSpPr txBox="1">
+            <a:spLocks noGrp="1"/>
+          </p:cNvSpPr>
           <p:nvPr>
-            <p:ph idx="1" type="body"/>
+            <p:ph type="body" idx="1"/>
           </p:nvPr>
         </p:nvSpPr>
         <p:spPr>
@@ -2761,9 +2901,9 @@
           </a:prstGeom>
         </p:spPr>
         <p:txBody>
-          <a:bodyPr anchorCtr="0" anchor="t" bIns="91425" lIns="91425" spcFirstLastPara="1" rIns="91425" wrap="square" tIns="91425"/>
+          <a:bodyPr spcFirstLastPara="1" wrap="square" lIns="91425" tIns="91425" rIns="91425" bIns="91425" anchor="t" anchorCtr="0"/>
           <a:lstStyle>
-            <a:lvl1pPr indent="-342900" lvl="0" marL="457200" algn="ctr">
+            <a:lvl1pPr marL="457200" lvl="0" indent="-342900" algn="ctr">
               <a:spcBef>
                 <a:spcPts val="0"/>
               </a:spcBef>
@@ -2774,7 +2914,7 @@
               <a:buChar char="●"/>
               <a:defRPr/>
             </a:lvl1pPr>
-            <a:lvl2pPr indent="-317500" lvl="1" marL="914400" algn="ctr">
+            <a:lvl2pPr marL="914400" lvl="1" indent="-317500" algn="ctr">
               <a:spcBef>
                 <a:spcPts val="1600"/>
               </a:spcBef>
@@ -2785,7 +2925,7 @@
               <a:buChar char="○"/>
               <a:defRPr/>
             </a:lvl2pPr>
-            <a:lvl3pPr indent="-317500" lvl="2" marL="1371600" algn="ctr">
+            <a:lvl3pPr marL="1371600" lvl="2" indent="-317500" algn="ctr">
               <a:spcBef>
                 <a:spcPts val="1600"/>
               </a:spcBef>
@@ -2796,7 +2936,7 @@
               <a:buChar char="■"/>
               <a:defRPr/>
             </a:lvl3pPr>
-            <a:lvl4pPr indent="-317500" lvl="3" marL="1828800" algn="ctr">
+            <a:lvl4pPr marL="1828800" lvl="3" indent="-317500" algn="ctr">
               <a:spcBef>
                 <a:spcPts val="1600"/>
               </a:spcBef>
@@ -2807,7 +2947,7 @@
               <a:buChar char="●"/>
               <a:defRPr/>
             </a:lvl4pPr>
-            <a:lvl5pPr indent="-317500" lvl="4" marL="2286000" algn="ctr">
+            <a:lvl5pPr marL="2286000" lvl="4" indent="-317500" algn="ctr">
               <a:spcBef>
                 <a:spcPts val="1600"/>
               </a:spcBef>
@@ -2818,7 +2958,7 @@
               <a:buChar char="○"/>
               <a:defRPr/>
             </a:lvl5pPr>
-            <a:lvl6pPr indent="-317500" lvl="5" marL="2743200" algn="ctr">
+            <a:lvl6pPr marL="2743200" lvl="5" indent="-317500" algn="ctr">
               <a:spcBef>
                 <a:spcPts val="1600"/>
               </a:spcBef>
@@ -2829,7 +2969,7 @@
               <a:buChar char="■"/>
               <a:defRPr/>
             </a:lvl6pPr>
-            <a:lvl7pPr indent="-317500" lvl="6" marL="3200400" algn="ctr">
+            <a:lvl7pPr marL="3200400" lvl="6" indent="-317500" algn="ctr">
               <a:spcBef>
                 <a:spcPts val="1600"/>
               </a:spcBef>
@@ -2840,7 +2980,7 @@
               <a:buChar char="●"/>
               <a:defRPr/>
             </a:lvl7pPr>
-            <a:lvl8pPr indent="-317500" lvl="7" marL="3657600" algn="ctr">
+            <a:lvl8pPr marL="3657600" lvl="7" indent="-317500" algn="ctr">
               <a:spcBef>
                 <a:spcPts val="1600"/>
               </a:spcBef>
@@ -2851,7 +2991,7 @@
               <a:buChar char="○"/>
               <a:defRPr/>
             </a:lvl8pPr>
-            <a:lvl9pPr indent="-317500" lvl="8" marL="4114800" algn="ctr">
+            <a:lvl9pPr marL="4114800" lvl="8" indent="-317500" algn="ctr">
               <a:spcBef>
                 <a:spcPts val="1600"/>
               </a:spcBef>
@@ -2863,15 +3003,19 @@
               <a:defRPr/>
             </a:lvl9pPr>
           </a:lstStyle>
-          <a:p/>
+          <a:p>
+            <a:endParaRPr/>
+          </a:p>
         </p:txBody>
       </p:sp>
       <p:sp>
         <p:nvSpPr>
           <p:cNvPr id="47" name="Google Shape;47;p11"/>
-          <p:cNvSpPr txBox="1"/>
+          <p:cNvSpPr txBox="1">
+            <a:spLocks noGrp="1"/>
+          </p:cNvSpPr>
           <p:nvPr>
-            <p:ph idx="12" type="sldNum"/>
+            <p:ph type="sldNum" idx="12"/>
           </p:nvPr>
         </p:nvSpPr>
         <p:spPr>
@@ -2884,7 +3028,7 @@
           </a:prstGeom>
         </p:spPr>
         <p:txBody>
-          <a:bodyPr anchorCtr="0" anchor="ctr" bIns="91425" lIns="91425" spcFirstLastPara="1" rIns="91425" wrap="square" tIns="91425">
+          <a:bodyPr spcFirstLastPara="1" wrap="square" lIns="91425" tIns="91425" rIns="91425" bIns="91425" anchor="ctr" anchorCtr="0">
             <a:noAutofit/>
           </a:bodyPr>
           <a:lstStyle>
@@ -2926,7 +3070,7 @@
             </a:lvl9pPr>
           </a:lstStyle>
           <a:p>
-            <a:pPr indent="0" lvl="0" marL="0" rtl="0" algn="r">
+            <a:pPr marL="0" lvl="0" indent="0" algn="r" rtl="0">
               <a:spcBef>
                 <a:spcPts val="0"/>
               </a:spcBef>
@@ -2952,11 +3096,11 @@
 </file>
 
 <file path=ppt/slideLayouts/slideLayout11.xml><?xml version="1.0" encoding="utf-8"?>
-<p:sldLayout xmlns:a="http://schemas.openxmlformats.org/drawingml/2006/main" xmlns:r="http://schemas.openxmlformats.org/officeDocument/2006/relationships" xmlns:mc="http://schemas.openxmlformats.org/markup-compatibility/2006" xmlns:mv="urn:schemas-microsoft-com:mac:vml" xmlns:p="http://schemas.openxmlformats.org/presentationml/2006/main" xmlns:c="http://schemas.openxmlformats.org/drawingml/2006/chart" xmlns:dgm="http://schemas.openxmlformats.org/drawingml/2006/diagram" xmlns:o="urn:schemas-microsoft-com:office:office" xmlns:v="urn:schemas-microsoft-com:vml" xmlns:pvml="urn:schemas-microsoft-com:office:powerpoint" xmlns:com="http://schemas.openxmlformats.org/drawingml/2006/compatibility" xmlns:p14="http://schemas.microsoft.com/office/powerpoint/2010/main" xmlns:p15="http://schemas.microsoft.com/office/powerpoint/2012/main" matchingName="Blank" type="blank">
+<p:sldLayout xmlns:a="http://schemas.openxmlformats.org/drawingml/2006/main" xmlns:r="http://schemas.openxmlformats.org/officeDocument/2006/relationships" xmlns:p="http://schemas.openxmlformats.org/presentationml/2006/main" matchingName="Blank" type="blank">
   <p:cSld name="BLANK">
     <p:spTree>
       <p:nvGrpSpPr>
-        <p:cNvPr id="48" name="Shape 48"/>
+        <p:cNvPr id="1" name="Shape 48"/>
         <p:cNvGrpSpPr/>
         <p:nvPr/>
       </p:nvGrpSpPr>
@@ -2971,9 +3115,11 @@
       <p:sp>
         <p:nvSpPr>
           <p:cNvPr id="49" name="Google Shape;49;p12"/>
-          <p:cNvSpPr txBox="1"/>
+          <p:cNvSpPr txBox="1">
+            <a:spLocks noGrp="1"/>
+          </p:cNvSpPr>
           <p:nvPr>
-            <p:ph idx="12" type="sldNum"/>
+            <p:ph type="sldNum" idx="12"/>
           </p:nvPr>
         </p:nvSpPr>
         <p:spPr>
@@ -2986,7 +3132,7 @@
           </a:prstGeom>
         </p:spPr>
         <p:txBody>
-          <a:bodyPr anchorCtr="0" anchor="ctr" bIns="91425" lIns="91425" spcFirstLastPara="1" rIns="91425" wrap="square" tIns="91425">
+          <a:bodyPr spcFirstLastPara="1" wrap="square" lIns="91425" tIns="91425" rIns="91425" bIns="91425" anchor="ctr" anchorCtr="0">
             <a:noAutofit/>
           </a:bodyPr>
           <a:lstStyle>
@@ -3028,7 +3174,7 @@
             </a:lvl9pPr>
           </a:lstStyle>
           <a:p>
-            <a:pPr indent="0" lvl="0" marL="0" rtl="0" algn="r">
+            <a:pPr marL="0" lvl="0" indent="0" algn="r" rtl="0">
               <a:spcBef>
                 <a:spcPts val="0"/>
               </a:spcBef>
@@ -3054,11 +3200,11 @@
 </file>
 
 <file path=ppt/slideLayouts/slideLayout2.xml><?xml version="1.0" encoding="utf-8"?>
-<p:sldLayout xmlns:a="http://schemas.openxmlformats.org/drawingml/2006/main" xmlns:r="http://schemas.openxmlformats.org/officeDocument/2006/relationships" xmlns:mc="http://schemas.openxmlformats.org/markup-compatibility/2006" xmlns:mv="urn:schemas-microsoft-com:mac:vml" xmlns:p="http://schemas.openxmlformats.org/presentationml/2006/main" xmlns:c="http://schemas.openxmlformats.org/drawingml/2006/chart" xmlns:dgm="http://schemas.openxmlformats.org/drawingml/2006/diagram" xmlns:o="urn:schemas-microsoft-com:office:office" xmlns:v="urn:schemas-microsoft-com:vml" xmlns:pvml="urn:schemas-microsoft-com:office:powerpoint" xmlns:com="http://schemas.openxmlformats.org/drawingml/2006/compatibility" xmlns:p14="http://schemas.microsoft.com/office/powerpoint/2010/main" xmlns:p15="http://schemas.microsoft.com/office/powerpoint/2012/main" matchingName="Section header" type="secHead">
+<p:sldLayout xmlns:a="http://schemas.openxmlformats.org/drawingml/2006/main" xmlns:r="http://schemas.openxmlformats.org/officeDocument/2006/relationships" xmlns:p="http://schemas.openxmlformats.org/presentationml/2006/main" matchingName="Section header" type="secHead">
   <p:cSld name="SECTION_HEADER">
     <p:spTree>
       <p:nvGrpSpPr>
-        <p:cNvPr id="13" name="Shape 13"/>
+        <p:cNvPr id="1" name="Shape 13"/>
         <p:cNvGrpSpPr/>
         <p:nvPr/>
       </p:nvGrpSpPr>
@@ -3073,7 +3219,9 @@
       <p:sp>
         <p:nvSpPr>
           <p:cNvPr id="14" name="Google Shape;14;p3"/>
-          <p:cNvSpPr txBox="1"/>
+          <p:cNvSpPr txBox="1">
+            <a:spLocks noGrp="1"/>
+          </p:cNvSpPr>
           <p:nvPr>
             <p:ph type="title"/>
           </p:nvPr>
@@ -3088,7 +3236,7 @@
           </a:prstGeom>
         </p:spPr>
         <p:txBody>
-          <a:bodyPr anchorCtr="0" anchor="ctr" bIns="91425" lIns="91425" spcFirstLastPara="1" rIns="91425" wrap="square" tIns="91425"/>
+          <a:bodyPr spcFirstLastPara="1" wrap="square" lIns="91425" tIns="91425" rIns="91425" bIns="91425" anchor="ctr" anchorCtr="0"/>
           <a:lstStyle>
             <a:lvl1pPr lvl="0" algn="ctr">
               <a:spcBef>
@@ -3190,15 +3338,19 @@
               <a:defRPr sz="3600"/>
             </a:lvl9pPr>
           </a:lstStyle>
-          <a:p/>
+          <a:p>
+            <a:endParaRPr/>
+          </a:p>
         </p:txBody>
       </p:sp>
       <p:sp>
         <p:nvSpPr>
           <p:cNvPr id="15" name="Google Shape;15;p3"/>
-          <p:cNvSpPr txBox="1"/>
+          <p:cNvSpPr txBox="1">
+            <a:spLocks noGrp="1"/>
+          </p:cNvSpPr>
           <p:nvPr>
-            <p:ph idx="12" type="sldNum"/>
+            <p:ph type="sldNum" idx="12"/>
           </p:nvPr>
         </p:nvSpPr>
         <p:spPr>
@@ -3211,7 +3363,7 @@
           </a:prstGeom>
         </p:spPr>
         <p:txBody>
-          <a:bodyPr anchorCtr="0" anchor="ctr" bIns="91425" lIns="91425" spcFirstLastPara="1" rIns="91425" wrap="square" tIns="91425">
+          <a:bodyPr spcFirstLastPara="1" wrap="square" lIns="91425" tIns="91425" rIns="91425" bIns="91425" anchor="ctr" anchorCtr="0">
             <a:noAutofit/>
           </a:bodyPr>
           <a:lstStyle>
@@ -3253,7 +3405,7 @@
             </a:lvl9pPr>
           </a:lstStyle>
           <a:p>
-            <a:pPr indent="0" lvl="0" marL="0" rtl="0" algn="r">
+            <a:pPr marL="0" lvl="0" indent="0" algn="r" rtl="0">
               <a:spcBef>
                 <a:spcPts val="0"/>
               </a:spcBef>
@@ -3279,11 +3431,11 @@
 </file>
 
 <file path=ppt/slideLayouts/slideLayout3.xml><?xml version="1.0" encoding="utf-8"?>
-<p:sldLayout xmlns:a="http://schemas.openxmlformats.org/drawingml/2006/main" xmlns:r="http://schemas.openxmlformats.org/officeDocument/2006/relationships" xmlns:mc="http://schemas.openxmlformats.org/markup-compatibility/2006" xmlns:mv="urn:schemas-microsoft-com:mac:vml" xmlns:p="http://schemas.openxmlformats.org/presentationml/2006/main" xmlns:c="http://schemas.openxmlformats.org/drawingml/2006/chart" xmlns:dgm="http://schemas.openxmlformats.org/drawingml/2006/diagram" xmlns:o="urn:schemas-microsoft-com:office:office" xmlns:v="urn:schemas-microsoft-com:vml" xmlns:pvml="urn:schemas-microsoft-com:office:powerpoint" xmlns:com="http://schemas.openxmlformats.org/drawingml/2006/compatibility" xmlns:p14="http://schemas.microsoft.com/office/powerpoint/2010/main" xmlns:p15="http://schemas.microsoft.com/office/powerpoint/2012/main" matchingName="Title and body" type="tx">
+<p:sldLayout xmlns:a="http://schemas.openxmlformats.org/drawingml/2006/main" xmlns:r="http://schemas.openxmlformats.org/officeDocument/2006/relationships" xmlns:p="http://schemas.openxmlformats.org/presentationml/2006/main" matchingName="Title and body" type="tx">
   <p:cSld name="TITLE_AND_BODY">
     <p:spTree>
       <p:nvGrpSpPr>
-        <p:cNvPr id="16" name="Shape 16"/>
+        <p:cNvPr id="1" name="Shape 16"/>
         <p:cNvGrpSpPr/>
         <p:nvPr/>
       </p:nvGrpSpPr>
@@ -3298,7 +3450,9 @@
       <p:sp>
         <p:nvSpPr>
           <p:cNvPr id="17" name="Google Shape;17;p4"/>
-          <p:cNvSpPr txBox="1"/>
+          <p:cNvSpPr txBox="1">
+            <a:spLocks noGrp="1"/>
+          </p:cNvSpPr>
           <p:nvPr>
             <p:ph type="title"/>
           </p:nvPr>
@@ -3313,7 +3467,7 @@
           </a:prstGeom>
         </p:spPr>
         <p:txBody>
-          <a:bodyPr anchorCtr="0" anchor="t" bIns="91425" lIns="91425" spcFirstLastPara="1" rIns="91425" wrap="square" tIns="91425"/>
+          <a:bodyPr spcFirstLastPara="1" wrap="square" lIns="91425" tIns="91425" rIns="91425" bIns="91425" anchor="t" anchorCtr="0"/>
           <a:lstStyle>
             <a:lvl1pPr lvl="0">
               <a:spcBef>
@@ -3415,15 +3569,19 @@
               <a:defRPr/>
             </a:lvl9pPr>
           </a:lstStyle>
-          <a:p/>
+          <a:p>
+            <a:endParaRPr/>
+          </a:p>
         </p:txBody>
       </p:sp>
       <p:sp>
         <p:nvSpPr>
           <p:cNvPr id="18" name="Google Shape;18;p4"/>
-          <p:cNvSpPr txBox="1"/>
+          <p:cNvSpPr txBox="1">
+            <a:spLocks noGrp="1"/>
+          </p:cNvSpPr>
           <p:nvPr>
-            <p:ph idx="1" type="body"/>
+            <p:ph type="body" idx="1"/>
           </p:nvPr>
         </p:nvSpPr>
         <p:spPr>
@@ -3436,9 +3594,9 @@
           </a:prstGeom>
         </p:spPr>
         <p:txBody>
-          <a:bodyPr anchorCtr="0" anchor="t" bIns="91425" lIns="91425" spcFirstLastPara="1" rIns="91425" wrap="square" tIns="91425"/>
+          <a:bodyPr spcFirstLastPara="1" wrap="square" lIns="91425" tIns="91425" rIns="91425" bIns="91425" anchor="t" anchorCtr="0"/>
           <a:lstStyle>
-            <a:lvl1pPr indent="-342900" lvl="0" marL="457200">
+            <a:lvl1pPr marL="457200" lvl="0" indent="-342900">
               <a:spcBef>
                 <a:spcPts val="0"/>
               </a:spcBef>
@@ -3449,7 +3607,7 @@
               <a:buChar char="●"/>
               <a:defRPr/>
             </a:lvl1pPr>
-            <a:lvl2pPr indent="-317500" lvl="1" marL="914400">
+            <a:lvl2pPr marL="914400" lvl="1" indent="-317500">
               <a:spcBef>
                 <a:spcPts val="1600"/>
               </a:spcBef>
@@ -3460,7 +3618,7 @@
               <a:buChar char="○"/>
               <a:defRPr/>
             </a:lvl2pPr>
-            <a:lvl3pPr indent="-317500" lvl="2" marL="1371600">
+            <a:lvl3pPr marL="1371600" lvl="2" indent="-317500">
               <a:spcBef>
                 <a:spcPts val="1600"/>
               </a:spcBef>
@@ -3471,7 +3629,7 @@
               <a:buChar char="■"/>
               <a:defRPr/>
             </a:lvl3pPr>
-            <a:lvl4pPr indent="-317500" lvl="3" marL="1828800">
+            <a:lvl4pPr marL="1828800" lvl="3" indent="-317500">
               <a:spcBef>
                 <a:spcPts val="1600"/>
               </a:spcBef>
@@ -3482,7 +3640,7 @@
               <a:buChar char="●"/>
               <a:defRPr/>
             </a:lvl4pPr>
-            <a:lvl5pPr indent="-317500" lvl="4" marL="2286000">
+            <a:lvl5pPr marL="2286000" lvl="4" indent="-317500">
               <a:spcBef>
                 <a:spcPts val="1600"/>
               </a:spcBef>
@@ -3493,7 +3651,7 @@
               <a:buChar char="○"/>
               <a:defRPr/>
             </a:lvl5pPr>
-            <a:lvl6pPr indent="-317500" lvl="5" marL="2743200">
+            <a:lvl6pPr marL="2743200" lvl="5" indent="-317500">
               <a:spcBef>
                 <a:spcPts val="1600"/>
               </a:spcBef>
@@ -3504,7 +3662,7 @@
               <a:buChar char="■"/>
               <a:defRPr/>
             </a:lvl6pPr>
-            <a:lvl7pPr indent="-317500" lvl="6" marL="3200400">
+            <a:lvl7pPr marL="3200400" lvl="6" indent="-317500">
               <a:spcBef>
                 <a:spcPts val="1600"/>
               </a:spcBef>
@@ -3515,7 +3673,7 @@
               <a:buChar char="●"/>
               <a:defRPr/>
             </a:lvl7pPr>
-            <a:lvl8pPr indent="-317500" lvl="7" marL="3657600">
+            <a:lvl8pPr marL="3657600" lvl="7" indent="-317500">
               <a:spcBef>
                 <a:spcPts val="1600"/>
               </a:spcBef>
@@ -3526,7 +3684,7 @@
               <a:buChar char="○"/>
               <a:defRPr/>
             </a:lvl8pPr>
-            <a:lvl9pPr indent="-317500" lvl="8" marL="4114800">
+            <a:lvl9pPr marL="4114800" lvl="8" indent="-317500">
               <a:spcBef>
                 <a:spcPts val="1600"/>
               </a:spcBef>
@@ -3538,15 +3696,19 @@
               <a:defRPr/>
             </a:lvl9pPr>
           </a:lstStyle>
-          <a:p/>
+          <a:p>
+            <a:endParaRPr/>
+          </a:p>
         </p:txBody>
       </p:sp>
       <p:sp>
         <p:nvSpPr>
           <p:cNvPr id="19" name="Google Shape;19;p4"/>
-          <p:cNvSpPr txBox="1"/>
+          <p:cNvSpPr txBox="1">
+            <a:spLocks noGrp="1"/>
+          </p:cNvSpPr>
           <p:nvPr>
-            <p:ph idx="12" type="sldNum"/>
+            <p:ph type="sldNum" idx="12"/>
           </p:nvPr>
         </p:nvSpPr>
         <p:spPr>
@@ -3559,7 +3721,7 @@
           </a:prstGeom>
         </p:spPr>
         <p:txBody>
-          <a:bodyPr anchorCtr="0" anchor="ctr" bIns="91425" lIns="91425" spcFirstLastPara="1" rIns="91425" wrap="square" tIns="91425">
+          <a:bodyPr spcFirstLastPara="1" wrap="square" lIns="91425" tIns="91425" rIns="91425" bIns="91425" anchor="ctr" anchorCtr="0">
             <a:noAutofit/>
           </a:bodyPr>
           <a:lstStyle>
@@ -3601,7 +3763,7 @@
             </a:lvl9pPr>
           </a:lstStyle>
           <a:p>
-            <a:pPr indent="0" lvl="0" marL="0" rtl="0" algn="r">
+            <a:pPr marL="0" lvl="0" indent="0" algn="r" rtl="0">
               <a:spcBef>
                 <a:spcPts val="0"/>
               </a:spcBef>
@@ -3627,11 +3789,11 @@
 </file>
 
 <file path=ppt/slideLayouts/slideLayout4.xml><?xml version="1.0" encoding="utf-8"?>
-<p:sldLayout xmlns:a="http://schemas.openxmlformats.org/drawingml/2006/main" xmlns:r="http://schemas.openxmlformats.org/officeDocument/2006/relationships" xmlns:mc="http://schemas.openxmlformats.org/markup-compatibility/2006" xmlns:mv="urn:schemas-microsoft-com:mac:vml" xmlns:p="http://schemas.openxmlformats.org/presentationml/2006/main" xmlns:c="http://schemas.openxmlformats.org/drawingml/2006/chart" xmlns:dgm="http://schemas.openxmlformats.org/drawingml/2006/diagram" xmlns:o="urn:schemas-microsoft-com:office:office" xmlns:v="urn:schemas-microsoft-com:vml" xmlns:pvml="urn:schemas-microsoft-com:office:powerpoint" xmlns:com="http://schemas.openxmlformats.org/drawingml/2006/compatibility" xmlns:p14="http://schemas.microsoft.com/office/powerpoint/2010/main" xmlns:p15="http://schemas.microsoft.com/office/powerpoint/2012/main" matchingName="Title and two columns" type="twoColTx">
+<p:sldLayout xmlns:a="http://schemas.openxmlformats.org/drawingml/2006/main" xmlns:r="http://schemas.openxmlformats.org/officeDocument/2006/relationships" xmlns:p="http://schemas.openxmlformats.org/presentationml/2006/main" matchingName="Title and two columns" type="twoColTx">
   <p:cSld name="TITLE_AND_TWO_COLUMNS">
     <p:spTree>
       <p:nvGrpSpPr>
-        <p:cNvPr id="20" name="Shape 20"/>
+        <p:cNvPr id="1" name="Shape 20"/>
         <p:cNvGrpSpPr/>
         <p:nvPr/>
       </p:nvGrpSpPr>
@@ -3646,7 +3808,9 @@
       <p:sp>
         <p:nvSpPr>
           <p:cNvPr id="21" name="Google Shape;21;p5"/>
-          <p:cNvSpPr txBox="1"/>
+          <p:cNvSpPr txBox="1">
+            <a:spLocks noGrp="1"/>
+          </p:cNvSpPr>
           <p:nvPr>
             <p:ph type="title"/>
           </p:nvPr>
@@ -3661,7 +3825,7 @@
           </a:prstGeom>
         </p:spPr>
         <p:txBody>
-          <a:bodyPr anchorCtr="0" anchor="t" bIns="91425" lIns="91425" spcFirstLastPara="1" rIns="91425" wrap="square" tIns="91425"/>
+          <a:bodyPr spcFirstLastPara="1" wrap="square" lIns="91425" tIns="91425" rIns="91425" bIns="91425" anchor="t" anchorCtr="0"/>
           <a:lstStyle>
             <a:lvl1pPr lvl="0">
               <a:spcBef>
@@ -3763,15 +3927,19 @@
               <a:defRPr/>
             </a:lvl9pPr>
           </a:lstStyle>
-          <a:p/>
+          <a:p>
+            <a:endParaRPr/>
+          </a:p>
         </p:txBody>
       </p:sp>
       <p:sp>
         <p:nvSpPr>
           <p:cNvPr id="22" name="Google Shape;22;p5"/>
-          <p:cNvSpPr txBox="1"/>
+          <p:cNvSpPr txBox="1">
+            <a:spLocks noGrp="1"/>
+          </p:cNvSpPr>
           <p:nvPr>
-            <p:ph idx="1" type="body"/>
+            <p:ph type="body" idx="1"/>
           </p:nvPr>
         </p:nvSpPr>
         <p:spPr>
@@ -3784,9 +3952,9 @@
           </a:prstGeom>
         </p:spPr>
         <p:txBody>
-          <a:bodyPr anchorCtr="0" anchor="t" bIns="91425" lIns="91425" spcFirstLastPara="1" rIns="91425" wrap="square" tIns="91425"/>
+          <a:bodyPr spcFirstLastPara="1" wrap="square" lIns="91425" tIns="91425" rIns="91425" bIns="91425" anchor="t" anchorCtr="0"/>
           <a:lstStyle>
-            <a:lvl1pPr indent="-317500" lvl="0" marL="457200">
+            <a:lvl1pPr marL="457200" lvl="0" indent="-317500">
               <a:spcBef>
                 <a:spcPts val="0"/>
               </a:spcBef>
@@ -3797,7 +3965,7 @@
               <a:buChar char="●"/>
               <a:defRPr sz="1400"/>
             </a:lvl1pPr>
-            <a:lvl2pPr indent="-304800" lvl="1" marL="914400">
+            <a:lvl2pPr marL="914400" lvl="1" indent="-304800">
               <a:spcBef>
                 <a:spcPts val="1600"/>
               </a:spcBef>
@@ -3808,7 +3976,7 @@
               <a:buChar char="○"/>
               <a:defRPr sz="1200"/>
             </a:lvl2pPr>
-            <a:lvl3pPr indent="-304800" lvl="2" marL="1371600">
+            <a:lvl3pPr marL="1371600" lvl="2" indent="-304800">
               <a:spcBef>
                 <a:spcPts val="1600"/>
               </a:spcBef>
@@ -3819,7 +3987,7 @@
               <a:buChar char="■"/>
               <a:defRPr sz="1200"/>
             </a:lvl3pPr>
-            <a:lvl4pPr indent="-304800" lvl="3" marL="1828800">
+            <a:lvl4pPr marL="1828800" lvl="3" indent="-304800">
               <a:spcBef>
                 <a:spcPts val="1600"/>
               </a:spcBef>
@@ -3830,7 +3998,7 @@
               <a:buChar char="●"/>
               <a:defRPr sz="1200"/>
             </a:lvl4pPr>
-            <a:lvl5pPr indent="-304800" lvl="4" marL="2286000">
+            <a:lvl5pPr marL="2286000" lvl="4" indent="-304800">
               <a:spcBef>
                 <a:spcPts val="1600"/>
               </a:spcBef>
@@ -3841,7 +4009,7 @@
               <a:buChar char="○"/>
               <a:defRPr sz="1200"/>
             </a:lvl5pPr>
-            <a:lvl6pPr indent="-304800" lvl="5" marL="2743200">
+            <a:lvl6pPr marL="2743200" lvl="5" indent="-304800">
               <a:spcBef>
                 <a:spcPts val="1600"/>
               </a:spcBef>
@@ -3852,7 +4020,7 @@
               <a:buChar char="■"/>
               <a:defRPr sz="1200"/>
             </a:lvl6pPr>
-            <a:lvl7pPr indent="-304800" lvl="6" marL="3200400">
+            <a:lvl7pPr marL="3200400" lvl="6" indent="-304800">
               <a:spcBef>
                 <a:spcPts val="1600"/>
               </a:spcBef>
@@ -3863,7 +4031,7 @@
               <a:buChar char="●"/>
               <a:defRPr sz="1200"/>
             </a:lvl7pPr>
-            <a:lvl8pPr indent="-304800" lvl="7" marL="3657600">
+            <a:lvl8pPr marL="3657600" lvl="7" indent="-304800">
               <a:spcBef>
                 <a:spcPts val="1600"/>
               </a:spcBef>
@@ -3874,7 +4042,7 @@
               <a:buChar char="○"/>
               <a:defRPr sz="1200"/>
             </a:lvl8pPr>
-            <a:lvl9pPr indent="-304800" lvl="8" marL="4114800">
+            <a:lvl9pPr marL="4114800" lvl="8" indent="-304800">
               <a:spcBef>
                 <a:spcPts val="1600"/>
               </a:spcBef>
@@ -3886,15 +4054,19 @@
               <a:defRPr sz="1200"/>
             </a:lvl9pPr>
           </a:lstStyle>
-          <a:p/>
+          <a:p>
+            <a:endParaRPr/>
+          </a:p>
         </p:txBody>
       </p:sp>
       <p:sp>
         <p:nvSpPr>
           <p:cNvPr id="23" name="Google Shape;23;p5"/>
-          <p:cNvSpPr txBox="1"/>
+          <p:cNvSpPr txBox="1">
+            <a:spLocks noGrp="1"/>
+          </p:cNvSpPr>
           <p:nvPr>
-            <p:ph idx="2" type="body"/>
+            <p:ph type="body" idx="2"/>
           </p:nvPr>
         </p:nvSpPr>
         <p:spPr>
@@ -3907,9 +4079,9 @@
           </a:prstGeom>
         </p:spPr>
         <p:txBody>
-          <a:bodyPr anchorCtr="0" anchor="t" bIns="91425" lIns="91425" spcFirstLastPara="1" rIns="91425" wrap="square" tIns="91425"/>
+          <a:bodyPr spcFirstLastPara="1" wrap="square" lIns="91425" tIns="91425" rIns="91425" bIns="91425" anchor="t" anchorCtr="0"/>
           <a:lstStyle>
-            <a:lvl1pPr indent="-317500" lvl="0" marL="457200">
+            <a:lvl1pPr marL="457200" lvl="0" indent="-317500">
               <a:spcBef>
                 <a:spcPts val="0"/>
               </a:spcBef>
@@ -3920,7 +4092,7 @@
               <a:buChar char="●"/>
               <a:defRPr sz="1400"/>
             </a:lvl1pPr>
-            <a:lvl2pPr indent="-304800" lvl="1" marL="914400">
+            <a:lvl2pPr marL="914400" lvl="1" indent="-304800">
               <a:spcBef>
                 <a:spcPts val="1600"/>
               </a:spcBef>
@@ -3931,7 +4103,7 @@
               <a:buChar char="○"/>
               <a:defRPr sz="1200"/>
             </a:lvl2pPr>
-            <a:lvl3pPr indent="-304800" lvl="2" marL="1371600">
+            <a:lvl3pPr marL="1371600" lvl="2" indent="-304800">
               <a:spcBef>
                 <a:spcPts val="1600"/>
               </a:spcBef>
@@ -3942,7 +4114,7 @@
               <a:buChar char="■"/>
               <a:defRPr sz="1200"/>
             </a:lvl3pPr>
-            <a:lvl4pPr indent="-304800" lvl="3" marL="1828800">
+            <a:lvl4pPr marL="1828800" lvl="3" indent="-304800">
               <a:spcBef>
                 <a:spcPts val="1600"/>
               </a:spcBef>
@@ -3953,7 +4125,7 @@
               <a:buChar char="●"/>
               <a:defRPr sz="1200"/>
             </a:lvl4pPr>
-            <a:lvl5pPr indent="-304800" lvl="4" marL="2286000">
+            <a:lvl5pPr marL="2286000" lvl="4" indent="-304800">
               <a:spcBef>
                 <a:spcPts val="1600"/>
               </a:spcBef>
@@ -3964,7 +4136,7 @@
               <a:buChar char="○"/>
               <a:defRPr sz="1200"/>
             </a:lvl5pPr>
-            <a:lvl6pPr indent="-304800" lvl="5" marL="2743200">
+            <a:lvl6pPr marL="2743200" lvl="5" indent="-304800">
               <a:spcBef>
                 <a:spcPts val="1600"/>
               </a:spcBef>
@@ -3975,7 +4147,7 @@
               <a:buChar char="■"/>
               <a:defRPr sz="1200"/>
             </a:lvl6pPr>
-            <a:lvl7pPr indent="-304800" lvl="6" marL="3200400">
+            <a:lvl7pPr marL="3200400" lvl="6" indent="-304800">
               <a:spcBef>
                 <a:spcPts val="1600"/>
               </a:spcBef>
@@ -3986,7 +4158,7 @@
               <a:buChar char="●"/>
               <a:defRPr sz="1200"/>
             </a:lvl7pPr>
-            <a:lvl8pPr indent="-304800" lvl="7" marL="3657600">
+            <a:lvl8pPr marL="3657600" lvl="7" indent="-304800">
               <a:spcBef>
                 <a:spcPts val="1600"/>
               </a:spcBef>
@@ -3997,7 +4169,7 @@
               <a:buChar char="○"/>
               <a:defRPr sz="1200"/>
             </a:lvl8pPr>
-            <a:lvl9pPr indent="-304800" lvl="8" marL="4114800">
+            <a:lvl9pPr marL="4114800" lvl="8" indent="-304800">
               <a:spcBef>
                 <a:spcPts val="1600"/>
               </a:spcBef>
@@ -4009,15 +4181,19 @@
               <a:defRPr sz="1200"/>
             </a:lvl9pPr>
           </a:lstStyle>
-          <a:p/>
+          <a:p>
+            <a:endParaRPr/>
+          </a:p>
         </p:txBody>
       </p:sp>
       <p:sp>
         <p:nvSpPr>
           <p:cNvPr id="24" name="Google Shape;24;p5"/>
-          <p:cNvSpPr txBox="1"/>
+          <p:cNvSpPr txBox="1">
+            <a:spLocks noGrp="1"/>
+          </p:cNvSpPr>
           <p:nvPr>
-            <p:ph idx="12" type="sldNum"/>
+            <p:ph type="sldNum" idx="12"/>
           </p:nvPr>
         </p:nvSpPr>
         <p:spPr>
@@ -4030,7 +4206,7 @@
           </a:prstGeom>
         </p:spPr>
         <p:txBody>
-          <a:bodyPr anchorCtr="0" anchor="ctr" bIns="91425" lIns="91425" spcFirstLastPara="1" rIns="91425" wrap="square" tIns="91425">
+          <a:bodyPr spcFirstLastPara="1" wrap="square" lIns="91425" tIns="91425" rIns="91425" bIns="91425" anchor="ctr" anchorCtr="0">
             <a:noAutofit/>
           </a:bodyPr>
           <a:lstStyle>
@@ -4072,7 +4248,7 @@
             </a:lvl9pPr>
           </a:lstStyle>
           <a:p>
-            <a:pPr indent="0" lvl="0" marL="0" rtl="0" algn="r">
+            <a:pPr marL="0" lvl="0" indent="0" algn="r" rtl="0">
               <a:spcBef>
                 <a:spcPts val="0"/>
               </a:spcBef>
@@ -4098,11 +4274,11 @@
 </file>
 
 <file path=ppt/slideLayouts/slideLayout5.xml><?xml version="1.0" encoding="utf-8"?>
-<p:sldLayout xmlns:a="http://schemas.openxmlformats.org/drawingml/2006/main" xmlns:r="http://schemas.openxmlformats.org/officeDocument/2006/relationships" xmlns:mc="http://schemas.openxmlformats.org/markup-compatibility/2006" xmlns:mv="urn:schemas-microsoft-com:mac:vml" xmlns:p="http://schemas.openxmlformats.org/presentationml/2006/main" xmlns:c="http://schemas.openxmlformats.org/drawingml/2006/chart" xmlns:dgm="http://schemas.openxmlformats.org/drawingml/2006/diagram" xmlns:o="urn:schemas-microsoft-com:office:office" xmlns:v="urn:schemas-microsoft-com:vml" xmlns:pvml="urn:schemas-microsoft-com:office:powerpoint" xmlns:com="http://schemas.openxmlformats.org/drawingml/2006/compatibility" xmlns:p14="http://schemas.microsoft.com/office/powerpoint/2010/main" xmlns:p15="http://schemas.microsoft.com/office/powerpoint/2012/main" matchingName="Title only" type="titleOnly">
+<p:sldLayout xmlns:a="http://schemas.openxmlformats.org/drawingml/2006/main" xmlns:r="http://schemas.openxmlformats.org/officeDocument/2006/relationships" xmlns:p="http://schemas.openxmlformats.org/presentationml/2006/main" matchingName="Title only" type="titleOnly">
   <p:cSld name="TITLE_ONLY">
     <p:spTree>
       <p:nvGrpSpPr>
-        <p:cNvPr id="25" name="Shape 25"/>
+        <p:cNvPr id="1" name="Shape 25"/>
         <p:cNvGrpSpPr/>
         <p:nvPr/>
       </p:nvGrpSpPr>
@@ -4117,7 +4293,9 @@
       <p:sp>
         <p:nvSpPr>
           <p:cNvPr id="26" name="Google Shape;26;p6"/>
-          <p:cNvSpPr txBox="1"/>
+          <p:cNvSpPr txBox="1">
+            <a:spLocks noGrp="1"/>
+          </p:cNvSpPr>
           <p:nvPr>
             <p:ph type="title"/>
           </p:nvPr>
@@ -4132,7 +4310,7 @@
           </a:prstGeom>
         </p:spPr>
         <p:txBody>
-          <a:bodyPr anchorCtr="0" anchor="t" bIns="91425" lIns="91425" spcFirstLastPara="1" rIns="91425" wrap="square" tIns="91425"/>
+          <a:bodyPr spcFirstLastPara="1" wrap="square" lIns="91425" tIns="91425" rIns="91425" bIns="91425" anchor="t" anchorCtr="0"/>
           <a:lstStyle>
             <a:lvl1pPr lvl="0">
               <a:spcBef>
@@ -4234,15 +4412,19 @@
               <a:defRPr/>
             </a:lvl9pPr>
           </a:lstStyle>
-          <a:p/>
+          <a:p>
+            <a:endParaRPr/>
+          </a:p>
         </p:txBody>
       </p:sp>
       <p:sp>
         <p:nvSpPr>
           <p:cNvPr id="27" name="Google Shape;27;p6"/>
-          <p:cNvSpPr txBox="1"/>
+          <p:cNvSpPr txBox="1">
+            <a:spLocks noGrp="1"/>
+          </p:cNvSpPr>
           <p:nvPr>
-            <p:ph idx="12" type="sldNum"/>
+            <p:ph type="sldNum" idx="12"/>
           </p:nvPr>
         </p:nvSpPr>
         <p:spPr>
@@ -4255,7 +4437,7 @@
           </a:prstGeom>
         </p:spPr>
         <p:txBody>
-          <a:bodyPr anchorCtr="0" anchor="ctr" bIns="91425" lIns="91425" spcFirstLastPara="1" rIns="91425" wrap="square" tIns="91425">
+          <a:bodyPr spcFirstLastPara="1" wrap="square" lIns="91425" tIns="91425" rIns="91425" bIns="91425" anchor="ctr" anchorCtr="0">
             <a:noAutofit/>
           </a:bodyPr>
           <a:lstStyle>
@@ -4297,7 +4479,7 @@
             </a:lvl9pPr>
           </a:lstStyle>
           <a:p>
-            <a:pPr indent="0" lvl="0" marL="0" rtl="0" algn="r">
+            <a:pPr marL="0" lvl="0" indent="0" algn="r" rtl="0">
               <a:spcBef>
                 <a:spcPts val="0"/>
               </a:spcBef>
@@ -4323,11 +4505,11 @@
 </file>
 
 <file path=ppt/slideLayouts/slideLayout6.xml><?xml version="1.0" encoding="utf-8"?>
-<p:sldLayout xmlns:a="http://schemas.openxmlformats.org/drawingml/2006/main" xmlns:r="http://schemas.openxmlformats.org/officeDocument/2006/relationships" xmlns:mc="http://schemas.openxmlformats.org/markup-compatibility/2006" xmlns:mv="urn:schemas-microsoft-com:mac:vml" xmlns:p="http://schemas.openxmlformats.org/presentationml/2006/main" xmlns:c="http://schemas.openxmlformats.org/drawingml/2006/chart" xmlns:dgm="http://schemas.openxmlformats.org/drawingml/2006/diagram" xmlns:o="urn:schemas-microsoft-com:office:office" xmlns:v="urn:schemas-microsoft-com:vml" xmlns:pvml="urn:schemas-microsoft-com:office:powerpoint" xmlns:com="http://schemas.openxmlformats.org/drawingml/2006/compatibility" xmlns:p14="http://schemas.microsoft.com/office/powerpoint/2010/main" xmlns:p15="http://schemas.microsoft.com/office/powerpoint/2012/main" matchingName="One column text">
+<p:sldLayout xmlns:a="http://schemas.openxmlformats.org/drawingml/2006/main" xmlns:r="http://schemas.openxmlformats.org/officeDocument/2006/relationships" xmlns:p="http://schemas.openxmlformats.org/presentationml/2006/main" matchingName="One column text">
   <p:cSld name="ONE_COLUMN_TEXT">
     <p:spTree>
       <p:nvGrpSpPr>
-        <p:cNvPr id="28" name="Shape 28"/>
+        <p:cNvPr id="1" name="Shape 28"/>
         <p:cNvGrpSpPr/>
         <p:nvPr/>
       </p:nvGrpSpPr>
@@ -4342,7 +4524,9 @@
       <p:sp>
         <p:nvSpPr>
           <p:cNvPr id="29" name="Google Shape;29;p7"/>
-          <p:cNvSpPr txBox="1"/>
+          <p:cNvSpPr txBox="1">
+            <a:spLocks noGrp="1"/>
+          </p:cNvSpPr>
           <p:nvPr>
             <p:ph type="title"/>
           </p:nvPr>
@@ -4357,7 +4541,7 @@
           </a:prstGeom>
         </p:spPr>
         <p:txBody>
-          <a:bodyPr anchorCtr="0" anchor="b" bIns="91425" lIns="91425" spcFirstLastPara="1" rIns="91425" wrap="square" tIns="91425"/>
+          <a:bodyPr spcFirstLastPara="1" wrap="square" lIns="91425" tIns="91425" rIns="91425" bIns="91425" anchor="b" anchorCtr="0"/>
           <a:lstStyle>
             <a:lvl1pPr lvl="0">
               <a:spcBef>
@@ -4459,15 +4643,19 @@
               <a:defRPr sz="2400"/>
             </a:lvl9pPr>
           </a:lstStyle>
-          <a:p/>
+          <a:p>
+            <a:endParaRPr/>
+          </a:p>
         </p:txBody>
       </p:sp>
       <p:sp>
         <p:nvSpPr>
           <p:cNvPr id="30" name="Google Shape;30;p7"/>
-          <p:cNvSpPr txBox="1"/>
+          <p:cNvSpPr txBox="1">
+            <a:spLocks noGrp="1"/>
+          </p:cNvSpPr>
           <p:nvPr>
-            <p:ph idx="1" type="body"/>
+            <p:ph type="body" idx="1"/>
           </p:nvPr>
         </p:nvSpPr>
         <p:spPr>
@@ -4480,9 +4668,9 @@
           </a:prstGeom>
         </p:spPr>
         <p:txBody>
-          <a:bodyPr anchorCtr="0" anchor="t" bIns="91425" lIns="91425" spcFirstLastPara="1" rIns="91425" wrap="square" tIns="91425"/>
+          <a:bodyPr spcFirstLastPara="1" wrap="square" lIns="91425" tIns="91425" rIns="91425" bIns="91425" anchor="t" anchorCtr="0"/>
           <a:lstStyle>
-            <a:lvl1pPr indent="-304800" lvl="0" marL="457200">
+            <a:lvl1pPr marL="457200" lvl="0" indent="-304800">
               <a:spcBef>
                 <a:spcPts val="0"/>
               </a:spcBef>
@@ -4493,7 +4681,7 @@
               <a:buChar char="●"/>
               <a:defRPr sz="1200"/>
             </a:lvl1pPr>
-            <a:lvl2pPr indent="-304800" lvl="1" marL="914400">
+            <a:lvl2pPr marL="914400" lvl="1" indent="-304800">
               <a:spcBef>
                 <a:spcPts val="1600"/>
               </a:spcBef>
@@ -4504,7 +4692,7 @@
               <a:buChar char="○"/>
               <a:defRPr sz="1200"/>
             </a:lvl2pPr>
-            <a:lvl3pPr indent="-304800" lvl="2" marL="1371600">
+            <a:lvl3pPr marL="1371600" lvl="2" indent="-304800">
               <a:spcBef>
                 <a:spcPts val="1600"/>
               </a:spcBef>
@@ -4515,7 +4703,7 @@
               <a:buChar char="■"/>
               <a:defRPr sz="1200"/>
             </a:lvl3pPr>
-            <a:lvl4pPr indent="-304800" lvl="3" marL="1828800">
+            <a:lvl4pPr marL="1828800" lvl="3" indent="-304800">
               <a:spcBef>
                 <a:spcPts val="1600"/>
               </a:spcBef>
@@ -4526,7 +4714,7 @@
               <a:buChar char="●"/>
               <a:defRPr sz="1200"/>
             </a:lvl4pPr>
-            <a:lvl5pPr indent="-304800" lvl="4" marL="2286000">
+            <a:lvl5pPr marL="2286000" lvl="4" indent="-304800">
               <a:spcBef>
                 <a:spcPts val="1600"/>
               </a:spcBef>
@@ -4537,7 +4725,7 @@
               <a:buChar char="○"/>
               <a:defRPr sz="1200"/>
             </a:lvl5pPr>
-            <a:lvl6pPr indent="-304800" lvl="5" marL="2743200">
+            <a:lvl6pPr marL="2743200" lvl="5" indent="-304800">
               <a:spcBef>
                 <a:spcPts val="1600"/>
               </a:spcBef>
@@ -4548,7 +4736,7 @@
               <a:buChar char="■"/>
               <a:defRPr sz="1200"/>
             </a:lvl6pPr>
-            <a:lvl7pPr indent="-304800" lvl="6" marL="3200400">
+            <a:lvl7pPr marL="3200400" lvl="6" indent="-304800">
               <a:spcBef>
                 <a:spcPts val="1600"/>
               </a:spcBef>
@@ -4559,7 +4747,7 @@
               <a:buChar char="●"/>
               <a:defRPr sz="1200"/>
             </a:lvl7pPr>
-            <a:lvl8pPr indent="-304800" lvl="7" marL="3657600">
+            <a:lvl8pPr marL="3657600" lvl="7" indent="-304800">
               <a:spcBef>
                 <a:spcPts val="1600"/>
               </a:spcBef>
@@ -4570,7 +4758,7 @@
               <a:buChar char="○"/>
               <a:defRPr sz="1200"/>
             </a:lvl8pPr>
-            <a:lvl9pPr indent="-304800" lvl="8" marL="4114800">
+            <a:lvl9pPr marL="4114800" lvl="8" indent="-304800">
               <a:spcBef>
                 <a:spcPts val="1600"/>
               </a:spcBef>
@@ -4582,15 +4770,19 @@
               <a:defRPr sz="1200"/>
             </a:lvl9pPr>
           </a:lstStyle>
-          <a:p/>
+          <a:p>
+            <a:endParaRPr/>
+          </a:p>
         </p:txBody>
       </p:sp>
       <p:sp>
         <p:nvSpPr>
           <p:cNvPr id="31" name="Google Shape;31;p7"/>
-          <p:cNvSpPr txBox="1"/>
+          <p:cNvSpPr txBox="1">
+            <a:spLocks noGrp="1"/>
+          </p:cNvSpPr>
           <p:nvPr>
-            <p:ph idx="12" type="sldNum"/>
+            <p:ph type="sldNum" idx="12"/>
           </p:nvPr>
         </p:nvSpPr>
         <p:spPr>
@@ -4603,7 +4795,7 @@
           </a:prstGeom>
         </p:spPr>
         <p:txBody>
-          <a:bodyPr anchorCtr="0" anchor="ctr" bIns="91425" lIns="91425" spcFirstLastPara="1" rIns="91425" wrap="square" tIns="91425">
+          <a:bodyPr spcFirstLastPara="1" wrap="square" lIns="91425" tIns="91425" rIns="91425" bIns="91425" anchor="ctr" anchorCtr="0">
             <a:noAutofit/>
           </a:bodyPr>
           <a:lstStyle>
@@ -4645,7 +4837,7 @@
             </a:lvl9pPr>
           </a:lstStyle>
           <a:p>
-            <a:pPr indent="0" lvl="0" marL="0" rtl="0" algn="r">
+            <a:pPr marL="0" lvl="0" indent="0" algn="r" rtl="0">
               <a:spcBef>
                 <a:spcPts val="0"/>
               </a:spcBef>
@@ -4671,11 +4863,11 @@
 </file>
 
 <file path=ppt/slideLayouts/slideLayout7.xml><?xml version="1.0" encoding="utf-8"?>
-<p:sldLayout xmlns:a="http://schemas.openxmlformats.org/drawingml/2006/main" xmlns:r="http://schemas.openxmlformats.org/officeDocument/2006/relationships" xmlns:mc="http://schemas.openxmlformats.org/markup-compatibility/2006" xmlns:mv="urn:schemas-microsoft-com:mac:vml" xmlns:p="http://schemas.openxmlformats.org/presentationml/2006/main" xmlns:c="http://schemas.openxmlformats.org/drawingml/2006/chart" xmlns:dgm="http://schemas.openxmlformats.org/drawingml/2006/diagram" xmlns:o="urn:schemas-microsoft-com:office:office" xmlns:v="urn:schemas-microsoft-com:vml" xmlns:pvml="urn:schemas-microsoft-com:office:powerpoint" xmlns:com="http://schemas.openxmlformats.org/drawingml/2006/compatibility" xmlns:p14="http://schemas.microsoft.com/office/powerpoint/2010/main" xmlns:p15="http://schemas.microsoft.com/office/powerpoint/2012/main" matchingName="Main point">
+<p:sldLayout xmlns:a="http://schemas.openxmlformats.org/drawingml/2006/main" xmlns:r="http://schemas.openxmlformats.org/officeDocument/2006/relationships" xmlns:p="http://schemas.openxmlformats.org/presentationml/2006/main" matchingName="Main point">
   <p:cSld name="MAIN_POINT">
     <p:spTree>
       <p:nvGrpSpPr>
-        <p:cNvPr id="32" name="Shape 32"/>
+        <p:cNvPr id="1" name="Shape 32"/>
         <p:cNvGrpSpPr/>
         <p:nvPr/>
       </p:nvGrpSpPr>
@@ -4690,7 +4882,9 @@
       <p:sp>
         <p:nvSpPr>
           <p:cNvPr id="33" name="Google Shape;33;p8"/>
-          <p:cNvSpPr txBox="1"/>
+          <p:cNvSpPr txBox="1">
+            <a:spLocks noGrp="1"/>
+          </p:cNvSpPr>
           <p:nvPr>
             <p:ph type="title"/>
           </p:nvPr>
@@ -4705,7 +4899,7 @@
           </a:prstGeom>
         </p:spPr>
         <p:txBody>
-          <a:bodyPr anchorCtr="0" anchor="ctr" bIns="91425" lIns="91425" spcFirstLastPara="1" rIns="91425" wrap="square" tIns="91425"/>
+          <a:bodyPr spcFirstLastPara="1" wrap="square" lIns="91425" tIns="91425" rIns="91425" bIns="91425" anchor="ctr" anchorCtr="0"/>
           <a:lstStyle>
             <a:lvl1pPr lvl="0">
               <a:spcBef>
@@ -4807,15 +5001,19 @@
               <a:defRPr sz="4800"/>
             </a:lvl9pPr>
           </a:lstStyle>
-          <a:p/>
+          <a:p>
+            <a:endParaRPr/>
+          </a:p>
         </p:txBody>
       </p:sp>
       <p:sp>
         <p:nvSpPr>
           <p:cNvPr id="34" name="Google Shape;34;p8"/>
-          <p:cNvSpPr txBox="1"/>
+          <p:cNvSpPr txBox="1">
+            <a:spLocks noGrp="1"/>
+          </p:cNvSpPr>
           <p:nvPr>
-            <p:ph idx="12" type="sldNum"/>
+            <p:ph type="sldNum" idx="12"/>
           </p:nvPr>
         </p:nvSpPr>
         <p:spPr>
@@ -4828,7 +5026,7 @@
           </a:prstGeom>
         </p:spPr>
         <p:txBody>
-          <a:bodyPr anchorCtr="0" anchor="ctr" bIns="91425" lIns="91425" spcFirstLastPara="1" rIns="91425" wrap="square" tIns="91425">
+          <a:bodyPr spcFirstLastPara="1" wrap="square" lIns="91425" tIns="91425" rIns="91425" bIns="91425" anchor="ctr" anchorCtr="0">
             <a:noAutofit/>
           </a:bodyPr>
           <a:lstStyle>
@@ -4870,7 +5068,7 @@
             </a:lvl9pPr>
           </a:lstStyle>
           <a:p>
-            <a:pPr indent="0" lvl="0" marL="0" rtl="0" algn="r">
+            <a:pPr marL="0" lvl="0" indent="0" algn="r" rtl="0">
               <a:spcBef>
                 <a:spcPts val="0"/>
               </a:spcBef>
@@ -4896,11 +5094,11 @@
 </file>
 
 <file path=ppt/slideLayouts/slideLayout8.xml><?xml version="1.0" encoding="utf-8"?>
-<p:sldLayout xmlns:a="http://schemas.openxmlformats.org/drawingml/2006/main" xmlns:r="http://schemas.openxmlformats.org/officeDocument/2006/relationships" xmlns:mc="http://schemas.openxmlformats.org/markup-compatibility/2006" xmlns:mv="urn:schemas-microsoft-com:mac:vml" xmlns:p="http://schemas.openxmlformats.org/presentationml/2006/main" xmlns:c="http://schemas.openxmlformats.org/drawingml/2006/chart" xmlns:dgm="http://schemas.openxmlformats.org/drawingml/2006/diagram" xmlns:o="urn:schemas-microsoft-com:office:office" xmlns:v="urn:schemas-microsoft-com:vml" xmlns:pvml="urn:schemas-microsoft-com:office:powerpoint" xmlns:com="http://schemas.openxmlformats.org/drawingml/2006/compatibility" xmlns:p14="http://schemas.microsoft.com/office/powerpoint/2010/main" xmlns:p15="http://schemas.microsoft.com/office/powerpoint/2012/main" matchingName="Section title and description">
+<p:sldLayout xmlns:a="http://schemas.openxmlformats.org/drawingml/2006/main" xmlns:r="http://schemas.openxmlformats.org/officeDocument/2006/relationships" xmlns:p="http://schemas.openxmlformats.org/presentationml/2006/main" matchingName="Section title and description">
   <p:cSld name="SECTION_TITLE_AND_DESCRIPTION">
     <p:spTree>
       <p:nvGrpSpPr>
-        <p:cNvPr id="35" name="Shape 35"/>
+        <p:cNvPr id="1" name="Shape 35"/>
         <p:cNvGrpSpPr/>
         <p:nvPr/>
       </p:nvGrpSpPr>
@@ -4934,12 +5132,12 @@
           </a:ln>
         </p:spPr>
         <p:txBody>
-          <a:bodyPr anchorCtr="0" anchor="ctr" bIns="91425" lIns="91425" spcFirstLastPara="1" rIns="91425" wrap="square" tIns="91425">
+          <a:bodyPr spcFirstLastPara="1" wrap="square" lIns="91425" tIns="91425" rIns="91425" bIns="91425" anchor="ctr" anchorCtr="0">
             <a:noAutofit/>
           </a:bodyPr>
           <a:lstStyle/>
           <a:p>
-            <a:pPr indent="0" lvl="0" marL="0" rtl="0" algn="l">
+            <a:pPr marL="0" lvl="0" indent="0" algn="l" rtl="0">
               <a:spcBef>
                 <a:spcPts val="0"/>
               </a:spcBef>
@@ -4948,9 +5146,6 @@
               </a:spcAft>
               <a:buNone/>
             </a:pPr>
-            <a:r>
-              <a:t/>
-            </a:r>
             <a:endParaRPr/>
           </a:p>
         </p:txBody>
@@ -4958,7 +5153,9 @@
       <p:sp>
         <p:nvSpPr>
           <p:cNvPr id="37" name="Google Shape;37;p9"/>
-          <p:cNvSpPr txBox="1"/>
+          <p:cNvSpPr txBox="1">
+            <a:spLocks noGrp="1"/>
+          </p:cNvSpPr>
           <p:nvPr>
             <p:ph type="title"/>
           </p:nvPr>
@@ -4973,7 +5170,7 @@
           </a:prstGeom>
         </p:spPr>
         <p:txBody>
-          <a:bodyPr anchorCtr="0" anchor="b" bIns="91425" lIns="91425" spcFirstLastPara="1" rIns="91425" wrap="square" tIns="91425"/>
+          <a:bodyPr spcFirstLastPara="1" wrap="square" lIns="91425" tIns="91425" rIns="91425" bIns="91425" anchor="b" anchorCtr="0"/>
           <a:lstStyle>
             <a:lvl1pPr lvl="0" algn="ctr">
               <a:spcBef>
@@ -5075,15 +5272,19 @@
               <a:defRPr sz="4200"/>
             </a:lvl9pPr>
           </a:lstStyle>
-          <a:p/>
+          <a:p>
+            <a:endParaRPr/>
+          </a:p>
         </p:txBody>
       </p:sp>
       <p:sp>
         <p:nvSpPr>
           <p:cNvPr id="38" name="Google Shape;38;p9"/>
-          <p:cNvSpPr txBox="1"/>
+          <p:cNvSpPr txBox="1">
+            <a:spLocks noGrp="1"/>
+          </p:cNvSpPr>
           <p:nvPr>
-            <p:ph idx="1" type="subTitle"/>
+            <p:ph type="subTitle" idx="1"/>
           </p:nvPr>
         </p:nvSpPr>
         <p:spPr>
@@ -5096,7 +5297,7 @@
           </a:prstGeom>
         </p:spPr>
         <p:txBody>
-          <a:bodyPr anchorCtr="0" anchor="t" bIns="91425" lIns="91425" spcFirstLastPara="1" rIns="91425" wrap="square" tIns="91425"/>
+          <a:bodyPr spcFirstLastPara="1" wrap="square" lIns="91425" tIns="91425" rIns="91425" bIns="91425" anchor="t" anchorCtr="0"/>
           <a:lstStyle>
             <a:lvl1pPr lvl="0" algn="ctr">
               <a:lnSpc>
@@ -5225,15 +5426,19 @@
               <a:defRPr sz="2100"/>
             </a:lvl9pPr>
           </a:lstStyle>
-          <a:p/>
+          <a:p>
+            <a:endParaRPr/>
+          </a:p>
         </p:txBody>
       </p:sp>
       <p:sp>
         <p:nvSpPr>
           <p:cNvPr id="39" name="Google Shape;39;p9"/>
-          <p:cNvSpPr txBox="1"/>
+          <p:cNvSpPr txBox="1">
+            <a:spLocks noGrp="1"/>
+          </p:cNvSpPr>
           <p:nvPr>
-            <p:ph idx="2" type="body"/>
+            <p:ph type="body" idx="2"/>
           </p:nvPr>
         </p:nvSpPr>
         <p:spPr>
@@ -5246,9 +5451,9 @@
           </a:prstGeom>
         </p:spPr>
         <p:txBody>
-          <a:bodyPr anchorCtr="0" anchor="ctr" bIns="91425" lIns="91425" spcFirstLastPara="1" rIns="91425" wrap="square" tIns="91425"/>
+          <a:bodyPr spcFirstLastPara="1" wrap="square" lIns="91425" tIns="91425" rIns="91425" bIns="91425" anchor="ctr" anchorCtr="0"/>
           <a:lstStyle>
-            <a:lvl1pPr indent="-342900" lvl="0" marL="457200">
+            <a:lvl1pPr marL="457200" lvl="0" indent="-342900">
               <a:spcBef>
                 <a:spcPts val="0"/>
               </a:spcBef>
@@ -5259,7 +5464,7 @@
               <a:buChar char="●"/>
               <a:defRPr/>
             </a:lvl1pPr>
-            <a:lvl2pPr indent="-317500" lvl="1" marL="914400">
+            <a:lvl2pPr marL="914400" lvl="1" indent="-317500">
               <a:spcBef>
                 <a:spcPts val="1600"/>
               </a:spcBef>
@@ -5270,7 +5475,7 @@
               <a:buChar char="○"/>
               <a:defRPr/>
             </a:lvl2pPr>
-            <a:lvl3pPr indent="-317500" lvl="2" marL="1371600">
+            <a:lvl3pPr marL="1371600" lvl="2" indent="-317500">
               <a:spcBef>
                 <a:spcPts val="1600"/>
               </a:spcBef>
@@ -5281,7 +5486,7 @@
               <a:buChar char="■"/>
               <a:defRPr/>
             </a:lvl3pPr>
-            <a:lvl4pPr indent="-317500" lvl="3" marL="1828800">
+            <a:lvl4pPr marL="1828800" lvl="3" indent="-317500">
               <a:spcBef>
                 <a:spcPts val="1600"/>
               </a:spcBef>
@@ -5292,7 +5497,7 @@
               <a:buChar char="●"/>
               <a:defRPr/>
             </a:lvl4pPr>
-            <a:lvl5pPr indent="-317500" lvl="4" marL="2286000">
+            <a:lvl5pPr marL="2286000" lvl="4" indent="-317500">
               <a:spcBef>
                 <a:spcPts val="1600"/>
               </a:spcBef>
@@ -5303,7 +5508,7 @@
               <a:buChar char="○"/>
               <a:defRPr/>
             </a:lvl5pPr>
-            <a:lvl6pPr indent="-317500" lvl="5" marL="2743200">
+            <a:lvl6pPr marL="2743200" lvl="5" indent="-317500">
               <a:spcBef>
                 <a:spcPts val="1600"/>
               </a:spcBef>
@@ -5314,7 +5519,7 @@
               <a:buChar char="■"/>
               <a:defRPr/>
             </a:lvl6pPr>
-            <a:lvl7pPr indent="-317500" lvl="6" marL="3200400">
+            <a:lvl7pPr marL="3200400" lvl="6" indent="-317500">
               <a:spcBef>
                 <a:spcPts val="1600"/>
               </a:spcBef>
@@ -5325,7 +5530,7 @@
               <a:buChar char="●"/>
               <a:defRPr/>
             </a:lvl7pPr>
-            <a:lvl8pPr indent="-317500" lvl="7" marL="3657600">
+            <a:lvl8pPr marL="3657600" lvl="7" indent="-317500">
               <a:spcBef>
                 <a:spcPts val="1600"/>
               </a:spcBef>
@@ -5336,7 +5541,7 @@
               <a:buChar char="○"/>
               <a:defRPr/>
             </a:lvl8pPr>
-            <a:lvl9pPr indent="-317500" lvl="8" marL="4114800">
+            <a:lvl9pPr marL="4114800" lvl="8" indent="-317500">
               <a:spcBef>
                 <a:spcPts val="1600"/>
               </a:spcBef>
@@ -5348,15 +5553,19 @@
               <a:defRPr/>
             </a:lvl9pPr>
           </a:lstStyle>
-          <a:p/>
+          <a:p>
+            <a:endParaRPr/>
+          </a:p>
         </p:txBody>
       </p:sp>
       <p:sp>
         <p:nvSpPr>
           <p:cNvPr id="40" name="Google Shape;40;p9"/>
-          <p:cNvSpPr txBox="1"/>
+          <p:cNvSpPr txBox="1">
+            <a:spLocks noGrp="1"/>
+          </p:cNvSpPr>
           <p:nvPr>
-            <p:ph idx="12" type="sldNum"/>
+            <p:ph type="sldNum" idx="12"/>
           </p:nvPr>
         </p:nvSpPr>
         <p:spPr>
@@ -5369,7 +5578,7 @@
           </a:prstGeom>
         </p:spPr>
         <p:txBody>
-          <a:bodyPr anchorCtr="0" anchor="ctr" bIns="91425" lIns="91425" spcFirstLastPara="1" rIns="91425" wrap="square" tIns="91425">
+          <a:bodyPr spcFirstLastPara="1" wrap="square" lIns="91425" tIns="91425" rIns="91425" bIns="91425" anchor="ctr" anchorCtr="0">
             <a:noAutofit/>
           </a:bodyPr>
           <a:lstStyle>
@@ -5411,7 +5620,7 @@
             </a:lvl9pPr>
           </a:lstStyle>
           <a:p>
-            <a:pPr indent="0" lvl="0" marL="0" rtl="0" algn="r">
+            <a:pPr marL="0" lvl="0" indent="0" algn="r" rtl="0">
               <a:spcBef>
                 <a:spcPts val="0"/>
               </a:spcBef>
@@ -5437,11 +5646,11 @@
 </file>
 
 <file path=ppt/slideLayouts/slideLayout9.xml><?xml version="1.0" encoding="utf-8"?>
-<p:sldLayout xmlns:a="http://schemas.openxmlformats.org/drawingml/2006/main" xmlns:r="http://schemas.openxmlformats.org/officeDocument/2006/relationships" xmlns:mc="http://schemas.openxmlformats.org/markup-compatibility/2006" xmlns:mv="urn:schemas-microsoft-com:mac:vml" xmlns:p="http://schemas.openxmlformats.org/presentationml/2006/main" xmlns:c="http://schemas.openxmlformats.org/drawingml/2006/chart" xmlns:dgm="http://schemas.openxmlformats.org/drawingml/2006/diagram" xmlns:o="urn:schemas-microsoft-com:office:office" xmlns:v="urn:schemas-microsoft-com:vml" xmlns:pvml="urn:schemas-microsoft-com:office:powerpoint" xmlns:com="http://schemas.openxmlformats.org/drawingml/2006/compatibility" xmlns:p14="http://schemas.microsoft.com/office/powerpoint/2010/main" xmlns:p15="http://schemas.microsoft.com/office/powerpoint/2012/main" matchingName="Caption">
+<p:sldLayout xmlns:a="http://schemas.openxmlformats.org/drawingml/2006/main" xmlns:r="http://schemas.openxmlformats.org/officeDocument/2006/relationships" xmlns:p="http://schemas.openxmlformats.org/presentationml/2006/main" matchingName="Caption">
   <p:cSld name="CAPTION_ONLY">
     <p:spTree>
       <p:nvGrpSpPr>
-        <p:cNvPr id="41" name="Shape 41"/>
+        <p:cNvPr id="1" name="Shape 41"/>
         <p:cNvGrpSpPr/>
         <p:nvPr/>
       </p:nvGrpSpPr>
@@ -5456,9 +5665,11 @@
       <p:sp>
         <p:nvSpPr>
           <p:cNvPr id="42" name="Google Shape;42;p10"/>
-          <p:cNvSpPr txBox="1"/>
+          <p:cNvSpPr txBox="1">
+            <a:spLocks noGrp="1"/>
+          </p:cNvSpPr>
           <p:nvPr>
-            <p:ph idx="1" type="body"/>
+            <p:ph type="body" idx="1"/>
           </p:nvPr>
         </p:nvSpPr>
         <p:spPr>
@@ -5471,9 +5682,9 @@
           </a:prstGeom>
         </p:spPr>
         <p:txBody>
-          <a:bodyPr anchorCtr="0" anchor="ctr" bIns="91425" lIns="91425" spcFirstLastPara="1" rIns="91425" wrap="square" tIns="91425"/>
+          <a:bodyPr spcFirstLastPara="1" wrap="square" lIns="91425" tIns="91425" rIns="91425" bIns="91425" anchor="ctr" anchorCtr="0"/>
           <a:lstStyle>
-            <a:lvl1pPr indent="-228600" lvl="0" marL="457200">
+            <a:lvl1pPr marL="457200" lvl="0" indent="-228600">
               <a:lnSpc>
                 <a:spcPct val="100000"/>
               </a:lnSpc>
@@ -5488,15 +5699,19 @@
               <a:defRPr/>
             </a:lvl1pPr>
           </a:lstStyle>
-          <a:p/>
+          <a:p>
+            <a:endParaRPr/>
+          </a:p>
         </p:txBody>
       </p:sp>
       <p:sp>
         <p:nvSpPr>
           <p:cNvPr id="43" name="Google Shape;43;p10"/>
-          <p:cNvSpPr txBox="1"/>
+          <p:cNvSpPr txBox="1">
+            <a:spLocks noGrp="1"/>
+          </p:cNvSpPr>
           <p:nvPr>
-            <p:ph idx="12" type="sldNum"/>
+            <p:ph type="sldNum" idx="12"/>
           </p:nvPr>
         </p:nvSpPr>
         <p:spPr>
@@ -5509,7 +5724,7 @@
           </a:prstGeom>
         </p:spPr>
         <p:txBody>
-          <a:bodyPr anchorCtr="0" anchor="ctr" bIns="91425" lIns="91425" spcFirstLastPara="1" rIns="91425" wrap="square" tIns="91425">
+          <a:bodyPr spcFirstLastPara="1" wrap="square" lIns="91425" tIns="91425" rIns="91425" bIns="91425" anchor="ctr" anchorCtr="0">
             <a:noAutofit/>
           </a:bodyPr>
           <a:lstStyle>
@@ -5551,7 +5766,7 @@
             </a:lvl9pPr>
           </a:lstStyle>
           <a:p>
-            <a:pPr indent="0" lvl="0" marL="0" rtl="0" algn="r">
+            <a:pPr marL="0" lvl="0" indent="0" algn="r" rtl="0">
               <a:spcBef>
                 <a:spcPts val="0"/>
               </a:spcBef>
@@ -5577,18 +5792,19 @@
 </file>
 
 <file path=ppt/slideMasters/slideMaster1.xml><?xml version="1.0" encoding="utf-8"?>
-<p:sldMaster xmlns:a="http://schemas.openxmlformats.org/drawingml/2006/main" xmlns:r="http://schemas.openxmlformats.org/officeDocument/2006/relationships" xmlns:mc="http://schemas.openxmlformats.org/markup-compatibility/2006" xmlns:mv="urn:schemas-microsoft-com:mac:vml" xmlns:p="http://schemas.openxmlformats.org/presentationml/2006/main" xmlns:c="http://schemas.openxmlformats.org/drawingml/2006/chart" xmlns:dgm="http://schemas.openxmlformats.org/drawingml/2006/diagram" xmlns:o="urn:schemas-microsoft-com:office:office" xmlns:v="urn:schemas-microsoft-com:vml" xmlns:pvml="urn:schemas-microsoft-com:office:powerpoint" xmlns:com="http://schemas.openxmlformats.org/drawingml/2006/compatibility" xmlns:p14="http://schemas.microsoft.com/office/powerpoint/2010/main" xmlns:p15="http://schemas.microsoft.com/office/powerpoint/2012/main">
+<p:sldMaster xmlns:a="http://schemas.openxmlformats.org/drawingml/2006/main" xmlns:r="http://schemas.openxmlformats.org/officeDocument/2006/relationships" xmlns:p="http://schemas.openxmlformats.org/presentationml/2006/main">
   <p:cSld name="simple-light-2">
     <p:bg>
       <p:bgPr>
         <a:solidFill>
           <a:srgbClr val="A676E1"/>
         </a:solidFill>
+        <a:effectLst/>
       </p:bgPr>
     </p:bg>
     <p:spTree>
       <p:nvGrpSpPr>
-        <p:cNvPr id="5" name="Shape 5"/>
+        <p:cNvPr id="1" name="Shape 5"/>
         <p:cNvGrpSpPr/>
         <p:nvPr/>
       </p:nvGrpSpPr>
@@ -5603,7 +5819,9 @@
       <p:sp>
         <p:nvSpPr>
           <p:cNvPr id="6" name="Google Shape;6;p1"/>
-          <p:cNvSpPr txBox="1"/>
+          <p:cNvSpPr txBox="1">
+            <a:spLocks noGrp="1"/>
+          </p:cNvSpPr>
           <p:nvPr>
             <p:ph type="title"/>
           </p:nvPr>
@@ -5622,7 +5840,7 @@
           </a:ln>
         </p:spPr>
         <p:txBody>
-          <a:bodyPr anchorCtr="0" anchor="t" bIns="91425" lIns="91425" spcFirstLastPara="1" rIns="91425" wrap="square" tIns="91425"/>
+          <a:bodyPr spcFirstLastPara="1" wrap="square" lIns="91425" tIns="91425" rIns="91425" bIns="91425" anchor="t" anchorCtr="0"/>
           <a:lstStyle>
             <a:lvl1pPr lvl="0">
               <a:spcBef>
@@ -5792,15 +6010,19 @@
               </a:defRPr>
             </a:lvl9pPr>
           </a:lstStyle>
-          <a:p/>
+          <a:p>
+            <a:endParaRPr/>
+          </a:p>
         </p:txBody>
       </p:sp>
       <p:sp>
         <p:nvSpPr>
           <p:cNvPr id="7" name="Google Shape;7;p1"/>
-          <p:cNvSpPr txBox="1"/>
+          <p:cNvSpPr txBox="1">
+            <a:spLocks noGrp="1"/>
+          </p:cNvSpPr>
           <p:nvPr>
-            <p:ph idx="1" type="body"/>
+            <p:ph type="body" idx="1"/>
           </p:nvPr>
         </p:nvSpPr>
         <p:spPr>
@@ -5817,9 +6039,9 @@
           </a:ln>
         </p:spPr>
         <p:txBody>
-          <a:bodyPr anchorCtr="0" anchor="t" bIns="91425" lIns="91425" spcFirstLastPara="1" rIns="91425" wrap="square" tIns="91425"/>
+          <a:bodyPr spcFirstLastPara="1" wrap="square" lIns="91425" tIns="91425" rIns="91425" bIns="91425" anchor="t" anchorCtr="0"/>
           <a:lstStyle>
-            <a:lvl1pPr indent="-342900" lvl="0" marL="457200">
+            <a:lvl1pPr marL="457200" lvl="0" indent="-342900">
               <a:lnSpc>
                 <a:spcPct val="115000"/>
               </a:lnSpc>
@@ -5845,7 +6067,7 @@
                 <a:sym typeface="Proxima Nova"/>
               </a:defRPr>
             </a:lvl1pPr>
-            <a:lvl2pPr indent="-317500" lvl="1" marL="914400">
+            <a:lvl2pPr marL="914400" lvl="1" indent="-317500">
               <a:lnSpc>
                 <a:spcPct val="115000"/>
               </a:lnSpc>
@@ -5871,7 +6093,7 @@
                 <a:sym typeface="Proxima Nova"/>
               </a:defRPr>
             </a:lvl2pPr>
-            <a:lvl3pPr indent="-317500" lvl="2" marL="1371600">
+            <a:lvl3pPr marL="1371600" lvl="2" indent="-317500">
               <a:lnSpc>
                 <a:spcPct val="115000"/>
               </a:lnSpc>
@@ -5897,7 +6119,7 @@
                 <a:sym typeface="Proxima Nova"/>
               </a:defRPr>
             </a:lvl3pPr>
-            <a:lvl4pPr indent="-317500" lvl="3" marL="1828800">
+            <a:lvl4pPr marL="1828800" lvl="3" indent="-317500">
               <a:lnSpc>
                 <a:spcPct val="115000"/>
               </a:lnSpc>
@@ -5923,7 +6145,7 @@
                 <a:sym typeface="Proxima Nova"/>
               </a:defRPr>
             </a:lvl4pPr>
-            <a:lvl5pPr indent="-317500" lvl="4" marL="2286000">
+            <a:lvl5pPr marL="2286000" lvl="4" indent="-317500">
               <a:lnSpc>
                 <a:spcPct val="115000"/>
               </a:lnSpc>
@@ -5949,7 +6171,7 @@
                 <a:sym typeface="Proxima Nova"/>
               </a:defRPr>
             </a:lvl5pPr>
-            <a:lvl6pPr indent="-317500" lvl="5" marL="2743200">
+            <a:lvl6pPr marL="2743200" lvl="5" indent="-317500">
               <a:lnSpc>
                 <a:spcPct val="115000"/>
               </a:lnSpc>
@@ -5975,7 +6197,7 @@
                 <a:sym typeface="Proxima Nova"/>
               </a:defRPr>
             </a:lvl6pPr>
-            <a:lvl7pPr indent="-317500" lvl="6" marL="3200400">
+            <a:lvl7pPr marL="3200400" lvl="6" indent="-317500">
               <a:lnSpc>
                 <a:spcPct val="115000"/>
               </a:lnSpc>
@@ -6001,7 +6223,7 @@
                 <a:sym typeface="Proxima Nova"/>
               </a:defRPr>
             </a:lvl7pPr>
-            <a:lvl8pPr indent="-317500" lvl="7" marL="3657600">
+            <a:lvl8pPr marL="3657600" lvl="7" indent="-317500">
               <a:lnSpc>
                 <a:spcPct val="115000"/>
               </a:lnSpc>
@@ -6027,7 +6249,7 @@
                 <a:sym typeface="Proxima Nova"/>
               </a:defRPr>
             </a:lvl8pPr>
-            <a:lvl9pPr indent="-317500" lvl="8" marL="4114800">
+            <a:lvl9pPr marL="4114800" lvl="8" indent="-317500">
               <a:lnSpc>
                 <a:spcPct val="115000"/>
               </a:lnSpc>
@@ -6054,15 +6276,19 @@
               </a:defRPr>
             </a:lvl9pPr>
           </a:lstStyle>
-          <a:p/>
+          <a:p>
+            <a:endParaRPr/>
+          </a:p>
         </p:txBody>
       </p:sp>
       <p:sp>
         <p:nvSpPr>
           <p:cNvPr id="8" name="Google Shape;8;p1"/>
-          <p:cNvSpPr txBox="1"/>
+          <p:cNvSpPr txBox="1">
+            <a:spLocks noGrp="1"/>
+          </p:cNvSpPr>
           <p:nvPr>
-            <p:ph idx="12" type="sldNum"/>
+            <p:ph type="sldNum" idx="12"/>
           </p:nvPr>
         </p:nvSpPr>
         <p:spPr>
@@ -6079,7 +6305,7 @@
           </a:ln>
         </p:spPr>
         <p:txBody>
-          <a:bodyPr anchorCtr="0" anchor="ctr" bIns="91425" lIns="91425" spcFirstLastPara="1" rIns="91425" wrap="square" tIns="91425">
+          <a:bodyPr spcFirstLastPara="1" wrap="square" lIns="91425" tIns="91425" rIns="91425" bIns="91425" anchor="ctr" anchorCtr="0">
             <a:noAutofit/>
           </a:bodyPr>
           <a:lstStyle>
@@ -6157,7 +6383,7 @@
             </a:lvl9pPr>
           </a:lstStyle>
           <a:p>
-            <a:pPr indent="0" lvl="0" marL="0" rtl="0" algn="r">
+            <a:pPr marL="0" lvl="0" indent="0" algn="r" rtl="0">
               <a:spcBef>
                 <a:spcPts val="0"/>
               </a:spcBef>
@@ -6176,7 +6402,7 @@
       </p:sp>
     </p:spTree>
   </p:cSld>
-  <p:clrMap accent1="accent1" accent2="accent2" accent3="accent3" accent4="accent4" accent5="accent5" accent6="accent6" bg1="lt1" bg2="dk2" tx1="dk1" tx2="lt2" folHlink="folHlink" hlink="hlink"/>
+  <p:clrMap bg1="lt1" tx1="dk1" bg2="dk2" tx2="lt2" accent1="accent1" accent2="accent2" accent3="accent3" accent4="accent4" accent5="accent5" accent6="accent6" hlink="hlink" folHlink="folHlink"/>
   <p:sldLayoutIdLst>
     <p:sldLayoutId id="2147483648" r:id="rId1"/>
     <p:sldLayoutId id="2147483649" r:id="rId2"/>
@@ -6190,10 +6416,10 @@
     <p:sldLayoutId id="2147483657" r:id="rId10"/>
     <p:sldLayoutId id="2147483658" r:id="rId11"/>
   </p:sldLayoutIdLst>
-  <p:hf dt="0" ftr="0" hdr="0" sldNum="0"/>
+  <p:hf sldNum="0" hdr="0" ftr="0" dt="0"/>
   <p:txStyles>
     <p:titleStyle>
-      <a:defPPr lvl="0" marR="0" rtl="0" algn="l">
+      <a:defPPr marR="0" lvl="0" algn="l" rtl="0">
         <a:lnSpc>
           <a:spcPct val="100000"/>
         </a:lnSpc>
@@ -6204,7 +6430,7 @@
           <a:spcPts val="0"/>
         </a:spcAft>
       </a:defPPr>
-      <a:lvl1pPr lvl="0" marR="0" rtl="0" algn="l">
+      <a:lvl1pPr marR="0" lvl="0" algn="l" rtl="0">
         <a:lnSpc>
           <a:spcPct val="100000"/>
         </a:lnSpc>
@@ -6218,7 +6444,7 @@
           <a:srgbClr val="000000"/>
         </a:buClr>
         <a:buFont typeface="Arial"/>
-        <a:defRPr b="0" i="0" sz="1400" u="none" cap="none" strike="noStrike">
+        <a:defRPr sz="1400" b="0" i="0" u="none" strike="noStrike" cap="none">
           <a:solidFill>
             <a:srgbClr val="000000"/>
           </a:solidFill>
@@ -6228,7 +6454,7 @@
           <a:sym typeface="Arial"/>
         </a:defRPr>
       </a:lvl1pPr>
-      <a:lvl2pPr lvl="1" marR="0" rtl="0" algn="l">
+      <a:lvl2pPr marR="0" lvl="1" algn="l" rtl="0">
         <a:lnSpc>
           <a:spcPct val="100000"/>
         </a:lnSpc>
@@ -6242,7 +6468,7 @@
           <a:srgbClr val="000000"/>
         </a:buClr>
         <a:buFont typeface="Arial"/>
-        <a:defRPr b="0" i="0" sz="1400" u="none" cap="none" strike="noStrike">
+        <a:defRPr sz="1400" b="0" i="0" u="none" strike="noStrike" cap="none">
           <a:solidFill>
             <a:srgbClr val="000000"/>
           </a:solidFill>
@@ -6252,7 +6478,7 @@
           <a:sym typeface="Arial"/>
         </a:defRPr>
       </a:lvl2pPr>
-      <a:lvl3pPr lvl="2" marR="0" rtl="0" algn="l">
+      <a:lvl3pPr marR="0" lvl="2" algn="l" rtl="0">
         <a:lnSpc>
           <a:spcPct val="100000"/>
         </a:lnSpc>
@@ -6266,7 +6492,7 @@
           <a:srgbClr val="000000"/>
         </a:buClr>
         <a:buFont typeface="Arial"/>
-        <a:defRPr b="0" i="0" sz="1400" u="none" cap="none" strike="noStrike">
+        <a:defRPr sz="1400" b="0" i="0" u="none" strike="noStrike" cap="none">
           <a:solidFill>
             <a:srgbClr val="000000"/>
           </a:solidFill>
@@ -6276,7 +6502,7 @@
           <a:sym typeface="Arial"/>
         </a:defRPr>
       </a:lvl3pPr>
-      <a:lvl4pPr lvl="3" marR="0" rtl="0" algn="l">
+      <a:lvl4pPr marR="0" lvl="3" algn="l" rtl="0">
         <a:lnSpc>
           <a:spcPct val="100000"/>
         </a:lnSpc>
@@ -6290,7 +6516,7 @@
           <a:srgbClr val="000000"/>
         </a:buClr>
         <a:buFont typeface="Arial"/>
-        <a:defRPr b="0" i="0" sz="1400" u="none" cap="none" strike="noStrike">
+        <a:defRPr sz="1400" b="0" i="0" u="none" strike="noStrike" cap="none">
           <a:solidFill>
             <a:srgbClr val="000000"/>
           </a:solidFill>
@@ -6300,7 +6526,7 @@
           <a:sym typeface="Arial"/>
         </a:defRPr>
       </a:lvl4pPr>
-      <a:lvl5pPr lvl="4" marR="0" rtl="0" algn="l">
+      <a:lvl5pPr marR="0" lvl="4" algn="l" rtl="0">
         <a:lnSpc>
           <a:spcPct val="100000"/>
         </a:lnSpc>
@@ -6314,7 +6540,7 @@
           <a:srgbClr val="000000"/>
         </a:buClr>
         <a:buFont typeface="Arial"/>
-        <a:defRPr b="0" i="0" sz="1400" u="none" cap="none" strike="noStrike">
+        <a:defRPr sz="1400" b="0" i="0" u="none" strike="noStrike" cap="none">
           <a:solidFill>
             <a:srgbClr val="000000"/>
           </a:solidFill>
@@ -6324,7 +6550,7 @@
           <a:sym typeface="Arial"/>
         </a:defRPr>
       </a:lvl5pPr>
-      <a:lvl6pPr lvl="5" marR="0" rtl="0" algn="l">
+      <a:lvl6pPr marR="0" lvl="5" algn="l" rtl="0">
         <a:lnSpc>
           <a:spcPct val="100000"/>
         </a:lnSpc>
@@ -6338,7 +6564,7 @@
           <a:srgbClr val="000000"/>
         </a:buClr>
         <a:buFont typeface="Arial"/>
-        <a:defRPr b="0" i="0" sz="1400" u="none" cap="none" strike="noStrike">
+        <a:defRPr sz="1400" b="0" i="0" u="none" strike="noStrike" cap="none">
           <a:solidFill>
             <a:srgbClr val="000000"/>
           </a:solidFill>
@@ -6348,7 +6574,7 @@
           <a:sym typeface="Arial"/>
         </a:defRPr>
       </a:lvl6pPr>
-      <a:lvl7pPr lvl="6" marR="0" rtl="0" algn="l">
+      <a:lvl7pPr marR="0" lvl="6" algn="l" rtl="0">
         <a:lnSpc>
           <a:spcPct val="100000"/>
         </a:lnSpc>
@@ -6362,7 +6588,7 @@
           <a:srgbClr val="000000"/>
         </a:buClr>
         <a:buFont typeface="Arial"/>
-        <a:defRPr b="0" i="0" sz="1400" u="none" cap="none" strike="noStrike">
+        <a:defRPr sz="1400" b="0" i="0" u="none" strike="noStrike" cap="none">
           <a:solidFill>
             <a:srgbClr val="000000"/>
           </a:solidFill>
@@ -6372,7 +6598,7 @@
           <a:sym typeface="Arial"/>
         </a:defRPr>
       </a:lvl7pPr>
-      <a:lvl8pPr lvl="7" marR="0" rtl="0" algn="l">
+      <a:lvl8pPr marR="0" lvl="7" algn="l" rtl="0">
         <a:lnSpc>
           <a:spcPct val="100000"/>
         </a:lnSpc>
@@ -6386,7 +6612,7 @@
           <a:srgbClr val="000000"/>
         </a:buClr>
         <a:buFont typeface="Arial"/>
-        <a:defRPr b="0" i="0" sz="1400" u="none" cap="none" strike="noStrike">
+        <a:defRPr sz="1400" b="0" i="0" u="none" strike="noStrike" cap="none">
           <a:solidFill>
             <a:srgbClr val="000000"/>
           </a:solidFill>
@@ -6396,7 +6622,7 @@
           <a:sym typeface="Arial"/>
         </a:defRPr>
       </a:lvl8pPr>
-      <a:lvl9pPr lvl="8" marR="0" rtl="0" algn="l">
+      <a:lvl9pPr marR="0" lvl="8" algn="l" rtl="0">
         <a:lnSpc>
           <a:spcPct val="100000"/>
         </a:lnSpc>
@@ -6410,7 +6636,7 @@
           <a:srgbClr val="000000"/>
         </a:buClr>
         <a:buFont typeface="Arial"/>
-        <a:defRPr b="0" i="0" sz="1400" u="none" cap="none" strike="noStrike">
+        <a:defRPr sz="1400" b="0" i="0" u="none" strike="noStrike" cap="none">
           <a:solidFill>
             <a:srgbClr val="000000"/>
           </a:solidFill>
@@ -6422,7 +6648,7 @@
       </a:lvl9pPr>
     </p:titleStyle>
     <p:bodyStyle>
-      <a:defPPr lvl="0" marR="0" rtl="0" algn="l">
+      <a:defPPr marR="0" lvl="0" algn="l" rtl="0">
         <a:lnSpc>
           <a:spcPct val="100000"/>
         </a:lnSpc>
@@ -6433,7 +6659,7 @@
           <a:spcPts val="0"/>
         </a:spcAft>
       </a:defPPr>
-      <a:lvl1pPr lvl="0" marR="0" rtl="0" algn="l">
+      <a:lvl1pPr marR="0" lvl="0" algn="l" rtl="0">
         <a:lnSpc>
           <a:spcPct val="100000"/>
         </a:lnSpc>
@@ -6447,7 +6673,7 @@
           <a:srgbClr val="000000"/>
         </a:buClr>
         <a:buFont typeface="Arial"/>
-        <a:defRPr b="0" i="0" sz="1400" u="none" cap="none" strike="noStrike">
+        <a:defRPr sz="1400" b="0" i="0" u="none" strike="noStrike" cap="none">
           <a:solidFill>
             <a:srgbClr val="000000"/>
           </a:solidFill>
@@ -6457,7 +6683,7 @@
           <a:sym typeface="Arial"/>
         </a:defRPr>
       </a:lvl1pPr>
-      <a:lvl2pPr lvl="1" marR="0" rtl="0" algn="l">
+      <a:lvl2pPr marR="0" lvl="1" algn="l" rtl="0">
         <a:lnSpc>
           <a:spcPct val="100000"/>
         </a:lnSpc>
@@ -6471,7 +6697,7 @@
           <a:srgbClr val="000000"/>
         </a:buClr>
         <a:buFont typeface="Arial"/>
-        <a:defRPr b="0" i="0" sz="1400" u="none" cap="none" strike="noStrike">
+        <a:defRPr sz="1400" b="0" i="0" u="none" strike="noStrike" cap="none">
           <a:solidFill>
             <a:srgbClr val="000000"/>
           </a:solidFill>
@@ -6481,7 +6707,7 @@
           <a:sym typeface="Arial"/>
         </a:defRPr>
       </a:lvl2pPr>
-      <a:lvl3pPr lvl="2" marR="0" rtl="0" algn="l">
+      <a:lvl3pPr marR="0" lvl="2" algn="l" rtl="0">
         <a:lnSpc>
           <a:spcPct val="100000"/>
         </a:lnSpc>
@@ -6495,7 +6721,7 @@
           <a:srgbClr val="000000"/>
         </a:buClr>
         <a:buFont typeface="Arial"/>
-        <a:defRPr b="0" i="0" sz="1400" u="none" cap="none" strike="noStrike">
+        <a:defRPr sz="1400" b="0" i="0" u="none" strike="noStrike" cap="none">
           <a:solidFill>
             <a:srgbClr val="000000"/>
           </a:solidFill>
@@ -6505,7 +6731,7 @@
           <a:sym typeface="Arial"/>
         </a:defRPr>
       </a:lvl3pPr>
-      <a:lvl4pPr lvl="3" marR="0" rtl="0" algn="l">
+      <a:lvl4pPr marR="0" lvl="3" algn="l" rtl="0">
         <a:lnSpc>
           <a:spcPct val="100000"/>
         </a:lnSpc>
@@ -6519,7 +6745,7 @@
           <a:srgbClr val="000000"/>
         </a:buClr>
         <a:buFont typeface="Arial"/>
-        <a:defRPr b="0" i="0" sz="1400" u="none" cap="none" strike="noStrike">
+        <a:defRPr sz="1400" b="0" i="0" u="none" strike="noStrike" cap="none">
           <a:solidFill>
             <a:srgbClr val="000000"/>
           </a:solidFill>
@@ -6529,7 +6755,7 @@
           <a:sym typeface="Arial"/>
         </a:defRPr>
       </a:lvl4pPr>
-      <a:lvl5pPr lvl="4" marR="0" rtl="0" algn="l">
+      <a:lvl5pPr marR="0" lvl="4" algn="l" rtl="0">
         <a:lnSpc>
           <a:spcPct val="100000"/>
         </a:lnSpc>
@@ -6543,7 +6769,7 @@
           <a:srgbClr val="000000"/>
         </a:buClr>
         <a:buFont typeface="Arial"/>
-        <a:defRPr b="0" i="0" sz="1400" u="none" cap="none" strike="noStrike">
+        <a:defRPr sz="1400" b="0" i="0" u="none" strike="noStrike" cap="none">
           <a:solidFill>
             <a:srgbClr val="000000"/>
           </a:solidFill>
@@ -6553,7 +6779,7 @@
           <a:sym typeface="Arial"/>
         </a:defRPr>
       </a:lvl5pPr>
-      <a:lvl6pPr lvl="5" marR="0" rtl="0" algn="l">
+      <a:lvl6pPr marR="0" lvl="5" algn="l" rtl="0">
         <a:lnSpc>
           <a:spcPct val="100000"/>
         </a:lnSpc>
@@ -6567,7 +6793,7 @@
           <a:srgbClr val="000000"/>
         </a:buClr>
         <a:buFont typeface="Arial"/>
-        <a:defRPr b="0" i="0" sz="1400" u="none" cap="none" strike="noStrike">
+        <a:defRPr sz="1400" b="0" i="0" u="none" strike="noStrike" cap="none">
           <a:solidFill>
             <a:srgbClr val="000000"/>
           </a:solidFill>
@@ -6577,7 +6803,7 @@
           <a:sym typeface="Arial"/>
         </a:defRPr>
       </a:lvl6pPr>
-      <a:lvl7pPr lvl="6" marR="0" rtl="0" algn="l">
+      <a:lvl7pPr marR="0" lvl="6" algn="l" rtl="0">
         <a:lnSpc>
           <a:spcPct val="100000"/>
         </a:lnSpc>
@@ -6591,7 +6817,7 @@
           <a:srgbClr val="000000"/>
         </a:buClr>
         <a:buFont typeface="Arial"/>
-        <a:defRPr b="0" i="0" sz="1400" u="none" cap="none" strike="noStrike">
+        <a:defRPr sz="1400" b="0" i="0" u="none" strike="noStrike" cap="none">
           <a:solidFill>
             <a:srgbClr val="000000"/>
           </a:solidFill>
@@ -6601,7 +6827,7 @@
           <a:sym typeface="Arial"/>
         </a:defRPr>
       </a:lvl7pPr>
-      <a:lvl8pPr lvl="7" marR="0" rtl="0" algn="l">
+      <a:lvl8pPr marR="0" lvl="7" algn="l" rtl="0">
         <a:lnSpc>
           <a:spcPct val="100000"/>
         </a:lnSpc>
@@ -6615,7 +6841,7 @@
           <a:srgbClr val="000000"/>
         </a:buClr>
         <a:buFont typeface="Arial"/>
-        <a:defRPr b="0" i="0" sz="1400" u="none" cap="none" strike="noStrike">
+        <a:defRPr sz="1400" b="0" i="0" u="none" strike="noStrike" cap="none">
           <a:solidFill>
             <a:srgbClr val="000000"/>
           </a:solidFill>
@@ -6625,7 +6851,7 @@
           <a:sym typeface="Arial"/>
         </a:defRPr>
       </a:lvl8pPr>
-      <a:lvl9pPr lvl="8" marR="0" rtl="0" algn="l">
+      <a:lvl9pPr marR="0" lvl="8" algn="l" rtl="0">
         <a:lnSpc>
           <a:spcPct val="100000"/>
         </a:lnSpc>
@@ -6639,7 +6865,7 @@
           <a:srgbClr val="000000"/>
         </a:buClr>
         <a:buFont typeface="Arial"/>
-        <a:defRPr b="0" i="0" sz="1400" u="none" cap="none" strike="noStrike">
+        <a:defRPr sz="1400" b="0" i="0" u="none" strike="noStrike" cap="none">
           <a:solidFill>
             <a:srgbClr val="000000"/>
           </a:solidFill>
@@ -6651,7 +6877,7 @@
       </a:lvl9pPr>
     </p:bodyStyle>
     <p:otherStyle>
-      <a:defPPr lvl="0" marR="0" rtl="0" algn="l">
+      <a:defPPr marR="0" lvl="0" algn="l" rtl="0">
         <a:lnSpc>
           <a:spcPct val="100000"/>
         </a:lnSpc>
@@ -6662,7 +6888,7 @@
           <a:spcPts val="0"/>
         </a:spcAft>
       </a:defPPr>
-      <a:lvl1pPr lvl="0" marR="0" rtl="0" algn="l">
+      <a:lvl1pPr marR="0" lvl="0" algn="l" rtl="0">
         <a:lnSpc>
           <a:spcPct val="100000"/>
         </a:lnSpc>
@@ -6676,7 +6902,7 @@
           <a:srgbClr val="000000"/>
         </a:buClr>
         <a:buFont typeface="Arial"/>
-        <a:defRPr b="0" i="0" sz="1400" u="none" cap="none" strike="noStrike">
+        <a:defRPr sz="1400" b="0" i="0" u="none" strike="noStrike" cap="none">
           <a:solidFill>
             <a:srgbClr val="000000"/>
           </a:solidFill>
@@ -6686,7 +6912,7 @@
           <a:sym typeface="Arial"/>
         </a:defRPr>
       </a:lvl1pPr>
-      <a:lvl2pPr lvl="1" marR="0" rtl="0" algn="l">
+      <a:lvl2pPr marR="0" lvl="1" algn="l" rtl="0">
         <a:lnSpc>
           <a:spcPct val="100000"/>
         </a:lnSpc>
@@ -6700,7 +6926,7 @@
           <a:srgbClr val="000000"/>
         </a:buClr>
         <a:buFont typeface="Arial"/>
-        <a:defRPr b="0" i="0" sz="1400" u="none" cap="none" strike="noStrike">
+        <a:defRPr sz="1400" b="0" i="0" u="none" strike="noStrike" cap="none">
           <a:solidFill>
             <a:srgbClr val="000000"/>
           </a:solidFill>
@@ -6710,7 +6936,7 @@
           <a:sym typeface="Arial"/>
         </a:defRPr>
       </a:lvl2pPr>
-      <a:lvl3pPr lvl="2" marR="0" rtl="0" algn="l">
+      <a:lvl3pPr marR="0" lvl="2" algn="l" rtl="0">
         <a:lnSpc>
           <a:spcPct val="100000"/>
         </a:lnSpc>
@@ -6724,7 +6950,7 @@
           <a:srgbClr val="000000"/>
         </a:buClr>
         <a:buFont typeface="Arial"/>
-        <a:defRPr b="0" i="0" sz="1400" u="none" cap="none" strike="noStrike">
+        <a:defRPr sz="1400" b="0" i="0" u="none" strike="noStrike" cap="none">
           <a:solidFill>
             <a:srgbClr val="000000"/>
           </a:solidFill>
@@ -6734,7 +6960,7 @@
           <a:sym typeface="Arial"/>
         </a:defRPr>
       </a:lvl3pPr>
-      <a:lvl4pPr lvl="3" marR="0" rtl="0" algn="l">
+      <a:lvl4pPr marR="0" lvl="3" algn="l" rtl="0">
         <a:lnSpc>
           <a:spcPct val="100000"/>
         </a:lnSpc>
@@ -6748,7 +6974,7 @@
           <a:srgbClr val="000000"/>
         </a:buClr>
         <a:buFont typeface="Arial"/>
-        <a:defRPr b="0" i="0" sz="1400" u="none" cap="none" strike="noStrike">
+        <a:defRPr sz="1400" b="0" i="0" u="none" strike="noStrike" cap="none">
           <a:solidFill>
             <a:srgbClr val="000000"/>
           </a:solidFill>
@@ -6758,7 +6984,7 @@
           <a:sym typeface="Arial"/>
         </a:defRPr>
       </a:lvl4pPr>
-      <a:lvl5pPr lvl="4" marR="0" rtl="0" algn="l">
+      <a:lvl5pPr marR="0" lvl="4" algn="l" rtl="0">
         <a:lnSpc>
           <a:spcPct val="100000"/>
         </a:lnSpc>
@@ -6772,7 +6998,7 @@
           <a:srgbClr val="000000"/>
         </a:buClr>
         <a:buFont typeface="Arial"/>
-        <a:defRPr b="0" i="0" sz="1400" u="none" cap="none" strike="noStrike">
+        <a:defRPr sz="1400" b="0" i="0" u="none" strike="noStrike" cap="none">
           <a:solidFill>
             <a:srgbClr val="000000"/>
           </a:solidFill>
@@ -6782,7 +7008,7 @@
           <a:sym typeface="Arial"/>
         </a:defRPr>
       </a:lvl5pPr>
-      <a:lvl6pPr lvl="5" marR="0" rtl="0" algn="l">
+      <a:lvl6pPr marR="0" lvl="5" algn="l" rtl="0">
         <a:lnSpc>
           <a:spcPct val="100000"/>
         </a:lnSpc>
@@ -6796,7 +7022,7 @@
           <a:srgbClr val="000000"/>
         </a:buClr>
         <a:buFont typeface="Arial"/>
-        <a:defRPr b="0" i="0" sz="1400" u="none" cap="none" strike="noStrike">
+        <a:defRPr sz="1400" b="0" i="0" u="none" strike="noStrike" cap="none">
           <a:solidFill>
             <a:srgbClr val="000000"/>
           </a:solidFill>
@@ -6806,7 +7032,7 @@
           <a:sym typeface="Arial"/>
         </a:defRPr>
       </a:lvl6pPr>
-      <a:lvl7pPr lvl="6" marR="0" rtl="0" algn="l">
+      <a:lvl7pPr marR="0" lvl="6" algn="l" rtl="0">
         <a:lnSpc>
           <a:spcPct val="100000"/>
         </a:lnSpc>
@@ -6820,7 +7046,7 @@
           <a:srgbClr val="000000"/>
         </a:buClr>
         <a:buFont typeface="Arial"/>
-        <a:defRPr b="0" i="0" sz="1400" u="none" cap="none" strike="noStrike">
+        <a:defRPr sz="1400" b="0" i="0" u="none" strike="noStrike" cap="none">
           <a:solidFill>
             <a:srgbClr val="000000"/>
           </a:solidFill>
@@ -6830,7 +7056,7 @@
           <a:sym typeface="Arial"/>
         </a:defRPr>
       </a:lvl7pPr>
-      <a:lvl8pPr lvl="7" marR="0" rtl="0" algn="l">
+      <a:lvl8pPr marR="0" lvl="7" algn="l" rtl="0">
         <a:lnSpc>
           <a:spcPct val="100000"/>
         </a:lnSpc>
@@ -6844,7 +7070,7 @@
           <a:srgbClr val="000000"/>
         </a:buClr>
         <a:buFont typeface="Arial"/>
-        <a:defRPr b="0" i="0" sz="1400" u="none" cap="none" strike="noStrike">
+        <a:defRPr sz="1400" b="0" i="0" u="none" strike="noStrike" cap="none">
           <a:solidFill>
             <a:srgbClr val="000000"/>
           </a:solidFill>
@@ -6854,7 +7080,7 @@
           <a:sym typeface="Arial"/>
         </a:defRPr>
       </a:lvl8pPr>
-      <a:lvl9pPr lvl="8" marR="0" rtl="0" algn="l">
+      <a:lvl9pPr marR="0" lvl="8" algn="l" rtl="0">
         <a:lnSpc>
           <a:spcPct val="100000"/>
         </a:lnSpc>
@@ -6868,7 +7094,7 @@
           <a:srgbClr val="000000"/>
         </a:buClr>
         <a:buFont typeface="Arial"/>
-        <a:defRPr b="0" i="0" sz="1400" u="none" cap="none" strike="noStrike">
+        <a:defRPr sz="1400" b="0" i="0" u="none" strike="noStrike" cap="none">
           <a:solidFill>
             <a:srgbClr val="000000"/>
           </a:solidFill>
@@ -6884,11 +7110,11 @@
 </file>
 
 <file path=ppt/slides/slide1.xml><?xml version="1.0" encoding="utf-8"?>
-<p:sld xmlns:a="http://schemas.openxmlformats.org/drawingml/2006/main" xmlns:r="http://schemas.openxmlformats.org/officeDocument/2006/relationships" xmlns:mc="http://schemas.openxmlformats.org/markup-compatibility/2006" xmlns:mv="urn:schemas-microsoft-com:mac:vml" xmlns:p="http://schemas.openxmlformats.org/presentationml/2006/main" xmlns:c="http://schemas.openxmlformats.org/drawingml/2006/chart" xmlns:dgm="http://schemas.openxmlformats.org/drawingml/2006/diagram" xmlns:o="urn:schemas-microsoft-com:office:office" xmlns:v="urn:schemas-microsoft-com:vml" xmlns:pvml="urn:schemas-microsoft-com:office:powerpoint" xmlns:com="http://schemas.openxmlformats.org/drawingml/2006/compatibility" xmlns:p14="http://schemas.microsoft.com/office/powerpoint/2010/main" xmlns:p15="http://schemas.microsoft.com/office/powerpoint/2012/main">
+<p:sld xmlns:a="http://schemas.openxmlformats.org/drawingml/2006/main" xmlns:r="http://schemas.openxmlformats.org/officeDocument/2006/relationships" xmlns:p="http://schemas.openxmlformats.org/presentationml/2006/main">
   <p:cSld>
     <p:spTree>
       <p:nvGrpSpPr>
-        <p:cNvPr id="53" name="Shape 53"/>
+        <p:cNvPr id="1" name="Shape 53"/>
         <p:cNvGrpSpPr/>
         <p:nvPr/>
       </p:nvGrpSpPr>
@@ -6903,7 +7129,9 @@
       <p:sp>
         <p:nvSpPr>
           <p:cNvPr id="54" name="Google Shape;54;p13"/>
-          <p:cNvSpPr txBox="1"/>
+          <p:cNvSpPr txBox="1">
+            <a:spLocks noGrp="1"/>
+          </p:cNvSpPr>
           <p:nvPr>
             <p:ph type="ctrTitle"/>
           </p:nvPr>
@@ -6918,12 +7146,12 @@
           </a:prstGeom>
         </p:spPr>
         <p:txBody>
-          <a:bodyPr anchorCtr="0" anchor="b" bIns="91425" lIns="91425" spcFirstLastPara="1" rIns="91425" wrap="square" tIns="91425">
+          <a:bodyPr spcFirstLastPara="1" wrap="square" lIns="91425" tIns="91425" rIns="91425" bIns="91425" anchor="b" anchorCtr="0">
             <a:noAutofit/>
           </a:bodyPr>
           <a:lstStyle/>
           <a:p>
-            <a:pPr indent="0" lvl="0" marL="0" rtl="0" algn="ctr">
+            <a:pPr marL="0" lvl="0" indent="0" algn="ctr" rtl="0">
               <a:spcBef>
                 <a:spcPts val="0"/>
               </a:spcBef>
@@ -6943,9 +7171,11 @@
       <p:sp>
         <p:nvSpPr>
           <p:cNvPr id="55" name="Google Shape;55;p13"/>
-          <p:cNvSpPr txBox="1"/>
+          <p:cNvSpPr txBox="1">
+            <a:spLocks noGrp="1"/>
+          </p:cNvSpPr>
           <p:nvPr>
-            <p:ph idx="1" type="subTitle"/>
+            <p:ph type="subTitle" idx="1"/>
           </p:nvPr>
         </p:nvSpPr>
         <p:spPr>
@@ -6958,12 +7188,12 @@
           </a:prstGeom>
         </p:spPr>
         <p:txBody>
-          <a:bodyPr anchorCtr="0" anchor="t" bIns="91425" lIns="91425" spcFirstLastPara="1" rIns="91425" wrap="square" tIns="91425">
+          <a:bodyPr spcFirstLastPara="1" wrap="square" lIns="91425" tIns="91425" rIns="91425" bIns="91425" anchor="t" anchorCtr="0">
             <a:noAutofit/>
           </a:bodyPr>
           <a:lstStyle/>
           <a:p>
-            <a:pPr indent="0" lvl="0" marL="0" rtl="0" algn="ctr">
+            <a:pPr marL="0" lvl="0" indent="0" algn="ctr" rtl="0">
               <a:spcBef>
                 <a:spcPts val="0"/>
               </a:spcBef>
@@ -7036,12 +7266,12 @@
           </a:ln>
         </p:spPr>
         <p:txBody>
-          <a:bodyPr anchorCtr="0" anchor="t" bIns="91425" lIns="91425" spcFirstLastPara="1" rIns="91425" wrap="square" tIns="91425">
+          <a:bodyPr spcFirstLastPara="1" wrap="square" lIns="91425" tIns="91425" rIns="91425" bIns="91425" anchor="t" anchorCtr="0">
             <a:noAutofit/>
           </a:bodyPr>
           <a:lstStyle/>
           <a:p>
-            <a:pPr indent="0" lvl="0" marL="0" rtl="0" algn="l">
+            <a:pPr marL="0" lvl="0" indent="0" algn="l" rtl="0">
               <a:spcBef>
                 <a:spcPts val="0"/>
               </a:spcBef>
@@ -7073,7 +7303,7 @@
             </a:endParaRPr>
           </a:p>
           <a:p>
-            <a:pPr indent="0" lvl="0" marL="0" rtl="0" algn="l">
+            <a:pPr marL="0" lvl="0" indent="0" algn="l" rtl="0">
               <a:spcBef>
                 <a:spcPts val="0"/>
               </a:spcBef>
@@ -7115,11 +7345,11 @@
 </file>
 
 <file path=ppt/slides/slide10.xml><?xml version="1.0" encoding="utf-8"?>
-<p:sld xmlns:a="http://schemas.openxmlformats.org/drawingml/2006/main" xmlns:r="http://schemas.openxmlformats.org/officeDocument/2006/relationships" xmlns:mc="http://schemas.openxmlformats.org/markup-compatibility/2006" xmlns:mv="urn:schemas-microsoft-com:mac:vml" xmlns:p="http://schemas.openxmlformats.org/presentationml/2006/main" xmlns:c="http://schemas.openxmlformats.org/drawingml/2006/chart" xmlns:dgm="http://schemas.openxmlformats.org/drawingml/2006/diagram" xmlns:o="urn:schemas-microsoft-com:office:office" xmlns:v="urn:schemas-microsoft-com:vml" xmlns:pvml="urn:schemas-microsoft-com:office:powerpoint" xmlns:com="http://schemas.openxmlformats.org/drawingml/2006/compatibility" xmlns:p14="http://schemas.microsoft.com/office/powerpoint/2010/main" xmlns:p15="http://schemas.microsoft.com/office/powerpoint/2012/main">
+<p:sld xmlns:a="http://schemas.openxmlformats.org/drawingml/2006/main" xmlns:r="http://schemas.openxmlformats.org/officeDocument/2006/relationships" xmlns:p="http://schemas.openxmlformats.org/presentationml/2006/main">
   <p:cSld>
     <p:spTree>
       <p:nvGrpSpPr>
-        <p:cNvPr id="115" name="Shape 115"/>
+        <p:cNvPr id="1" name="Shape 115"/>
         <p:cNvGrpSpPr/>
         <p:nvPr/>
       </p:nvGrpSpPr>
@@ -7134,7 +7364,9 @@
       <p:sp>
         <p:nvSpPr>
           <p:cNvPr id="116" name="Google Shape;116;p22"/>
-          <p:cNvSpPr txBox="1"/>
+          <p:cNvSpPr txBox="1">
+            <a:spLocks noGrp="1"/>
+          </p:cNvSpPr>
           <p:nvPr>
             <p:ph type="title"/>
           </p:nvPr>
@@ -7149,12 +7381,12 @@
           </a:prstGeom>
         </p:spPr>
         <p:txBody>
-          <a:bodyPr anchorCtr="0" anchor="t" bIns="91425" lIns="91425" spcFirstLastPara="1" rIns="91425" wrap="square" tIns="91425">
+          <a:bodyPr spcFirstLastPara="1" wrap="square" lIns="91425" tIns="91425" rIns="91425" bIns="91425" anchor="t" anchorCtr="0">
             <a:noAutofit/>
           </a:bodyPr>
           <a:lstStyle/>
           <a:p>
-            <a:pPr indent="0" lvl="0" marL="0" rtl="0" algn="l">
+            <a:pPr marL="0" lvl="0" indent="0" algn="l" rtl="0">
               <a:spcBef>
                 <a:spcPts val="0"/>
               </a:spcBef>
@@ -7178,9 +7410,11 @@
       <p:sp>
         <p:nvSpPr>
           <p:cNvPr id="117" name="Google Shape;117;p22"/>
-          <p:cNvSpPr txBox="1"/>
+          <p:cNvSpPr txBox="1">
+            <a:spLocks noGrp="1"/>
+          </p:cNvSpPr>
           <p:nvPr>
-            <p:ph idx="1" type="body"/>
+            <p:ph type="body" idx="1"/>
           </p:nvPr>
         </p:nvSpPr>
         <p:spPr>
@@ -7193,12 +7427,12 @@
           </a:prstGeom>
         </p:spPr>
         <p:txBody>
-          <a:bodyPr anchorCtr="0" anchor="t" bIns="91425" lIns="91425" spcFirstLastPara="1" rIns="91425" wrap="square" tIns="91425">
+          <a:bodyPr spcFirstLastPara="1" wrap="square" lIns="91425" tIns="91425" rIns="91425" bIns="91425" anchor="t" anchorCtr="0">
             <a:noAutofit/>
           </a:bodyPr>
           <a:lstStyle/>
           <a:p>
-            <a:pPr indent="-342900" lvl="0" marL="457200" rtl="0" algn="l">
+            <a:pPr marL="457200" lvl="0" indent="-342900" algn="l" rtl="0">
               <a:spcBef>
                 <a:spcPts val="0"/>
               </a:spcBef>
@@ -7209,13 +7443,13 @@
               <a:buChar char="●"/>
             </a:pPr>
             <a:r>
-              <a:rPr lang="en"/>
+              <a:rPr lang="en" dirty="0"/>
               <a:t>For players to find comedy in the content</a:t>
             </a:r>
-            <a:endParaRPr/>
-          </a:p>
-          <a:p>
-            <a:pPr indent="-342900" lvl="0" marL="457200" rtl="0" algn="l">
+            <a:endParaRPr dirty="0"/>
+          </a:p>
+          <a:p>
+            <a:pPr marL="457200" lvl="0" indent="-342900" algn="l" rtl="0">
               <a:spcBef>
                 <a:spcPts val="0"/>
               </a:spcBef>
@@ -7226,10 +7460,18 @@
               <a:buChar char="●"/>
             </a:pPr>
             <a:r>
-              <a:rPr lang="en"/>
-              <a:t>For player to relate to the experiences depicted in the microgames</a:t>
+              <a:rPr lang="en" dirty="0"/>
+              <a:t>For player</a:t>
             </a:r>
-            <a:endParaRPr/>
+            <a:r>
+              <a:rPr lang="en-US" dirty="0"/>
+              <a:t>s</a:t>
+            </a:r>
+            <a:r>
+              <a:rPr lang="en" dirty="0"/>
+              <a:t> to relate to the experiences depicted in the microgames</a:t>
+            </a:r>
+            <a:endParaRPr dirty="0"/>
           </a:p>
         </p:txBody>
       </p:sp>
@@ -7270,11 +7512,11 @@
 </file>
 
 <file path=ppt/slides/slide11.xml><?xml version="1.0" encoding="utf-8"?>
-<p:sld xmlns:a="http://schemas.openxmlformats.org/drawingml/2006/main" xmlns:r="http://schemas.openxmlformats.org/officeDocument/2006/relationships" xmlns:mc="http://schemas.openxmlformats.org/markup-compatibility/2006" xmlns:mv="urn:schemas-microsoft-com:mac:vml" xmlns:p="http://schemas.openxmlformats.org/presentationml/2006/main" xmlns:c="http://schemas.openxmlformats.org/drawingml/2006/chart" xmlns:dgm="http://schemas.openxmlformats.org/drawingml/2006/diagram" xmlns:o="urn:schemas-microsoft-com:office:office" xmlns:v="urn:schemas-microsoft-com:vml" xmlns:pvml="urn:schemas-microsoft-com:office:powerpoint" xmlns:com="http://schemas.openxmlformats.org/drawingml/2006/compatibility" xmlns:p14="http://schemas.microsoft.com/office/powerpoint/2010/main" xmlns:p15="http://schemas.microsoft.com/office/powerpoint/2012/main">
+<p:sld xmlns:a="http://schemas.openxmlformats.org/drawingml/2006/main" xmlns:r="http://schemas.openxmlformats.org/officeDocument/2006/relationships" xmlns:p="http://schemas.openxmlformats.org/presentationml/2006/main">
   <p:cSld>
     <p:spTree>
       <p:nvGrpSpPr>
-        <p:cNvPr id="122" name="Shape 122"/>
+        <p:cNvPr id="1" name="Shape 122"/>
         <p:cNvGrpSpPr/>
         <p:nvPr/>
       </p:nvGrpSpPr>
@@ -7289,7 +7531,9 @@
       <p:sp>
         <p:nvSpPr>
           <p:cNvPr id="123" name="Google Shape;123;p23"/>
-          <p:cNvSpPr txBox="1"/>
+          <p:cNvSpPr txBox="1">
+            <a:spLocks noGrp="1"/>
+          </p:cNvSpPr>
           <p:nvPr>
             <p:ph type="title"/>
           </p:nvPr>
@@ -7304,12 +7548,12 @@
           </a:prstGeom>
         </p:spPr>
         <p:txBody>
-          <a:bodyPr anchorCtr="0" anchor="t" bIns="91425" lIns="91425" spcFirstLastPara="1" rIns="91425" wrap="square" tIns="91425">
+          <a:bodyPr spcFirstLastPara="1" wrap="square" lIns="91425" tIns="91425" rIns="91425" bIns="91425" anchor="t" anchorCtr="0">
             <a:noAutofit/>
           </a:bodyPr>
           <a:lstStyle/>
           <a:p>
-            <a:pPr indent="0" lvl="0" marL="0" rtl="0" algn="l">
+            <a:pPr marL="0" lvl="0" indent="0" algn="l" rtl="0">
               <a:spcBef>
                 <a:spcPts val="0"/>
               </a:spcBef>
@@ -7324,15 +7568,7 @@
                   <a:srgbClr val="FFF2CC"/>
                 </a:solidFill>
               </a:rPr>
-              <a:t>Measurable </a:t>
-            </a:r>
-            <a:r>
-              <a:rPr lang="en">
-                <a:solidFill>
-                  <a:srgbClr val="FFF2CC"/>
-                </a:solidFill>
-              </a:rPr>
-              <a:t>Experience Goals</a:t>
+              <a:t>Measurable Experience Goals</a:t>
             </a:r>
             <a:endParaRPr/>
           </a:p>
@@ -7341,9 +7577,11 @@
       <p:sp>
         <p:nvSpPr>
           <p:cNvPr id="124" name="Google Shape;124;p23"/>
-          <p:cNvSpPr txBox="1"/>
+          <p:cNvSpPr txBox="1">
+            <a:spLocks noGrp="1"/>
+          </p:cNvSpPr>
           <p:nvPr>
-            <p:ph idx="1" type="body"/>
+            <p:ph type="body" idx="1"/>
           </p:nvPr>
         </p:nvSpPr>
         <p:spPr>
@@ -7356,12 +7594,12 @@
           </a:prstGeom>
         </p:spPr>
         <p:txBody>
-          <a:bodyPr anchorCtr="0" anchor="t" bIns="91425" lIns="91425" spcFirstLastPara="1" rIns="91425" wrap="square" tIns="91425">
+          <a:bodyPr spcFirstLastPara="1" wrap="square" lIns="91425" tIns="91425" rIns="91425" bIns="91425" anchor="t" anchorCtr="0">
             <a:noAutofit/>
           </a:bodyPr>
           <a:lstStyle/>
           <a:p>
-            <a:pPr indent="-342900" lvl="0" marL="457200" rtl="0" algn="l">
+            <a:pPr marL="457200" lvl="0" indent="-342900" algn="l" rtl="0">
               <a:spcBef>
                 <a:spcPts val="0"/>
               </a:spcBef>
@@ -7378,7 +7616,7 @@
             <a:endParaRPr/>
           </a:p>
           <a:p>
-            <a:pPr indent="-317500" lvl="1" marL="914400" rtl="0" algn="l">
+            <a:pPr marL="914400" lvl="1" indent="-317500" algn="l" rtl="0">
               <a:spcBef>
                 <a:spcPts val="0"/>
               </a:spcBef>
@@ -7399,7 +7637,7 @@
             <a:endParaRPr/>
           </a:p>
           <a:p>
-            <a:pPr indent="-342900" lvl="0" marL="457200" rtl="0" algn="l">
+            <a:pPr marL="457200" lvl="0" indent="-342900" algn="l" rtl="0">
               <a:spcBef>
                 <a:spcPts val="0"/>
               </a:spcBef>
@@ -7416,7 +7654,7 @@
             <a:endParaRPr/>
           </a:p>
           <a:p>
-            <a:pPr indent="-317500" lvl="1" marL="914400" rtl="0" algn="l">
+            <a:pPr marL="914400" lvl="1" indent="-317500" algn="l" rtl="0">
               <a:spcBef>
                 <a:spcPts val="0"/>
               </a:spcBef>
@@ -7437,7 +7675,7 @@
             <a:endParaRPr/>
           </a:p>
           <a:p>
-            <a:pPr indent="-342900" lvl="0" marL="457200" rtl="0" algn="l">
+            <a:pPr marL="457200" lvl="0" indent="-342900" algn="l" rtl="0">
               <a:spcBef>
                 <a:spcPts val="0"/>
               </a:spcBef>
@@ -7454,7 +7692,7 @@
             <a:endParaRPr/>
           </a:p>
           <a:p>
-            <a:pPr indent="-317500" lvl="1" marL="914400" rtl="0" algn="l">
+            <a:pPr marL="914400" lvl="1" indent="-317500" algn="l" rtl="0">
               <a:spcBef>
                 <a:spcPts val="0"/>
               </a:spcBef>
@@ -7485,11 +7723,11 @@
 </file>
 
 <file path=ppt/slides/slide12.xml><?xml version="1.0" encoding="utf-8"?>
-<p:sld xmlns:a="http://schemas.openxmlformats.org/drawingml/2006/main" xmlns:r="http://schemas.openxmlformats.org/officeDocument/2006/relationships" xmlns:mc="http://schemas.openxmlformats.org/markup-compatibility/2006" xmlns:mv="urn:schemas-microsoft-com:mac:vml" xmlns:p="http://schemas.openxmlformats.org/presentationml/2006/main" xmlns:c="http://schemas.openxmlformats.org/drawingml/2006/chart" xmlns:dgm="http://schemas.openxmlformats.org/drawingml/2006/diagram" xmlns:o="urn:schemas-microsoft-com:office:office" xmlns:v="urn:schemas-microsoft-com:vml" xmlns:pvml="urn:schemas-microsoft-com:office:powerpoint" xmlns:com="http://schemas.openxmlformats.org/drawingml/2006/compatibility" xmlns:p14="http://schemas.microsoft.com/office/powerpoint/2010/main" xmlns:p15="http://schemas.microsoft.com/office/powerpoint/2012/main">
+<p:sld xmlns:a="http://schemas.openxmlformats.org/drawingml/2006/main" xmlns:r="http://schemas.openxmlformats.org/officeDocument/2006/relationships" xmlns:p="http://schemas.openxmlformats.org/presentationml/2006/main">
   <p:cSld>
     <p:spTree>
       <p:nvGrpSpPr>
-        <p:cNvPr id="128" name="Shape 128"/>
+        <p:cNvPr id="1" name="Shape 128"/>
         <p:cNvGrpSpPr/>
         <p:nvPr/>
       </p:nvGrpSpPr>
@@ -7511,7 +7749,7 @@
           <a:blip r:embed="rId3">
             <a:alphaModFix/>
           </a:blip>
-          <a:srcRect b="0" l="23602" r="20992" t="0"/>
+          <a:srcRect l="23602" r="20992"/>
           <a:stretch/>
         </p:blipFill>
         <p:spPr>
@@ -7531,7 +7769,9 @@
       <p:sp>
         <p:nvSpPr>
           <p:cNvPr id="130" name="Google Shape;130;p24"/>
-          <p:cNvSpPr txBox="1"/>
+          <p:cNvSpPr txBox="1">
+            <a:spLocks noGrp="1"/>
+          </p:cNvSpPr>
           <p:nvPr>
             <p:ph type="title"/>
           </p:nvPr>
@@ -7546,12 +7786,12 @@
           </a:prstGeom>
         </p:spPr>
         <p:txBody>
-          <a:bodyPr anchorCtr="0" anchor="t" bIns="91425" lIns="91425" spcFirstLastPara="1" rIns="91425" wrap="square" tIns="91425">
+          <a:bodyPr spcFirstLastPara="1" wrap="square" lIns="91425" tIns="91425" rIns="91425" bIns="91425" anchor="t" anchorCtr="0">
             <a:noAutofit/>
           </a:bodyPr>
           <a:lstStyle/>
           <a:p>
-            <a:pPr indent="0" lvl="0" marL="0" rtl="0" algn="l">
+            <a:pPr marL="0" lvl="0" indent="0" algn="l" rtl="0">
               <a:spcBef>
                 <a:spcPts val="0"/>
               </a:spcBef>
@@ -7578,7 +7818,7 @@
           <a:blip r:embed="rId4">
             <a:alphaModFix/>
           </a:blip>
-          <a:srcRect b="0" l="22395" r="18977" t="0"/>
+          <a:srcRect l="22395" r="18977"/>
           <a:stretch/>
         </p:blipFill>
         <p:spPr>
@@ -7605,7 +7845,7 @@
           <a:blip r:embed="rId5">
             <a:alphaModFix/>
           </a:blip>
-          <a:srcRect b="0" l="24711" r="25072" t="0"/>
+          <a:srcRect l="24711" r="25072"/>
           <a:stretch/>
         </p:blipFill>
         <p:spPr>
@@ -7631,11 +7871,11 @@
 </file>
 
 <file path=ppt/slides/slide13.xml><?xml version="1.0" encoding="utf-8"?>
-<p:sld xmlns:a="http://schemas.openxmlformats.org/drawingml/2006/main" xmlns:r="http://schemas.openxmlformats.org/officeDocument/2006/relationships" xmlns:mc="http://schemas.openxmlformats.org/markup-compatibility/2006" xmlns:mv="urn:schemas-microsoft-com:mac:vml" xmlns:p="http://schemas.openxmlformats.org/presentationml/2006/main" xmlns:c="http://schemas.openxmlformats.org/drawingml/2006/chart" xmlns:dgm="http://schemas.openxmlformats.org/drawingml/2006/diagram" xmlns:o="urn:schemas-microsoft-com:office:office" xmlns:v="urn:schemas-microsoft-com:vml" xmlns:pvml="urn:schemas-microsoft-com:office:powerpoint" xmlns:com="http://schemas.openxmlformats.org/drawingml/2006/compatibility" xmlns:p14="http://schemas.microsoft.com/office/powerpoint/2010/main" xmlns:p15="http://schemas.microsoft.com/office/powerpoint/2012/main">
+<p:sld xmlns:a="http://schemas.openxmlformats.org/drawingml/2006/main" xmlns:r="http://schemas.openxmlformats.org/officeDocument/2006/relationships" xmlns:p="http://schemas.openxmlformats.org/presentationml/2006/main">
   <p:cSld>
     <p:spTree>
       <p:nvGrpSpPr>
-        <p:cNvPr id="136" name="Shape 136"/>
+        <p:cNvPr id="1" name="Shape 136"/>
         <p:cNvGrpSpPr/>
         <p:nvPr/>
       </p:nvGrpSpPr>
@@ -7678,7 +7918,9 @@
       <p:sp>
         <p:nvSpPr>
           <p:cNvPr id="138" name="Google Shape;138;p25"/>
-          <p:cNvSpPr txBox="1"/>
+          <p:cNvSpPr txBox="1">
+            <a:spLocks noGrp="1"/>
+          </p:cNvSpPr>
           <p:nvPr>
             <p:ph type="title"/>
           </p:nvPr>
@@ -7693,12 +7935,12 @@
           </a:prstGeom>
         </p:spPr>
         <p:txBody>
-          <a:bodyPr anchorCtr="0" anchor="ctr" bIns="91425" lIns="91425" spcFirstLastPara="1" rIns="91425" wrap="square" tIns="91425">
+          <a:bodyPr spcFirstLastPara="1" wrap="square" lIns="91425" tIns="91425" rIns="91425" bIns="91425" anchor="ctr" anchorCtr="0">
             <a:noAutofit/>
           </a:bodyPr>
           <a:lstStyle/>
           <a:p>
-            <a:pPr indent="0" lvl="0" marL="0" rtl="0" algn="l">
+            <a:pPr marL="0" lvl="0" indent="0" algn="l" rtl="0">
               <a:spcBef>
                 <a:spcPts val="0"/>
               </a:spcBef>
@@ -7732,30 +7974,30 @@
           </a:xfrm>
           <a:prstGeom prst="leftArrow">
             <a:avLst>
-              <a:gd fmla="val 50000" name="adj1"/>
-              <a:gd fmla="val 50000" name="adj2"/>
+              <a:gd name="adj1" fmla="val 50000"/>
+              <a:gd name="adj2" fmla="val 50000"/>
             </a:avLst>
           </a:prstGeom>
           <a:solidFill>
             <a:schemeClr val="lt2"/>
           </a:solidFill>
-          <a:ln cap="flat" cmpd="sng" w="9525">
+          <a:ln w="9525" cap="flat" cmpd="sng">
             <a:solidFill>
               <a:schemeClr val="dk2"/>
             </a:solidFill>
             <a:prstDash val="solid"/>
             <a:round/>
-            <a:headEnd len="sm" w="sm" type="none"/>
-            <a:tailEnd len="sm" w="sm" type="none"/>
+            <a:headEnd type="none" w="sm" len="sm"/>
+            <a:tailEnd type="none" w="sm" len="sm"/>
           </a:ln>
         </p:spPr>
         <p:txBody>
-          <a:bodyPr anchorCtr="0" anchor="ctr" bIns="91425" lIns="91425" spcFirstLastPara="1" rIns="91425" wrap="square" tIns="91425">
+          <a:bodyPr spcFirstLastPara="1" wrap="square" lIns="91425" tIns="91425" rIns="91425" bIns="91425" anchor="ctr" anchorCtr="0">
             <a:noAutofit/>
           </a:bodyPr>
           <a:lstStyle/>
           <a:p>
-            <a:pPr indent="0" lvl="0" marL="0" rtl="0" algn="l">
+            <a:pPr marL="0" lvl="0" indent="0" algn="l" rtl="0">
               <a:spcBef>
                 <a:spcPts val="0"/>
               </a:spcBef>
@@ -7764,9 +8006,6 @@
               </a:spcAft>
               <a:buNone/>
             </a:pPr>
-            <a:r>
-              <a:t/>
-            </a:r>
             <a:endParaRPr/>
           </a:p>
         </p:txBody>
@@ -7784,30 +8023,30 @@
           </a:xfrm>
           <a:prstGeom prst="leftArrow">
             <a:avLst>
-              <a:gd fmla="val 50000" name="adj1"/>
-              <a:gd fmla="val 50000" name="adj2"/>
+              <a:gd name="adj1" fmla="val 50000"/>
+              <a:gd name="adj2" fmla="val 50000"/>
             </a:avLst>
           </a:prstGeom>
           <a:solidFill>
             <a:schemeClr val="lt2"/>
           </a:solidFill>
-          <a:ln cap="flat" cmpd="sng" w="9525">
+          <a:ln w="9525" cap="flat" cmpd="sng">
             <a:solidFill>
               <a:schemeClr val="dk2"/>
             </a:solidFill>
             <a:prstDash val="solid"/>
             <a:round/>
-            <a:headEnd len="sm" w="sm" type="none"/>
-            <a:tailEnd len="sm" w="sm" type="none"/>
+            <a:headEnd type="none" w="sm" len="sm"/>
+            <a:tailEnd type="none" w="sm" len="sm"/>
           </a:ln>
         </p:spPr>
         <p:txBody>
-          <a:bodyPr anchorCtr="0" anchor="ctr" bIns="91425" lIns="91425" spcFirstLastPara="1" rIns="91425" wrap="square" tIns="91425">
+          <a:bodyPr spcFirstLastPara="1" wrap="square" lIns="91425" tIns="91425" rIns="91425" bIns="91425" anchor="ctr" anchorCtr="0">
             <a:noAutofit/>
           </a:bodyPr>
           <a:lstStyle/>
           <a:p>
-            <a:pPr indent="0" lvl="0" marL="0" rtl="0" algn="l">
+            <a:pPr marL="0" lvl="0" indent="0" algn="l" rtl="0">
               <a:spcBef>
                 <a:spcPts val="0"/>
               </a:spcBef>
@@ -7816,9 +8055,6 @@
               </a:spcAft>
               <a:buNone/>
             </a:pPr>
-            <a:r>
-              <a:t/>
-            </a:r>
             <a:endParaRPr/>
           </a:p>
         </p:txBody>
@@ -7836,30 +8072,30 @@
           </a:xfrm>
           <a:prstGeom prst="leftArrow">
             <a:avLst>
-              <a:gd fmla="val 50000" name="adj1"/>
-              <a:gd fmla="val 50000" name="adj2"/>
+              <a:gd name="adj1" fmla="val 50000"/>
+              <a:gd name="adj2" fmla="val 50000"/>
             </a:avLst>
           </a:prstGeom>
           <a:solidFill>
             <a:schemeClr val="lt2"/>
           </a:solidFill>
-          <a:ln cap="flat" cmpd="sng" w="9525">
+          <a:ln w="9525" cap="flat" cmpd="sng">
             <a:solidFill>
               <a:schemeClr val="dk2"/>
             </a:solidFill>
             <a:prstDash val="solid"/>
             <a:round/>
-            <a:headEnd len="sm" w="sm" type="none"/>
-            <a:tailEnd len="sm" w="sm" type="none"/>
+            <a:headEnd type="none" w="sm" len="sm"/>
+            <a:tailEnd type="none" w="sm" len="sm"/>
           </a:ln>
         </p:spPr>
         <p:txBody>
-          <a:bodyPr anchorCtr="0" anchor="ctr" bIns="91425" lIns="91425" spcFirstLastPara="1" rIns="91425" wrap="square" tIns="91425">
+          <a:bodyPr spcFirstLastPara="1" wrap="square" lIns="91425" tIns="91425" rIns="91425" bIns="91425" anchor="ctr" anchorCtr="0">
             <a:noAutofit/>
           </a:bodyPr>
           <a:lstStyle/>
           <a:p>
-            <a:pPr indent="0" lvl="0" marL="0" rtl="0" algn="l">
+            <a:pPr marL="0" lvl="0" indent="0" algn="l" rtl="0">
               <a:spcBef>
                 <a:spcPts val="0"/>
               </a:spcBef>
@@ -7868,9 +8104,6 @@
               </a:spcAft>
               <a:buNone/>
             </a:pPr>
-            <a:r>
-              <a:t/>
-            </a:r>
             <a:endParaRPr/>
           </a:p>
         </p:txBody>
@@ -7884,11 +8117,11 @@
 </file>
 
 <file path=ppt/slides/slide14.xml><?xml version="1.0" encoding="utf-8"?>
-<p:sld xmlns:a="http://schemas.openxmlformats.org/drawingml/2006/main" xmlns:r="http://schemas.openxmlformats.org/officeDocument/2006/relationships" xmlns:mc="http://schemas.openxmlformats.org/markup-compatibility/2006" xmlns:mv="urn:schemas-microsoft-com:mac:vml" xmlns:p="http://schemas.openxmlformats.org/presentationml/2006/main" xmlns:c="http://schemas.openxmlformats.org/drawingml/2006/chart" xmlns:dgm="http://schemas.openxmlformats.org/drawingml/2006/diagram" xmlns:o="urn:schemas-microsoft-com:office:office" xmlns:v="urn:schemas-microsoft-com:vml" xmlns:pvml="urn:schemas-microsoft-com:office:powerpoint" xmlns:com="http://schemas.openxmlformats.org/drawingml/2006/compatibility" xmlns:p14="http://schemas.microsoft.com/office/powerpoint/2010/main" xmlns:p15="http://schemas.microsoft.com/office/powerpoint/2012/main">
+<p:sld xmlns:a="http://schemas.openxmlformats.org/drawingml/2006/main" xmlns:r="http://schemas.openxmlformats.org/officeDocument/2006/relationships" xmlns:p="http://schemas.openxmlformats.org/presentationml/2006/main">
   <p:cSld>
     <p:spTree>
       <p:nvGrpSpPr>
-        <p:cNvPr id="145" name="Shape 145"/>
+        <p:cNvPr id="1" name="Shape 145"/>
         <p:cNvGrpSpPr/>
         <p:nvPr/>
       </p:nvGrpSpPr>
@@ -7903,7 +8136,9 @@
       <p:sp>
         <p:nvSpPr>
           <p:cNvPr id="146" name="Google Shape;146;p26"/>
-          <p:cNvSpPr txBox="1"/>
+          <p:cNvSpPr txBox="1">
+            <a:spLocks noGrp="1"/>
+          </p:cNvSpPr>
           <p:nvPr>
             <p:ph type="title"/>
           </p:nvPr>
@@ -7918,12 +8153,12 @@
           </a:prstGeom>
         </p:spPr>
         <p:txBody>
-          <a:bodyPr anchorCtr="0" anchor="t" bIns="91425" lIns="91425" spcFirstLastPara="1" rIns="91425" wrap="square" tIns="91425">
+          <a:bodyPr spcFirstLastPara="1" wrap="square" lIns="91425" tIns="91425" rIns="91425" bIns="91425" anchor="t" anchorCtr="0">
             <a:noAutofit/>
           </a:bodyPr>
           <a:lstStyle/>
           <a:p>
-            <a:pPr indent="0" lvl="0" marL="0" rtl="0" algn="l">
+            <a:pPr marL="0" lvl="0" indent="0" algn="l" rtl="0">
               <a:spcBef>
                 <a:spcPts val="0"/>
               </a:spcBef>
@@ -7943,9 +8178,11 @@
       <p:sp>
         <p:nvSpPr>
           <p:cNvPr id="147" name="Google Shape;147;p26"/>
-          <p:cNvSpPr txBox="1"/>
+          <p:cNvSpPr txBox="1">
+            <a:spLocks noGrp="1"/>
+          </p:cNvSpPr>
           <p:nvPr>
-            <p:ph idx="1" type="body"/>
+            <p:ph type="body" idx="1"/>
           </p:nvPr>
         </p:nvSpPr>
         <p:spPr>
@@ -7958,12 +8195,12 @@
           </a:prstGeom>
         </p:spPr>
         <p:txBody>
-          <a:bodyPr anchorCtr="0" anchor="t" bIns="91425" lIns="91425" spcFirstLastPara="1" rIns="91425" wrap="square" tIns="91425">
+          <a:bodyPr spcFirstLastPara="1" wrap="square" lIns="91425" tIns="91425" rIns="91425" bIns="91425" anchor="t" anchorCtr="0">
             <a:noAutofit/>
           </a:bodyPr>
           <a:lstStyle/>
           <a:p>
-            <a:pPr indent="-342900" lvl="0" marL="457200" rtl="0" algn="l">
+            <a:pPr marL="457200" lvl="0" indent="-342900" algn="l" rtl="0">
               <a:spcBef>
                 <a:spcPts val="0"/>
               </a:spcBef>
@@ -7980,7 +8217,7 @@
             <a:endParaRPr/>
           </a:p>
           <a:p>
-            <a:pPr indent="-342900" lvl="0" marL="457200" rtl="0" algn="l">
+            <a:pPr marL="457200" lvl="0" indent="-342900" algn="l" rtl="0">
               <a:spcBef>
                 <a:spcPts val="0"/>
               </a:spcBef>
@@ -7997,7 +8234,7 @@
             <a:endParaRPr/>
           </a:p>
           <a:p>
-            <a:pPr indent="-317500" lvl="1" marL="914400" rtl="0" algn="l">
+            <a:pPr marL="914400" lvl="1" indent="-317500" algn="l" rtl="0">
               <a:spcBef>
                 <a:spcPts val="0"/>
               </a:spcBef>
@@ -8014,7 +8251,7 @@
             <a:endParaRPr/>
           </a:p>
           <a:p>
-            <a:pPr indent="-317500" lvl="1" marL="914400" rtl="0" algn="l">
+            <a:pPr marL="914400" lvl="1" indent="-317500" algn="l" rtl="0">
               <a:spcBef>
                 <a:spcPts val="0"/>
               </a:spcBef>
@@ -8153,11 +8390,11 @@
 </file>
 
 <file path=ppt/slides/slide15.xml><?xml version="1.0" encoding="utf-8"?>
-<p:sld xmlns:a="http://schemas.openxmlformats.org/drawingml/2006/main" xmlns:r="http://schemas.openxmlformats.org/officeDocument/2006/relationships" xmlns:mc="http://schemas.openxmlformats.org/markup-compatibility/2006" xmlns:mv="urn:schemas-microsoft-com:mac:vml" xmlns:p="http://schemas.openxmlformats.org/presentationml/2006/main" xmlns:c="http://schemas.openxmlformats.org/drawingml/2006/chart" xmlns:dgm="http://schemas.openxmlformats.org/drawingml/2006/diagram" xmlns:o="urn:schemas-microsoft-com:office:office" xmlns:v="urn:schemas-microsoft-com:vml" xmlns:pvml="urn:schemas-microsoft-com:office:powerpoint" xmlns:com="http://schemas.openxmlformats.org/drawingml/2006/compatibility" xmlns:p14="http://schemas.microsoft.com/office/powerpoint/2010/main" xmlns:p15="http://schemas.microsoft.com/office/powerpoint/2012/main">
+<p:sld xmlns:a="http://schemas.openxmlformats.org/drawingml/2006/main" xmlns:r="http://schemas.openxmlformats.org/officeDocument/2006/relationships" xmlns:p="http://schemas.openxmlformats.org/presentationml/2006/main">
   <p:cSld>
     <p:spTree>
       <p:nvGrpSpPr>
-        <p:cNvPr id="155" name="Shape 155"/>
+        <p:cNvPr id="1" name="Shape 155"/>
         <p:cNvGrpSpPr/>
         <p:nvPr/>
       </p:nvGrpSpPr>
@@ -8172,7 +8409,9 @@
       <p:sp>
         <p:nvSpPr>
           <p:cNvPr id="156" name="Google Shape;156;p27"/>
-          <p:cNvSpPr txBox="1"/>
+          <p:cNvSpPr txBox="1">
+            <a:spLocks noGrp="1"/>
+          </p:cNvSpPr>
           <p:nvPr>
             <p:ph type="title"/>
           </p:nvPr>
@@ -8187,12 +8426,12 @@
           </a:prstGeom>
         </p:spPr>
         <p:txBody>
-          <a:bodyPr anchorCtr="0" anchor="ctr" bIns="91425" lIns="91425" spcFirstLastPara="1" rIns="91425" wrap="square" tIns="91425">
+          <a:bodyPr spcFirstLastPara="1" wrap="square" lIns="91425" tIns="91425" rIns="91425" bIns="91425" anchor="ctr" anchorCtr="0">
             <a:noAutofit/>
           </a:bodyPr>
           <a:lstStyle/>
           <a:p>
-            <a:pPr indent="0" lvl="0" marL="0" rtl="0" algn="ctr">
+            <a:pPr marL="0" lvl="0" indent="0" algn="ctr" rtl="0">
               <a:spcBef>
                 <a:spcPts val="0"/>
               </a:spcBef>
@@ -8254,11 +8493,11 @@
 </file>
 
 <file path=ppt/slides/slide2.xml><?xml version="1.0" encoding="utf-8"?>
-<p:sld xmlns:a="http://schemas.openxmlformats.org/drawingml/2006/main" xmlns:r="http://schemas.openxmlformats.org/officeDocument/2006/relationships" xmlns:mc="http://schemas.openxmlformats.org/markup-compatibility/2006" xmlns:mv="urn:schemas-microsoft-com:mac:vml" xmlns:p="http://schemas.openxmlformats.org/presentationml/2006/main" xmlns:c="http://schemas.openxmlformats.org/drawingml/2006/chart" xmlns:dgm="http://schemas.openxmlformats.org/drawingml/2006/diagram" xmlns:o="urn:schemas-microsoft-com:office:office" xmlns:v="urn:schemas-microsoft-com:vml" xmlns:pvml="urn:schemas-microsoft-com:office:powerpoint" xmlns:com="http://schemas.openxmlformats.org/drawingml/2006/compatibility" xmlns:p14="http://schemas.microsoft.com/office/powerpoint/2010/main" xmlns:p15="http://schemas.microsoft.com/office/powerpoint/2012/main">
+<p:sld xmlns:a="http://schemas.openxmlformats.org/drawingml/2006/main" xmlns:r="http://schemas.openxmlformats.org/officeDocument/2006/relationships" xmlns:p="http://schemas.openxmlformats.org/presentationml/2006/main">
   <p:cSld>
     <p:spTree>
       <p:nvGrpSpPr>
-        <p:cNvPr id="61" name="Shape 61"/>
+        <p:cNvPr id="1" name="Shape 61"/>
         <p:cNvGrpSpPr/>
         <p:nvPr/>
       </p:nvGrpSpPr>
@@ -8307,11 +8546,11 @@
 </file>
 
 <file path=ppt/slides/slide3.xml><?xml version="1.0" encoding="utf-8"?>
-<p:sld xmlns:a="http://schemas.openxmlformats.org/drawingml/2006/main" xmlns:r="http://schemas.openxmlformats.org/officeDocument/2006/relationships" xmlns:mc="http://schemas.openxmlformats.org/markup-compatibility/2006" xmlns:mv="urn:schemas-microsoft-com:mac:vml" xmlns:p="http://schemas.openxmlformats.org/presentationml/2006/main" xmlns:c="http://schemas.openxmlformats.org/drawingml/2006/chart" xmlns:dgm="http://schemas.openxmlformats.org/drawingml/2006/diagram" xmlns:o="urn:schemas-microsoft-com:office:office" xmlns:v="urn:schemas-microsoft-com:vml" xmlns:pvml="urn:schemas-microsoft-com:office:powerpoint" xmlns:com="http://schemas.openxmlformats.org/drawingml/2006/compatibility" xmlns:p14="http://schemas.microsoft.com/office/powerpoint/2010/main" xmlns:p15="http://schemas.microsoft.com/office/powerpoint/2012/main">
+<p:sld xmlns:a="http://schemas.openxmlformats.org/drawingml/2006/main" xmlns:r="http://schemas.openxmlformats.org/officeDocument/2006/relationships" xmlns:p="http://schemas.openxmlformats.org/presentationml/2006/main">
   <p:cSld>
     <p:spTree>
       <p:nvGrpSpPr>
-        <p:cNvPr id="66" name="Shape 66"/>
+        <p:cNvPr id="1" name="Shape 66"/>
         <p:cNvGrpSpPr/>
         <p:nvPr/>
       </p:nvGrpSpPr>
@@ -8326,7 +8565,9 @@
       <p:sp>
         <p:nvSpPr>
           <p:cNvPr id="67" name="Google Shape;67;p15"/>
-          <p:cNvSpPr txBox="1"/>
+          <p:cNvSpPr txBox="1">
+            <a:spLocks noGrp="1"/>
+          </p:cNvSpPr>
           <p:nvPr>
             <p:ph type="title"/>
           </p:nvPr>
@@ -8341,12 +8582,12 @@
           </a:prstGeom>
         </p:spPr>
         <p:txBody>
-          <a:bodyPr anchorCtr="0" anchor="t" bIns="91425" lIns="91425" spcFirstLastPara="1" rIns="91425" wrap="square" tIns="91425">
+          <a:bodyPr spcFirstLastPara="1" wrap="square" lIns="91425" tIns="91425" rIns="91425" bIns="91425" anchor="t" anchorCtr="0">
             <a:noAutofit/>
           </a:bodyPr>
           <a:lstStyle/>
           <a:p>
-            <a:pPr indent="0" lvl="0" marL="0" rtl="0" algn="l">
+            <a:pPr marL="0" lvl="0" indent="0" algn="l" rtl="0">
               <a:spcBef>
                 <a:spcPts val="0"/>
               </a:spcBef>
@@ -8370,9 +8611,11 @@
       <p:sp>
         <p:nvSpPr>
           <p:cNvPr id="68" name="Google Shape;68;p15"/>
-          <p:cNvSpPr txBox="1"/>
+          <p:cNvSpPr txBox="1">
+            <a:spLocks noGrp="1"/>
+          </p:cNvSpPr>
           <p:nvPr>
-            <p:ph idx="1" type="body"/>
+            <p:ph type="body" idx="1"/>
           </p:nvPr>
         </p:nvSpPr>
         <p:spPr>
@@ -8385,12 +8628,12 @@
           </a:prstGeom>
         </p:spPr>
         <p:txBody>
-          <a:bodyPr anchorCtr="0" anchor="t" bIns="91425" lIns="91425" spcFirstLastPara="1" rIns="91425" wrap="square" tIns="91425">
+          <a:bodyPr spcFirstLastPara="1" wrap="square" lIns="91425" tIns="91425" rIns="91425" bIns="91425" anchor="t" anchorCtr="0">
             <a:noAutofit/>
           </a:bodyPr>
           <a:lstStyle/>
           <a:p>
-            <a:pPr indent="-342900" lvl="0" marL="457200" rtl="0" algn="l">
+            <a:pPr marL="457200" lvl="0" indent="-342900" algn="l" rtl="0">
               <a:spcBef>
                 <a:spcPts val="0"/>
               </a:spcBef>
@@ -8407,7 +8650,7 @@
             <a:endParaRPr/>
           </a:p>
           <a:p>
-            <a:pPr indent="-342900" lvl="0" marL="457200" rtl="0" algn="l">
+            <a:pPr marL="457200" lvl="0" indent="-342900" algn="l" rtl="0">
               <a:spcBef>
                 <a:spcPts val="0"/>
               </a:spcBef>
@@ -8424,7 +8667,7 @@
             <a:endParaRPr/>
           </a:p>
           <a:p>
-            <a:pPr indent="-342900" lvl="0" marL="457200" rtl="0" algn="l">
+            <a:pPr marL="457200" lvl="0" indent="-342900" algn="l" rtl="0">
               <a:spcBef>
                 <a:spcPts val="0"/>
               </a:spcBef>
@@ -8441,7 +8684,7 @@
             <a:endParaRPr/>
           </a:p>
           <a:p>
-            <a:pPr indent="-342900" lvl="0" marL="457200" rtl="0" algn="l">
+            <a:pPr marL="457200" lvl="0" indent="-342900" algn="l" rtl="0">
               <a:spcBef>
                 <a:spcPts val="0"/>
               </a:spcBef>
@@ -8458,7 +8701,7 @@
             <a:endParaRPr/>
           </a:p>
           <a:p>
-            <a:pPr indent="-342900" lvl="0" marL="457200" rtl="0" algn="l">
+            <a:pPr marL="457200" lvl="0" indent="-342900" algn="l" rtl="0">
               <a:spcBef>
                 <a:spcPts val="0"/>
               </a:spcBef>
@@ -8485,11 +8728,11 @@
 </file>
 
 <file path=ppt/slides/slide4.xml><?xml version="1.0" encoding="utf-8"?>
-<p:sld xmlns:a="http://schemas.openxmlformats.org/drawingml/2006/main" xmlns:r="http://schemas.openxmlformats.org/officeDocument/2006/relationships" xmlns:mc="http://schemas.openxmlformats.org/markup-compatibility/2006" xmlns:mv="urn:schemas-microsoft-com:mac:vml" xmlns:p="http://schemas.openxmlformats.org/presentationml/2006/main" xmlns:c="http://schemas.openxmlformats.org/drawingml/2006/chart" xmlns:dgm="http://schemas.openxmlformats.org/drawingml/2006/diagram" xmlns:o="urn:schemas-microsoft-com:office:office" xmlns:v="urn:schemas-microsoft-com:vml" xmlns:pvml="urn:schemas-microsoft-com:office:powerpoint" xmlns:com="http://schemas.openxmlformats.org/drawingml/2006/compatibility" xmlns:p14="http://schemas.microsoft.com/office/powerpoint/2010/main" xmlns:p15="http://schemas.microsoft.com/office/powerpoint/2012/main">
+<p:sld xmlns:a="http://schemas.openxmlformats.org/drawingml/2006/main" xmlns:r="http://schemas.openxmlformats.org/officeDocument/2006/relationships" xmlns:p="http://schemas.openxmlformats.org/presentationml/2006/main">
   <p:cSld>
     <p:spTree>
       <p:nvGrpSpPr>
-        <p:cNvPr id="72" name="Shape 72"/>
+        <p:cNvPr id="1" name="Shape 72"/>
         <p:cNvGrpSpPr/>
         <p:nvPr/>
       </p:nvGrpSpPr>
@@ -8504,7 +8747,9 @@
       <p:sp>
         <p:nvSpPr>
           <p:cNvPr id="73" name="Google Shape;73;p16"/>
-          <p:cNvSpPr txBox="1"/>
+          <p:cNvSpPr txBox="1">
+            <a:spLocks noGrp="1"/>
+          </p:cNvSpPr>
           <p:nvPr>
             <p:ph type="title"/>
           </p:nvPr>
@@ -8519,12 +8764,12 @@
           </a:prstGeom>
         </p:spPr>
         <p:txBody>
-          <a:bodyPr anchorCtr="0" anchor="t" bIns="91425" lIns="91425" spcFirstLastPara="1" rIns="91425" wrap="square" tIns="91425">
+          <a:bodyPr spcFirstLastPara="1" wrap="square" lIns="91425" tIns="91425" rIns="91425" bIns="91425" anchor="t" anchorCtr="0">
             <a:noAutofit/>
           </a:bodyPr>
           <a:lstStyle/>
           <a:p>
-            <a:pPr indent="0" lvl="0" marL="0" rtl="0" algn="l">
+            <a:pPr marL="0" lvl="0" indent="0" algn="l" rtl="0">
               <a:spcBef>
                 <a:spcPts val="0"/>
               </a:spcBef>
@@ -8548,9 +8793,11 @@
       <p:sp>
         <p:nvSpPr>
           <p:cNvPr id="74" name="Google Shape;74;p16"/>
-          <p:cNvSpPr txBox="1"/>
+          <p:cNvSpPr txBox="1">
+            <a:spLocks noGrp="1"/>
+          </p:cNvSpPr>
           <p:nvPr>
-            <p:ph idx="1" type="body"/>
+            <p:ph type="body" idx="1"/>
           </p:nvPr>
         </p:nvSpPr>
         <p:spPr>
@@ -8563,12 +8810,12 @@
           </a:prstGeom>
         </p:spPr>
         <p:txBody>
-          <a:bodyPr anchorCtr="0" anchor="t" bIns="91425" lIns="91425" spcFirstLastPara="1" rIns="91425" wrap="square" tIns="91425">
+          <a:bodyPr spcFirstLastPara="1" wrap="square" lIns="91425" tIns="91425" rIns="91425" bIns="91425" anchor="t" anchorCtr="0">
             <a:noAutofit/>
           </a:bodyPr>
           <a:lstStyle/>
           <a:p>
-            <a:pPr indent="-342900" lvl="0" marL="457200" rtl="0" algn="l">
+            <a:pPr marL="457200" lvl="0" indent="-342900" algn="l" rtl="0">
               <a:spcBef>
                 <a:spcPts val="0"/>
               </a:spcBef>
@@ -8585,7 +8832,7 @@
             <a:endParaRPr/>
           </a:p>
           <a:p>
-            <a:pPr indent="-342900" lvl="0" marL="457200" rtl="0" algn="l">
+            <a:pPr marL="457200" lvl="0" indent="-342900" algn="l" rtl="0">
               <a:spcBef>
                 <a:spcPts val="0"/>
               </a:spcBef>
@@ -8668,11 +8915,11 @@
 </file>
 
 <file path=ppt/slides/slide5.xml><?xml version="1.0" encoding="utf-8"?>
-<p:sld xmlns:a="http://schemas.openxmlformats.org/drawingml/2006/main" xmlns:r="http://schemas.openxmlformats.org/officeDocument/2006/relationships" xmlns:mc="http://schemas.openxmlformats.org/markup-compatibility/2006" xmlns:mv="urn:schemas-microsoft-com:mac:vml" xmlns:p="http://schemas.openxmlformats.org/presentationml/2006/main" xmlns:c="http://schemas.openxmlformats.org/drawingml/2006/chart" xmlns:dgm="http://schemas.openxmlformats.org/drawingml/2006/diagram" xmlns:o="urn:schemas-microsoft-com:office:office" xmlns:v="urn:schemas-microsoft-com:vml" xmlns:pvml="urn:schemas-microsoft-com:office:powerpoint" xmlns:com="http://schemas.openxmlformats.org/drawingml/2006/compatibility" xmlns:p14="http://schemas.microsoft.com/office/powerpoint/2010/main" xmlns:p15="http://schemas.microsoft.com/office/powerpoint/2012/main">
+<p:sld xmlns:a="http://schemas.openxmlformats.org/drawingml/2006/main" xmlns:r="http://schemas.openxmlformats.org/officeDocument/2006/relationships" xmlns:p="http://schemas.openxmlformats.org/presentationml/2006/main">
   <p:cSld>
     <p:spTree>
       <p:nvGrpSpPr>
-        <p:cNvPr id="80" name="Shape 80"/>
+        <p:cNvPr id="1" name="Shape 80"/>
         <p:cNvGrpSpPr/>
         <p:nvPr/>
       </p:nvGrpSpPr>
@@ -8687,7 +8934,9 @@
       <p:sp>
         <p:nvSpPr>
           <p:cNvPr id="81" name="Google Shape;81;p17"/>
-          <p:cNvSpPr txBox="1"/>
+          <p:cNvSpPr txBox="1">
+            <a:spLocks noGrp="1"/>
+          </p:cNvSpPr>
           <p:nvPr>
             <p:ph type="title"/>
           </p:nvPr>
@@ -8702,12 +8951,12 @@
           </a:prstGeom>
         </p:spPr>
         <p:txBody>
-          <a:bodyPr anchorCtr="0" anchor="t" bIns="91425" lIns="91425" spcFirstLastPara="1" rIns="91425" wrap="square" tIns="91425">
+          <a:bodyPr spcFirstLastPara="1" wrap="square" lIns="91425" tIns="91425" rIns="91425" bIns="91425" anchor="t" anchorCtr="0">
             <a:noAutofit/>
           </a:bodyPr>
           <a:lstStyle/>
           <a:p>
-            <a:pPr indent="0" lvl="0" marL="0" rtl="0" algn="l">
+            <a:pPr marL="0" lvl="0" indent="0" algn="l" rtl="0">
               <a:spcBef>
                 <a:spcPts val="0"/>
               </a:spcBef>
@@ -8731,9 +8980,11 @@
       <p:sp>
         <p:nvSpPr>
           <p:cNvPr id="82" name="Google Shape;82;p17"/>
-          <p:cNvSpPr txBox="1"/>
+          <p:cNvSpPr txBox="1">
+            <a:spLocks noGrp="1"/>
+          </p:cNvSpPr>
           <p:nvPr>
-            <p:ph idx="1" type="body"/>
+            <p:ph type="body" idx="1"/>
           </p:nvPr>
         </p:nvSpPr>
         <p:spPr>
@@ -8746,12 +8997,12 @@
           </a:prstGeom>
         </p:spPr>
         <p:txBody>
-          <a:bodyPr anchorCtr="0" anchor="t" bIns="91425" lIns="91425" spcFirstLastPara="1" rIns="91425" wrap="square" tIns="91425">
+          <a:bodyPr spcFirstLastPara="1" wrap="square" lIns="91425" tIns="91425" rIns="91425" bIns="91425" anchor="t" anchorCtr="0">
             <a:noAutofit/>
           </a:bodyPr>
           <a:lstStyle/>
           <a:p>
-            <a:pPr indent="0" lvl="0" marL="0" rtl="0" algn="l">
+            <a:pPr marL="0" lvl="0" indent="0" algn="l" rtl="0">
               <a:spcBef>
                 <a:spcPts val="0"/>
               </a:spcBef>
@@ -8767,7 +9018,7 @@
             <a:endParaRPr/>
           </a:p>
           <a:p>
-            <a:pPr indent="-317500" lvl="0" marL="457200" rtl="0" algn="l">
+            <a:pPr marL="457200" lvl="0" indent="-317500" algn="l" rtl="0">
               <a:spcBef>
                 <a:spcPts val="1600"/>
               </a:spcBef>
@@ -8784,7 +9035,7 @@
             <a:endParaRPr sz="1400"/>
           </a:p>
           <a:p>
-            <a:pPr indent="-317500" lvl="1" marL="914400" rtl="0" algn="l">
+            <a:pPr marL="914400" lvl="1" indent="-317500" algn="l" rtl="0">
               <a:spcBef>
                 <a:spcPts val="0"/>
               </a:spcBef>
@@ -8801,7 +9052,7 @@
             <a:endParaRPr/>
           </a:p>
           <a:p>
-            <a:pPr indent="-317500" lvl="0" marL="457200" rtl="0" algn="l">
+            <a:pPr marL="457200" lvl="0" indent="-317500" algn="l" rtl="0">
               <a:spcBef>
                 <a:spcPts val="0"/>
               </a:spcBef>
@@ -8818,7 +9069,7 @@
             <a:endParaRPr sz="1400"/>
           </a:p>
           <a:p>
-            <a:pPr indent="-317500" lvl="1" marL="914400" rtl="0" algn="l">
+            <a:pPr marL="914400" lvl="1" indent="-317500" algn="l" rtl="0">
               <a:spcBef>
                 <a:spcPts val="0"/>
               </a:spcBef>
@@ -8835,7 +9086,7 @@
             <a:endParaRPr/>
           </a:p>
           <a:p>
-            <a:pPr indent="-317500" lvl="0" marL="457200" rtl="0" algn="l">
+            <a:pPr marL="457200" lvl="0" indent="-317500" algn="l" rtl="0">
               <a:spcBef>
                 <a:spcPts val="0"/>
               </a:spcBef>
@@ -8863,7 +9114,7 @@
             </a:endParaRPr>
           </a:p>
           <a:p>
-            <a:pPr indent="-317500" lvl="1" marL="914400" rtl="0" algn="l">
+            <a:pPr marL="914400" lvl="1" indent="-317500" algn="l" rtl="0">
               <a:spcBef>
                 <a:spcPts val="0"/>
               </a:spcBef>
@@ -8891,9 +9142,11 @@
       <p:sp>
         <p:nvSpPr>
           <p:cNvPr id="83" name="Google Shape;83;p17"/>
-          <p:cNvSpPr txBox="1"/>
+          <p:cNvSpPr txBox="1">
+            <a:spLocks noGrp="1"/>
+          </p:cNvSpPr>
           <p:nvPr>
-            <p:ph idx="1" type="body"/>
+            <p:ph type="body" idx="1"/>
           </p:nvPr>
         </p:nvSpPr>
         <p:spPr>
@@ -8906,12 +9159,12 @@
           </a:prstGeom>
         </p:spPr>
         <p:txBody>
-          <a:bodyPr anchorCtr="0" anchor="t" bIns="91425" lIns="91425" spcFirstLastPara="1" rIns="91425" wrap="square" tIns="91425">
+          <a:bodyPr spcFirstLastPara="1" wrap="square" lIns="91425" tIns="91425" rIns="91425" bIns="91425" anchor="t" anchorCtr="0">
             <a:noAutofit/>
           </a:bodyPr>
           <a:lstStyle/>
           <a:p>
-            <a:pPr indent="0" lvl="0" marL="0" rtl="0" algn="l">
+            <a:pPr marL="0" lvl="0" indent="0" algn="l" rtl="0">
               <a:spcBef>
                 <a:spcPts val="0"/>
               </a:spcBef>
@@ -8927,7 +9180,7 @@
             <a:endParaRPr/>
           </a:p>
           <a:p>
-            <a:pPr indent="-317500" lvl="0" marL="457200" rtl="0" algn="l">
+            <a:pPr marL="457200" lvl="0" indent="-317500" algn="l" rtl="0">
               <a:spcBef>
                 <a:spcPts val="1600"/>
               </a:spcBef>
@@ -8944,7 +9197,7 @@
             <a:endParaRPr sz="1400"/>
           </a:p>
           <a:p>
-            <a:pPr indent="-317500" lvl="1" marL="914400" rtl="0" algn="l">
+            <a:pPr marL="914400" lvl="1" indent="-317500" algn="l" rtl="0">
               <a:spcBef>
                 <a:spcPts val="0"/>
               </a:spcBef>
@@ -8965,7 +9218,7 @@
             <a:endParaRPr/>
           </a:p>
           <a:p>
-            <a:pPr indent="-317500" lvl="0" marL="457200" rtl="0" algn="l">
+            <a:pPr marL="457200" lvl="0" indent="-317500" algn="l" rtl="0">
               <a:spcBef>
                 <a:spcPts val="0"/>
               </a:spcBef>
@@ -8982,7 +9235,7 @@
             <a:endParaRPr sz="1400"/>
           </a:p>
           <a:p>
-            <a:pPr indent="-317500" lvl="1" marL="914400" rtl="0" algn="l">
+            <a:pPr marL="914400" lvl="1" indent="-317500" algn="l" rtl="0">
               <a:spcBef>
                 <a:spcPts val="0"/>
               </a:spcBef>
@@ -8999,7 +9252,7 @@
             <a:endParaRPr/>
           </a:p>
           <a:p>
-            <a:pPr indent="-317500" lvl="0" marL="457200" rtl="0" algn="l">
+            <a:pPr marL="457200" lvl="0" indent="-317500" algn="l" rtl="0">
               <a:spcBef>
                 <a:spcPts val="0"/>
               </a:spcBef>
@@ -9016,7 +9269,7 @@
             <a:endParaRPr sz="1400"/>
           </a:p>
           <a:p>
-            <a:pPr indent="-317500" lvl="1" marL="914400" rtl="0" algn="l">
+            <a:pPr marL="914400" lvl="1" indent="-317500" algn="l" rtl="0">
               <a:spcBef>
                 <a:spcPts val="0"/>
               </a:spcBef>
@@ -9043,11 +9296,11 @@
 </file>
 
 <file path=ppt/slides/slide6.xml><?xml version="1.0" encoding="utf-8"?>
-<p:sld xmlns:a="http://schemas.openxmlformats.org/drawingml/2006/main" xmlns:r="http://schemas.openxmlformats.org/officeDocument/2006/relationships" xmlns:mc="http://schemas.openxmlformats.org/markup-compatibility/2006" xmlns:mv="urn:schemas-microsoft-com:mac:vml" xmlns:p="http://schemas.openxmlformats.org/presentationml/2006/main" xmlns:c="http://schemas.openxmlformats.org/drawingml/2006/chart" xmlns:dgm="http://schemas.openxmlformats.org/drawingml/2006/diagram" xmlns:o="urn:schemas-microsoft-com:office:office" xmlns:v="urn:schemas-microsoft-com:vml" xmlns:pvml="urn:schemas-microsoft-com:office:powerpoint" xmlns:com="http://schemas.openxmlformats.org/drawingml/2006/compatibility" xmlns:p14="http://schemas.microsoft.com/office/powerpoint/2010/main" xmlns:p15="http://schemas.microsoft.com/office/powerpoint/2012/main">
+<p:sld xmlns:a="http://schemas.openxmlformats.org/drawingml/2006/main" xmlns:r="http://schemas.openxmlformats.org/officeDocument/2006/relationships" xmlns:p="http://schemas.openxmlformats.org/presentationml/2006/main">
   <p:cSld>
     <p:spTree>
       <p:nvGrpSpPr>
-        <p:cNvPr id="87" name="Shape 87"/>
+        <p:cNvPr id="1" name="Shape 87"/>
         <p:cNvGrpSpPr/>
         <p:nvPr/>
       </p:nvGrpSpPr>
@@ -9062,7 +9315,9 @@
       <p:sp>
         <p:nvSpPr>
           <p:cNvPr id="88" name="Google Shape;88;p18"/>
-          <p:cNvSpPr txBox="1"/>
+          <p:cNvSpPr txBox="1">
+            <a:spLocks noGrp="1"/>
+          </p:cNvSpPr>
           <p:nvPr>
             <p:ph type="title"/>
           </p:nvPr>
@@ -9077,12 +9332,12 @@
           </a:prstGeom>
         </p:spPr>
         <p:txBody>
-          <a:bodyPr anchorCtr="0" anchor="t" bIns="91425" lIns="91425" spcFirstLastPara="1" rIns="91425" wrap="square" tIns="91425">
+          <a:bodyPr spcFirstLastPara="1" wrap="square" lIns="91425" tIns="91425" rIns="91425" bIns="91425" anchor="t" anchorCtr="0">
             <a:noAutofit/>
           </a:bodyPr>
           <a:lstStyle/>
           <a:p>
-            <a:pPr indent="0" lvl="0" marL="0" rtl="0" algn="l">
+            <a:pPr marL="0" lvl="0" indent="0" algn="l" rtl="0">
               <a:spcBef>
                 <a:spcPts val="0"/>
               </a:spcBef>
@@ -9091,9 +9346,6 @@
               </a:spcAft>
               <a:buNone/>
             </a:pPr>
-            <a:r>
-              <a:t/>
-            </a:r>
             <a:endParaRPr/>
           </a:p>
         </p:txBody>
@@ -9101,9 +9353,11 @@
       <p:sp>
         <p:nvSpPr>
           <p:cNvPr id="89" name="Google Shape;89;p18"/>
-          <p:cNvSpPr txBox="1"/>
+          <p:cNvSpPr txBox="1">
+            <a:spLocks noGrp="1"/>
+          </p:cNvSpPr>
           <p:nvPr>
-            <p:ph idx="1" type="body"/>
+            <p:ph type="body" idx="1"/>
           </p:nvPr>
         </p:nvSpPr>
         <p:spPr>
@@ -9116,12 +9370,12 @@
           </a:prstGeom>
         </p:spPr>
         <p:txBody>
-          <a:bodyPr anchorCtr="0" anchor="t" bIns="91425" lIns="91425" spcFirstLastPara="1" rIns="91425" wrap="square" tIns="91425">
+          <a:bodyPr spcFirstLastPara="1" wrap="square" lIns="91425" tIns="91425" rIns="91425" bIns="91425" anchor="t" anchorCtr="0">
             <a:noAutofit/>
           </a:bodyPr>
           <a:lstStyle/>
           <a:p>
-            <a:pPr indent="0" lvl="0" marL="0" rtl="0" algn="l">
+            <a:pPr marL="0" lvl="0" indent="0" algn="l" rtl="0">
               <a:spcBef>
                 <a:spcPts val="0"/>
               </a:spcBef>
@@ -9130,9 +9384,6 @@
               </a:spcAft>
               <a:buNone/>
             </a:pPr>
-            <a:r>
-              <a:t/>
-            </a:r>
             <a:endParaRPr/>
           </a:p>
         </p:txBody>
@@ -9174,11 +9425,11 @@
 </file>
 
 <file path=ppt/slides/slide7.xml><?xml version="1.0" encoding="utf-8"?>
-<p:sld xmlns:a="http://schemas.openxmlformats.org/drawingml/2006/main" xmlns:r="http://schemas.openxmlformats.org/officeDocument/2006/relationships" xmlns:mc="http://schemas.openxmlformats.org/markup-compatibility/2006" xmlns:mv="urn:schemas-microsoft-com:mac:vml" xmlns:p="http://schemas.openxmlformats.org/presentationml/2006/main" xmlns:c="http://schemas.openxmlformats.org/drawingml/2006/chart" xmlns:dgm="http://schemas.openxmlformats.org/drawingml/2006/diagram" xmlns:o="urn:schemas-microsoft-com:office:office" xmlns:v="urn:schemas-microsoft-com:vml" xmlns:pvml="urn:schemas-microsoft-com:office:powerpoint" xmlns:com="http://schemas.openxmlformats.org/drawingml/2006/compatibility" xmlns:p14="http://schemas.microsoft.com/office/powerpoint/2010/main" xmlns:p15="http://schemas.microsoft.com/office/powerpoint/2012/main">
+<p:sld xmlns:a="http://schemas.openxmlformats.org/drawingml/2006/main" xmlns:r="http://schemas.openxmlformats.org/officeDocument/2006/relationships" xmlns:p="http://schemas.openxmlformats.org/presentationml/2006/main">
   <p:cSld>
     <p:spTree>
       <p:nvGrpSpPr>
-        <p:cNvPr id="94" name="Shape 94"/>
+        <p:cNvPr id="1" name="Shape 94"/>
         <p:cNvGrpSpPr/>
         <p:nvPr/>
       </p:nvGrpSpPr>
@@ -9193,7 +9444,9 @@
       <p:sp>
         <p:nvSpPr>
           <p:cNvPr id="95" name="Google Shape;95;p19"/>
-          <p:cNvSpPr txBox="1"/>
+          <p:cNvSpPr txBox="1">
+            <a:spLocks noGrp="1"/>
+          </p:cNvSpPr>
           <p:nvPr>
             <p:ph type="title"/>
           </p:nvPr>
@@ -9208,12 +9461,12 @@
           </a:prstGeom>
         </p:spPr>
         <p:txBody>
-          <a:bodyPr anchorCtr="0" anchor="t" bIns="91425" lIns="91425" spcFirstLastPara="1" rIns="91425" wrap="square" tIns="91425">
+          <a:bodyPr spcFirstLastPara="1" wrap="square" lIns="91425" tIns="91425" rIns="91425" bIns="91425" anchor="t" anchorCtr="0">
             <a:noAutofit/>
           </a:bodyPr>
           <a:lstStyle/>
           <a:p>
-            <a:pPr indent="0" lvl="0" marL="0" rtl="0" algn="l">
+            <a:pPr marL="0" lvl="0" indent="0" algn="l" rtl="0">
               <a:spcBef>
                 <a:spcPts val="0"/>
               </a:spcBef>
@@ -9222,9 +9475,6 @@
               </a:spcAft>
               <a:buNone/>
             </a:pPr>
-            <a:r>
-              <a:t/>
-            </a:r>
             <a:endParaRPr/>
           </a:p>
         </p:txBody>
@@ -9232,9 +9482,11 @@
       <p:sp>
         <p:nvSpPr>
           <p:cNvPr id="96" name="Google Shape;96;p19"/>
-          <p:cNvSpPr txBox="1"/>
+          <p:cNvSpPr txBox="1">
+            <a:spLocks noGrp="1"/>
+          </p:cNvSpPr>
           <p:nvPr>
-            <p:ph idx="1" type="body"/>
+            <p:ph type="body" idx="1"/>
           </p:nvPr>
         </p:nvSpPr>
         <p:spPr>
@@ -9247,12 +9499,12 @@
           </a:prstGeom>
         </p:spPr>
         <p:txBody>
-          <a:bodyPr anchorCtr="0" anchor="t" bIns="91425" lIns="91425" spcFirstLastPara="1" rIns="91425" wrap="square" tIns="91425">
+          <a:bodyPr spcFirstLastPara="1" wrap="square" lIns="91425" tIns="91425" rIns="91425" bIns="91425" anchor="t" anchorCtr="0">
             <a:noAutofit/>
           </a:bodyPr>
           <a:lstStyle/>
           <a:p>
-            <a:pPr indent="0" lvl="0" marL="0" rtl="0" algn="l">
+            <a:pPr marL="0" lvl="0" indent="0" algn="l" rtl="0">
               <a:spcBef>
                 <a:spcPts val="0"/>
               </a:spcBef>
@@ -9261,9 +9513,6 @@
               </a:spcAft>
               <a:buNone/>
             </a:pPr>
-            <a:r>
-              <a:t/>
-            </a:r>
             <a:endParaRPr/>
           </a:p>
         </p:txBody>
@@ -9305,11 +9554,11 @@
 </file>
 
 <file path=ppt/slides/slide8.xml><?xml version="1.0" encoding="utf-8"?>
-<p:sld xmlns:a="http://schemas.openxmlformats.org/drawingml/2006/main" xmlns:r="http://schemas.openxmlformats.org/officeDocument/2006/relationships" xmlns:mc="http://schemas.openxmlformats.org/markup-compatibility/2006" xmlns:mv="urn:schemas-microsoft-com:mac:vml" xmlns:p="http://schemas.openxmlformats.org/presentationml/2006/main" xmlns:c="http://schemas.openxmlformats.org/drawingml/2006/chart" xmlns:dgm="http://schemas.openxmlformats.org/drawingml/2006/diagram" xmlns:o="urn:schemas-microsoft-com:office:office" xmlns:v="urn:schemas-microsoft-com:vml" xmlns:pvml="urn:schemas-microsoft-com:office:powerpoint" xmlns:com="http://schemas.openxmlformats.org/drawingml/2006/compatibility" xmlns:p14="http://schemas.microsoft.com/office/powerpoint/2010/main" xmlns:p15="http://schemas.microsoft.com/office/powerpoint/2012/main">
+<p:sld xmlns:a="http://schemas.openxmlformats.org/drawingml/2006/main" xmlns:r="http://schemas.openxmlformats.org/officeDocument/2006/relationships" xmlns:p="http://schemas.openxmlformats.org/presentationml/2006/main">
   <p:cSld>
     <p:spTree>
       <p:nvGrpSpPr>
-        <p:cNvPr id="101" name="Shape 101"/>
+        <p:cNvPr id="1" name="Shape 101"/>
         <p:cNvGrpSpPr/>
         <p:nvPr/>
       </p:nvGrpSpPr>
@@ -9324,7 +9573,9 @@
       <p:sp>
         <p:nvSpPr>
           <p:cNvPr id="102" name="Google Shape;102;p20"/>
-          <p:cNvSpPr txBox="1"/>
+          <p:cNvSpPr txBox="1">
+            <a:spLocks noGrp="1"/>
+          </p:cNvSpPr>
           <p:nvPr>
             <p:ph type="title"/>
           </p:nvPr>
@@ -9339,12 +9590,12 @@
           </a:prstGeom>
         </p:spPr>
         <p:txBody>
-          <a:bodyPr anchorCtr="0" anchor="t" bIns="91425" lIns="91425" spcFirstLastPara="1" rIns="91425" wrap="square" tIns="91425">
+          <a:bodyPr spcFirstLastPara="1" wrap="square" lIns="91425" tIns="91425" rIns="91425" bIns="91425" anchor="t" anchorCtr="0">
             <a:noAutofit/>
           </a:bodyPr>
           <a:lstStyle/>
           <a:p>
-            <a:pPr indent="0" lvl="0" marL="0" rtl="0" algn="l">
+            <a:pPr marL="0" lvl="0" indent="0" algn="l" rtl="0">
               <a:spcBef>
                 <a:spcPts val="0"/>
               </a:spcBef>
@@ -9353,9 +9604,6 @@
               </a:spcAft>
               <a:buNone/>
             </a:pPr>
-            <a:r>
-              <a:t/>
-            </a:r>
             <a:endParaRPr/>
           </a:p>
         </p:txBody>
@@ -9363,9 +9611,11 @@
       <p:sp>
         <p:nvSpPr>
           <p:cNvPr id="103" name="Google Shape;103;p20"/>
-          <p:cNvSpPr txBox="1"/>
+          <p:cNvSpPr txBox="1">
+            <a:spLocks noGrp="1"/>
+          </p:cNvSpPr>
           <p:nvPr>
-            <p:ph idx="1" type="body"/>
+            <p:ph type="body" idx="1"/>
           </p:nvPr>
         </p:nvSpPr>
         <p:spPr>
@@ -9378,12 +9628,12 @@
           </a:prstGeom>
         </p:spPr>
         <p:txBody>
-          <a:bodyPr anchorCtr="0" anchor="t" bIns="91425" lIns="91425" spcFirstLastPara="1" rIns="91425" wrap="square" tIns="91425">
+          <a:bodyPr spcFirstLastPara="1" wrap="square" lIns="91425" tIns="91425" rIns="91425" bIns="91425" anchor="t" anchorCtr="0">
             <a:noAutofit/>
           </a:bodyPr>
           <a:lstStyle/>
           <a:p>
-            <a:pPr indent="0" lvl="0" marL="0" rtl="0" algn="l">
+            <a:pPr marL="0" lvl="0" indent="0" algn="l" rtl="0">
               <a:spcBef>
                 <a:spcPts val="0"/>
               </a:spcBef>
@@ -9392,9 +9642,6 @@
               </a:spcAft>
               <a:buNone/>
             </a:pPr>
-            <a:r>
-              <a:t/>
-            </a:r>
             <a:endParaRPr/>
           </a:p>
         </p:txBody>
@@ -9436,11 +9683,11 @@
 </file>
 
 <file path=ppt/slides/slide9.xml><?xml version="1.0" encoding="utf-8"?>
-<p:sld xmlns:a="http://schemas.openxmlformats.org/drawingml/2006/main" xmlns:r="http://schemas.openxmlformats.org/officeDocument/2006/relationships" xmlns:mc="http://schemas.openxmlformats.org/markup-compatibility/2006" xmlns:mv="urn:schemas-microsoft-com:mac:vml" xmlns:p="http://schemas.openxmlformats.org/presentationml/2006/main" xmlns:c="http://schemas.openxmlformats.org/drawingml/2006/chart" xmlns:dgm="http://schemas.openxmlformats.org/drawingml/2006/diagram" xmlns:o="urn:schemas-microsoft-com:office:office" xmlns:v="urn:schemas-microsoft-com:vml" xmlns:pvml="urn:schemas-microsoft-com:office:powerpoint" xmlns:com="http://schemas.openxmlformats.org/drawingml/2006/compatibility" xmlns:p14="http://schemas.microsoft.com/office/powerpoint/2010/main" xmlns:p15="http://schemas.microsoft.com/office/powerpoint/2012/main">
+<p:sld xmlns:a="http://schemas.openxmlformats.org/drawingml/2006/main" xmlns:r="http://schemas.openxmlformats.org/officeDocument/2006/relationships" xmlns:p="http://schemas.openxmlformats.org/presentationml/2006/main">
   <p:cSld>
     <p:spTree>
       <p:nvGrpSpPr>
-        <p:cNvPr id="108" name="Shape 108"/>
+        <p:cNvPr id="1" name="Shape 108"/>
         <p:cNvGrpSpPr/>
         <p:nvPr/>
       </p:nvGrpSpPr>
@@ -9455,7 +9702,9 @@
       <p:sp>
         <p:nvSpPr>
           <p:cNvPr id="109" name="Google Shape;109;p21"/>
-          <p:cNvSpPr txBox="1"/>
+          <p:cNvSpPr txBox="1">
+            <a:spLocks noGrp="1"/>
+          </p:cNvSpPr>
           <p:nvPr>
             <p:ph type="title"/>
           </p:nvPr>
@@ -9470,12 +9719,12 @@
           </a:prstGeom>
         </p:spPr>
         <p:txBody>
-          <a:bodyPr anchorCtr="0" anchor="t" bIns="91425" lIns="91425" spcFirstLastPara="1" rIns="91425" wrap="square" tIns="91425">
+          <a:bodyPr spcFirstLastPara="1" wrap="square" lIns="91425" tIns="91425" rIns="91425" bIns="91425" anchor="t" anchorCtr="0">
             <a:noAutofit/>
           </a:bodyPr>
           <a:lstStyle/>
           <a:p>
-            <a:pPr indent="0" lvl="0" marL="0" rtl="0" algn="l">
+            <a:pPr marL="0" lvl="0" indent="0" algn="l" rtl="0">
               <a:spcBef>
                 <a:spcPts val="0"/>
               </a:spcBef>
@@ -9484,9 +9733,6 @@
               </a:spcAft>
               <a:buNone/>
             </a:pPr>
-            <a:r>
-              <a:t/>
-            </a:r>
             <a:endParaRPr/>
           </a:p>
         </p:txBody>
@@ -9494,9 +9740,11 @@
       <p:sp>
         <p:nvSpPr>
           <p:cNvPr id="110" name="Google Shape;110;p21"/>
-          <p:cNvSpPr txBox="1"/>
+          <p:cNvSpPr txBox="1">
+            <a:spLocks noGrp="1"/>
+          </p:cNvSpPr>
           <p:nvPr>
-            <p:ph idx="1" type="body"/>
+            <p:ph type="body" idx="1"/>
           </p:nvPr>
         </p:nvSpPr>
         <p:spPr>
@@ -9509,12 +9757,12 @@
           </a:prstGeom>
         </p:spPr>
         <p:txBody>
-          <a:bodyPr anchorCtr="0" anchor="t" bIns="91425" lIns="91425" spcFirstLastPara="1" rIns="91425" wrap="square" tIns="91425">
+          <a:bodyPr spcFirstLastPara="1" wrap="square" lIns="91425" tIns="91425" rIns="91425" bIns="91425" anchor="t" anchorCtr="0">
             <a:noAutofit/>
           </a:bodyPr>
           <a:lstStyle/>
           <a:p>
-            <a:pPr indent="0" lvl="0" marL="0" rtl="0" algn="l">
+            <a:pPr marL="0" lvl="0" indent="0" algn="l" rtl="0">
               <a:spcBef>
                 <a:spcPts val="0"/>
               </a:spcBef>
@@ -9523,9 +9771,6 @@
               </a:spcAft>
               <a:buNone/>
             </a:pPr>
-            <a:r>
-              <a:t/>
-            </a:r>
             <a:endParaRPr/>
           </a:p>
         </p:txBody>
@@ -9567,7 +9812,7 @@
 </file>
 
 <file path=ppt/theme/theme1.xml><?xml version="1.0" encoding="utf-8"?>
-<a:theme xmlns:a="http://schemas.openxmlformats.org/drawingml/2006/main" xmlns:r="http://schemas.openxmlformats.org/officeDocument/2006/relationships" name="Simple Light">
+<a:theme xmlns:a="http://schemas.openxmlformats.org/drawingml/2006/main" name="Simple Light">
   <a:themeElements>
     <a:clrScheme name="Simple Light">
       <a:dk1>
@@ -9842,11 +10087,13 @@
       </a:bgFillStyleLst>
     </a:fmtScheme>
   </a:themeElements>
+  <a:objectDefaults/>
+  <a:extraClrSchemeLst/>
 </a:theme>
 </file>
 
 <file path=ppt/theme/theme2.xml><?xml version="1.0" encoding="utf-8"?>
-<a:theme xmlns:a="http://schemas.openxmlformats.org/drawingml/2006/main" xmlns:r="http://schemas.openxmlformats.org/officeDocument/2006/relationships">
+<a:theme xmlns:a="http://schemas.openxmlformats.org/drawingml/2006/main">
   <a:themeElements>
     <a:clrScheme name="Default">
       <a:dk1>
@@ -10121,5 +10368,7 @@
       </a:bgFillStyleLst>
     </a:fmtScheme>
   </a:themeElements>
+  <a:objectDefaults/>
+  <a:extraClrSchemeLst/>
 </a:theme>
 </file>